--- a/figures/pipeline.pptx
+++ b/figures/pipeline.pptx
@@ -1,13 +1,13 @@
 
 <file path=ppt/presentation.xml><?xml version="1.0" encoding="utf-8"?>
-<p:presentation xmlns:a="http://schemas.openxmlformats.org/drawingml/2006/main" xmlns:r="http://schemas.openxmlformats.org/officeDocument/2006/relationships" xmlns:p="http://schemas.openxmlformats.org/presentationml/2006/main" saveSubsetFonts="1">
+<p:presentation xmlns:a="http://schemas.openxmlformats.org/drawingml/2006/main" xmlns:r="http://schemas.openxmlformats.org/officeDocument/2006/relationships" xmlns:p="http://schemas.openxmlformats.org/presentationml/2006/main">
   <p:sldMasterIdLst>
     <p:sldMasterId id="2147483648" r:id="rId1"/>
   </p:sldMasterIdLst>
   <p:sldIdLst>
-    <p:sldId id="256" r:id="rId2"/>
+    <p:sldId id="256" r:id="rId3"/>
   </p:sldIdLst>
-  <p:sldSz cx="12192000" cy="6858000"/>
+  <p:sldSz cx="9903460" cy="6858000" type="A4"/>
   <p:notesSz cx="6858000" cy="9144000"/>
   <p:defaultTextStyle>
     <a:defPPr>
@@ -104,11 +104,6 @@
       </a:defRPr>
     </a:lvl9pPr>
   </p:defaultTextStyle>
-  <p:extLst>
-    <p:ext uri="{EFAFB233-063F-42B5-8137-9DF3F51BA10A}">
-      <p15:sldGuideLst xmlns:p15="http://schemas.microsoft.com/office/powerpoint/2012/main"/>
-    </p:ext>
-  </p:extLst>
 </p:presentation>
 </file>
 
@@ -131,13 +126,7 @@
       </p:grpSpPr>
       <p:sp>
         <p:nvSpPr>
-          <p:cNvPr id="2" name="Title 1">
-            <a:extLst>
-              <a:ext uri="{FF2B5EF4-FFF2-40B4-BE49-F238E27FC236}">
-                <a16:creationId xmlns:a16="http://schemas.microsoft.com/office/drawing/2014/main" id="{B59F822A-9D65-4588-B810-51189D4EB65B}"/>
-              </a:ext>
-            </a:extLst>
-          </p:cNvPr>
+          <p:cNvPr id="2" name="Title 1"/>
           <p:cNvSpPr>
             <a:spLocks noGrp="1"/>
           </p:cNvSpPr>
@@ -147,8 +136,8 @@
         </p:nvSpPr>
         <p:spPr>
           <a:xfrm>
-            <a:off x="1524000" y="1122363"/>
-            <a:ext cx="9144000" cy="2387600"/>
+            <a:off x="1238007" y="1122363"/>
+            <a:ext cx="7428045" cy="2387600"/>
           </a:xfrm>
         </p:spPr>
         <p:txBody>
@@ -163,18 +152,13 @@
               <a:rPr lang="en-US"/>
               <a:t>Click to edit Master title style</a:t>
             </a:r>
-          </a:p>
-        </p:txBody>
-      </p:sp>
-      <p:sp>
-        <p:nvSpPr>
-          <p:cNvPr id="3" name="Subtitle 2">
-            <a:extLst>
-              <a:ext uri="{FF2B5EF4-FFF2-40B4-BE49-F238E27FC236}">
-                <a16:creationId xmlns:a16="http://schemas.microsoft.com/office/drawing/2014/main" id="{D7C87E93-C40B-4BA6-B263-34F7F7CCDD4C}"/>
-              </a:ext>
-            </a:extLst>
-          </p:cNvPr>
+            <a:endParaRPr lang="en-US"/>
+          </a:p>
+        </p:txBody>
+      </p:sp>
+      <p:sp>
+        <p:nvSpPr>
+          <p:cNvPr id="3" name="Subtitle 2"/>
           <p:cNvSpPr>
             <a:spLocks noGrp="1"/>
           </p:cNvSpPr>
@@ -184,8 +168,8 @@
         </p:nvSpPr>
         <p:spPr>
           <a:xfrm>
-            <a:off x="1524000" y="3602038"/>
-            <a:ext cx="9144000" cy="1655762"/>
+            <a:off x="1238007" y="3602038"/>
+            <a:ext cx="7428045" cy="1655762"/>
           </a:xfrm>
         </p:spPr>
         <p:txBody>
@@ -233,18 +217,13 @@
               <a:rPr lang="en-US"/>
               <a:t>Click to edit Master subtitle style</a:t>
             </a:r>
-          </a:p>
-        </p:txBody>
-      </p:sp>
-      <p:sp>
-        <p:nvSpPr>
-          <p:cNvPr id="4" name="Date Placeholder 3">
-            <a:extLst>
-              <a:ext uri="{FF2B5EF4-FFF2-40B4-BE49-F238E27FC236}">
-                <a16:creationId xmlns:a16="http://schemas.microsoft.com/office/drawing/2014/main" id="{027E8117-0A57-44C9-ACE3-5A5496A55C38}"/>
-              </a:ext>
-            </a:extLst>
-          </p:cNvPr>
+            <a:endParaRPr lang="en-US"/>
+          </a:p>
+        </p:txBody>
+      </p:sp>
+      <p:sp>
+        <p:nvSpPr>
+          <p:cNvPr id="4" name="Date Placeholder 3"/>
           <p:cNvSpPr>
             <a:spLocks noGrp="1"/>
           </p:cNvSpPr>
@@ -259,7 +238,6 @@
           <a:p>
             <a:fld id="{A169F0B6-6056-428B-AB91-68CE97708E12}" type="datetimeFigureOut">
               <a:rPr lang="en-US" smtClean="0"/>
-              <a:t>2/23/2022</a:t>
             </a:fld>
             <a:endParaRPr lang="en-US"/>
           </a:p>
@@ -267,13 +245,7 @@
       </p:sp>
       <p:sp>
         <p:nvSpPr>
-          <p:cNvPr id="5" name="Footer Placeholder 4">
-            <a:extLst>
-              <a:ext uri="{FF2B5EF4-FFF2-40B4-BE49-F238E27FC236}">
-                <a16:creationId xmlns:a16="http://schemas.microsoft.com/office/drawing/2014/main" id="{D00F4C5E-0EF4-476A-927C-CA8CE1833A8A}"/>
-              </a:ext>
-            </a:extLst>
-          </p:cNvPr>
+          <p:cNvPr id="5" name="Footer Placeholder 4"/>
           <p:cNvSpPr>
             <a:spLocks noGrp="1"/>
           </p:cNvSpPr>
@@ -292,13 +264,7 @@
       </p:sp>
       <p:sp>
         <p:nvSpPr>
-          <p:cNvPr id="6" name="Slide Number Placeholder 5">
-            <a:extLst>
-              <a:ext uri="{FF2B5EF4-FFF2-40B4-BE49-F238E27FC236}">
-                <a16:creationId xmlns:a16="http://schemas.microsoft.com/office/drawing/2014/main" id="{D5692D97-2152-4AE4-AF21-E2AC23B08F8E}"/>
-              </a:ext>
-            </a:extLst>
-          </p:cNvPr>
+          <p:cNvPr id="6" name="Slide Number Placeholder 5"/>
           <p:cNvSpPr>
             <a:spLocks noGrp="1"/>
           </p:cNvSpPr>
@@ -313,18 +279,12 @@
           <a:p>
             <a:fld id="{799ECC4C-5EF3-4AA8-8715-A2C293E8A202}" type="slidenum">
               <a:rPr lang="en-US" smtClean="0"/>
-              <a:t>‹#›</a:t>
             </a:fld>
             <a:endParaRPr lang="en-US"/>
           </a:p>
         </p:txBody>
       </p:sp>
     </p:spTree>
-    <p:extLst>
-      <p:ext uri="{BB962C8B-B14F-4D97-AF65-F5344CB8AC3E}">
-        <p14:creationId xmlns:p14="http://schemas.microsoft.com/office/powerpoint/2010/main" val="3517659975"/>
-      </p:ext>
-    </p:extLst>
   </p:cSld>
   <p:clrMapOvr>
     <a:masterClrMapping/>
@@ -351,13 +311,7 @@
       </p:grpSpPr>
       <p:sp>
         <p:nvSpPr>
-          <p:cNvPr id="2" name="Title 1">
-            <a:extLst>
-              <a:ext uri="{FF2B5EF4-FFF2-40B4-BE49-F238E27FC236}">
-                <a16:creationId xmlns:a16="http://schemas.microsoft.com/office/drawing/2014/main" id="{D953E658-2D04-452B-8DDF-8B35544017E6}"/>
-              </a:ext>
-            </a:extLst>
-          </p:cNvPr>
+          <p:cNvPr id="2" name="Title 1"/>
           <p:cNvSpPr>
             <a:spLocks noGrp="1"/>
           </p:cNvSpPr>
@@ -374,18 +328,13 @@
               <a:rPr lang="en-US"/>
               <a:t>Click to edit Master title style</a:t>
             </a:r>
-          </a:p>
-        </p:txBody>
-      </p:sp>
-      <p:sp>
-        <p:nvSpPr>
-          <p:cNvPr id="3" name="Vertical Text Placeholder 2">
-            <a:extLst>
-              <a:ext uri="{FF2B5EF4-FFF2-40B4-BE49-F238E27FC236}">
-                <a16:creationId xmlns:a16="http://schemas.microsoft.com/office/drawing/2014/main" id="{4A7CB678-485B-4249-8047-AFC5A59294FF}"/>
-              </a:ext>
-            </a:extLst>
-          </p:cNvPr>
+            <a:endParaRPr lang="en-US"/>
+          </a:p>
+        </p:txBody>
+      </p:sp>
+      <p:sp>
+        <p:nvSpPr>
+          <p:cNvPr id="3" name="Vertical Text Placeholder 2"/>
           <p:cNvSpPr>
             <a:spLocks noGrp="1"/>
           </p:cNvSpPr>
@@ -403,6 +352,7 @@
               <a:rPr lang="en-US"/>
               <a:t>Click to edit Master text styles</a:t>
             </a:r>
+            <a:endParaRPr lang="en-US"/>
           </a:p>
           <a:p>
             <a:pPr lvl="1"/>
@@ -410,6 +360,7 @@
               <a:rPr lang="en-US"/>
               <a:t>Second level</a:t>
             </a:r>
+            <a:endParaRPr lang="en-US"/>
           </a:p>
           <a:p>
             <a:pPr lvl="2"/>
@@ -417,6 +368,7 @@
               <a:rPr lang="en-US"/>
               <a:t>Third level</a:t>
             </a:r>
+            <a:endParaRPr lang="en-US"/>
           </a:p>
           <a:p>
             <a:pPr lvl="3"/>
@@ -424,6 +376,7 @@
               <a:rPr lang="en-US"/>
               <a:t>Fourth level</a:t>
             </a:r>
+            <a:endParaRPr lang="en-US"/>
           </a:p>
           <a:p>
             <a:pPr lvl="4"/>
@@ -431,18 +384,13 @@
               <a:rPr lang="en-US"/>
               <a:t>Fifth level</a:t>
             </a:r>
-          </a:p>
-        </p:txBody>
-      </p:sp>
-      <p:sp>
-        <p:nvSpPr>
-          <p:cNvPr id="4" name="Date Placeholder 3">
-            <a:extLst>
-              <a:ext uri="{FF2B5EF4-FFF2-40B4-BE49-F238E27FC236}">
-                <a16:creationId xmlns:a16="http://schemas.microsoft.com/office/drawing/2014/main" id="{FE1C85BC-94F4-4209-B455-E2B98953FD57}"/>
-              </a:ext>
-            </a:extLst>
-          </p:cNvPr>
+            <a:endParaRPr lang="en-US"/>
+          </a:p>
+        </p:txBody>
+      </p:sp>
+      <p:sp>
+        <p:nvSpPr>
+          <p:cNvPr id="4" name="Date Placeholder 3"/>
           <p:cNvSpPr>
             <a:spLocks noGrp="1"/>
           </p:cNvSpPr>
@@ -457,7 +405,6 @@
           <a:p>
             <a:fld id="{A169F0B6-6056-428B-AB91-68CE97708E12}" type="datetimeFigureOut">
               <a:rPr lang="en-US" smtClean="0"/>
-              <a:t>2/23/2022</a:t>
             </a:fld>
             <a:endParaRPr lang="en-US"/>
           </a:p>
@@ -465,13 +412,7 @@
       </p:sp>
       <p:sp>
         <p:nvSpPr>
-          <p:cNvPr id="5" name="Footer Placeholder 4">
-            <a:extLst>
-              <a:ext uri="{FF2B5EF4-FFF2-40B4-BE49-F238E27FC236}">
-                <a16:creationId xmlns:a16="http://schemas.microsoft.com/office/drawing/2014/main" id="{669AEA05-9F19-44EC-94D7-BE747D574CD2}"/>
-              </a:ext>
-            </a:extLst>
-          </p:cNvPr>
+          <p:cNvPr id="5" name="Footer Placeholder 4"/>
           <p:cNvSpPr>
             <a:spLocks noGrp="1"/>
           </p:cNvSpPr>
@@ -490,13 +431,7 @@
       </p:sp>
       <p:sp>
         <p:nvSpPr>
-          <p:cNvPr id="6" name="Slide Number Placeholder 5">
-            <a:extLst>
-              <a:ext uri="{FF2B5EF4-FFF2-40B4-BE49-F238E27FC236}">
-                <a16:creationId xmlns:a16="http://schemas.microsoft.com/office/drawing/2014/main" id="{DDB38B77-9FE8-402C-AEAF-8D9C61E8042E}"/>
-              </a:ext>
-            </a:extLst>
-          </p:cNvPr>
+          <p:cNvPr id="6" name="Slide Number Placeholder 5"/>
           <p:cNvSpPr>
             <a:spLocks noGrp="1"/>
           </p:cNvSpPr>
@@ -511,18 +446,12 @@
           <a:p>
             <a:fld id="{799ECC4C-5EF3-4AA8-8715-A2C293E8A202}" type="slidenum">
               <a:rPr lang="en-US" smtClean="0"/>
-              <a:t>‹#›</a:t>
             </a:fld>
             <a:endParaRPr lang="en-US"/>
           </a:p>
         </p:txBody>
       </p:sp>
     </p:spTree>
-    <p:extLst>
-      <p:ext uri="{BB962C8B-B14F-4D97-AF65-F5344CB8AC3E}">
-        <p14:creationId xmlns:p14="http://schemas.microsoft.com/office/powerpoint/2010/main" val="2381289542"/>
-      </p:ext>
-    </p:extLst>
   </p:cSld>
   <p:clrMapOvr>
     <a:masterClrMapping/>
@@ -549,13 +478,7 @@
       </p:grpSpPr>
       <p:sp>
         <p:nvSpPr>
-          <p:cNvPr id="2" name="Vertical Title 1">
-            <a:extLst>
-              <a:ext uri="{FF2B5EF4-FFF2-40B4-BE49-F238E27FC236}">
-                <a16:creationId xmlns:a16="http://schemas.microsoft.com/office/drawing/2014/main" id="{CEA8CA95-A0EE-4333-B255-3468596BC0BA}"/>
-              </a:ext>
-            </a:extLst>
-          </p:cNvPr>
+          <p:cNvPr id="2" name="Vertical Title 1"/>
           <p:cNvSpPr>
             <a:spLocks noGrp="1"/>
           </p:cNvSpPr>
@@ -565,8 +488,8 @@
         </p:nvSpPr>
         <p:spPr>
           <a:xfrm>
-            <a:off x="8724900" y="365125"/>
-            <a:ext cx="2628900" cy="5811838"/>
+            <a:off x="7087593" y="365125"/>
+            <a:ext cx="2135563" cy="5811838"/>
           </a:xfrm>
         </p:spPr>
         <p:txBody>
@@ -577,18 +500,13 @@
               <a:rPr lang="en-US"/>
               <a:t>Click to edit Master title style</a:t>
             </a:r>
-          </a:p>
-        </p:txBody>
-      </p:sp>
-      <p:sp>
-        <p:nvSpPr>
-          <p:cNvPr id="3" name="Vertical Text Placeholder 2">
-            <a:extLst>
-              <a:ext uri="{FF2B5EF4-FFF2-40B4-BE49-F238E27FC236}">
-                <a16:creationId xmlns:a16="http://schemas.microsoft.com/office/drawing/2014/main" id="{36206815-A874-4048-A351-70A6770FF0A5}"/>
-              </a:ext>
-            </a:extLst>
-          </p:cNvPr>
+            <a:endParaRPr lang="en-US"/>
+          </a:p>
+        </p:txBody>
+      </p:sp>
+      <p:sp>
+        <p:nvSpPr>
+          <p:cNvPr id="3" name="Vertical Text Placeholder 2"/>
           <p:cNvSpPr>
             <a:spLocks noGrp="1"/>
           </p:cNvSpPr>
@@ -598,8 +516,8 @@
         </p:nvSpPr>
         <p:spPr>
           <a:xfrm>
-            <a:off x="838200" y="365125"/>
-            <a:ext cx="7734300" cy="5811838"/>
+            <a:off x="680904" y="365125"/>
+            <a:ext cx="6282888" cy="5811838"/>
           </a:xfrm>
         </p:spPr>
         <p:txBody>
@@ -611,6 +529,7 @@
               <a:rPr lang="en-US"/>
               <a:t>Click to edit Master text styles</a:t>
             </a:r>
+            <a:endParaRPr lang="en-US"/>
           </a:p>
           <a:p>
             <a:pPr lvl="1"/>
@@ -618,6 +537,7 @@
               <a:rPr lang="en-US"/>
               <a:t>Second level</a:t>
             </a:r>
+            <a:endParaRPr lang="en-US"/>
           </a:p>
           <a:p>
             <a:pPr lvl="2"/>
@@ -625,6 +545,7 @@
               <a:rPr lang="en-US"/>
               <a:t>Third level</a:t>
             </a:r>
+            <a:endParaRPr lang="en-US"/>
           </a:p>
           <a:p>
             <a:pPr lvl="3"/>
@@ -632,6 +553,7 @@
               <a:rPr lang="en-US"/>
               <a:t>Fourth level</a:t>
             </a:r>
+            <a:endParaRPr lang="en-US"/>
           </a:p>
           <a:p>
             <a:pPr lvl="4"/>
@@ -639,18 +561,13 @@
               <a:rPr lang="en-US"/>
               <a:t>Fifth level</a:t>
             </a:r>
-          </a:p>
-        </p:txBody>
-      </p:sp>
-      <p:sp>
-        <p:nvSpPr>
-          <p:cNvPr id="4" name="Date Placeholder 3">
-            <a:extLst>
-              <a:ext uri="{FF2B5EF4-FFF2-40B4-BE49-F238E27FC236}">
-                <a16:creationId xmlns:a16="http://schemas.microsoft.com/office/drawing/2014/main" id="{4CD67C44-D917-4A3F-8AD4-91E6707C7FC8}"/>
-              </a:ext>
-            </a:extLst>
-          </p:cNvPr>
+            <a:endParaRPr lang="en-US"/>
+          </a:p>
+        </p:txBody>
+      </p:sp>
+      <p:sp>
+        <p:nvSpPr>
+          <p:cNvPr id="4" name="Date Placeholder 3"/>
           <p:cNvSpPr>
             <a:spLocks noGrp="1"/>
           </p:cNvSpPr>
@@ -665,7 +582,6 @@
           <a:p>
             <a:fld id="{A169F0B6-6056-428B-AB91-68CE97708E12}" type="datetimeFigureOut">
               <a:rPr lang="en-US" smtClean="0"/>
-              <a:t>2/23/2022</a:t>
             </a:fld>
             <a:endParaRPr lang="en-US"/>
           </a:p>
@@ -673,13 +589,7 @@
       </p:sp>
       <p:sp>
         <p:nvSpPr>
-          <p:cNvPr id="5" name="Footer Placeholder 4">
-            <a:extLst>
-              <a:ext uri="{FF2B5EF4-FFF2-40B4-BE49-F238E27FC236}">
-                <a16:creationId xmlns:a16="http://schemas.microsoft.com/office/drawing/2014/main" id="{9B4FEBC3-2ADE-46D3-B928-27C345CD9D7D}"/>
-              </a:ext>
-            </a:extLst>
-          </p:cNvPr>
+          <p:cNvPr id="5" name="Footer Placeholder 4"/>
           <p:cNvSpPr>
             <a:spLocks noGrp="1"/>
           </p:cNvSpPr>
@@ -698,13 +608,7 @@
       </p:sp>
       <p:sp>
         <p:nvSpPr>
-          <p:cNvPr id="6" name="Slide Number Placeholder 5">
-            <a:extLst>
-              <a:ext uri="{FF2B5EF4-FFF2-40B4-BE49-F238E27FC236}">
-                <a16:creationId xmlns:a16="http://schemas.microsoft.com/office/drawing/2014/main" id="{6F31AE5B-5D2C-40EA-A71E-97FFD5BFD1CD}"/>
-              </a:ext>
-            </a:extLst>
-          </p:cNvPr>
+          <p:cNvPr id="6" name="Slide Number Placeholder 5"/>
           <p:cNvSpPr>
             <a:spLocks noGrp="1"/>
           </p:cNvSpPr>
@@ -719,18 +623,12 @@
           <a:p>
             <a:fld id="{799ECC4C-5EF3-4AA8-8715-A2C293E8A202}" type="slidenum">
               <a:rPr lang="en-US" smtClean="0"/>
-              <a:t>‹#›</a:t>
             </a:fld>
             <a:endParaRPr lang="en-US"/>
           </a:p>
         </p:txBody>
       </p:sp>
     </p:spTree>
-    <p:extLst>
-      <p:ext uri="{BB962C8B-B14F-4D97-AF65-F5344CB8AC3E}">
-        <p14:creationId xmlns:p14="http://schemas.microsoft.com/office/powerpoint/2010/main" val="1515045271"/>
-      </p:ext>
-    </p:extLst>
   </p:cSld>
   <p:clrMapOvr>
     <a:masterClrMapping/>
@@ -757,13 +655,7 @@
       </p:grpSpPr>
       <p:sp>
         <p:nvSpPr>
-          <p:cNvPr id="2" name="Title 1">
-            <a:extLst>
-              <a:ext uri="{FF2B5EF4-FFF2-40B4-BE49-F238E27FC236}">
-                <a16:creationId xmlns:a16="http://schemas.microsoft.com/office/drawing/2014/main" id="{638E3C06-14E0-412C-9636-93B0E8ED3CE5}"/>
-              </a:ext>
-            </a:extLst>
-          </p:cNvPr>
+          <p:cNvPr id="2" name="Title 1"/>
           <p:cNvSpPr>
             <a:spLocks noGrp="1"/>
           </p:cNvSpPr>
@@ -780,18 +672,13 @@
               <a:rPr lang="en-US"/>
               <a:t>Click to edit Master title style</a:t>
             </a:r>
-          </a:p>
-        </p:txBody>
-      </p:sp>
-      <p:sp>
-        <p:nvSpPr>
-          <p:cNvPr id="3" name="Content Placeholder 2">
-            <a:extLst>
-              <a:ext uri="{FF2B5EF4-FFF2-40B4-BE49-F238E27FC236}">
-                <a16:creationId xmlns:a16="http://schemas.microsoft.com/office/drawing/2014/main" id="{BB339BDA-22DC-4D48-943B-EBB7770FC71C}"/>
-              </a:ext>
-            </a:extLst>
-          </p:cNvPr>
+            <a:endParaRPr lang="en-US"/>
+          </a:p>
+        </p:txBody>
+      </p:sp>
+      <p:sp>
+        <p:nvSpPr>
+          <p:cNvPr id="3" name="Content Placeholder 2"/>
           <p:cNvSpPr>
             <a:spLocks noGrp="1"/>
           </p:cNvSpPr>
@@ -809,6 +696,7 @@
               <a:rPr lang="en-US"/>
               <a:t>Click to edit Master text styles</a:t>
             </a:r>
+            <a:endParaRPr lang="en-US"/>
           </a:p>
           <a:p>
             <a:pPr lvl="1"/>
@@ -816,6 +704,7 @@
               <a:rPr lang="en-US"/>
               <a:t>Second level</a:t>
             </a:r>
+            <a:endParaRPr lang="en-US"/>
           </a:p>
           <a:p>
             <a:pPr lvl="2"/>
@@ -823,6 +712,7 @@
               <a:rPr lang="en-US"/>
               <a:t>Third level</a:t>
             </a:r>
+            <a:endParaRPr lang="en-US"/>
           </a:p>
           <a:p>
             <a:pPr lvl="3"/>
@@ -830,6 +720,7 @@
               <a:rPr lang="en-US"/>
               <a:t>Fourth level</a:t>
             </a:r>
+            <a:endParaRPr lang="en-US"/>
           </a:p>
           <a:p>
             <a:pPr lvl="4"/>
@@ -837,18 +728,13 @@
               <a:rPr lang="en-US"/>
               <a:t>Fifth level</a:t>
             </a:r>
-          </a:p>
-        </p:txBody>
-      </p:sp>
-      <p:sp>
-        <p:nvSpPr>
-          <p:cNvPr id="4" name="Date Placeholder 3">
-            <a:extLst>
-              <a:ext uri="{FF2B5EF4-FFF2-40B4-BE49-F238E27FC236}">
-                <a16:creationId xmlns:a16="http://schemas.microsoft.com/office/drawing/2014/main" id="{08723206-3CCC-445F-94AC-D1D458F0CFA9}"/>
-              </a:ext>
-            </a:extLst>
-          </p:cNvPr>
+            <a:endParaRPr lang="en-US"/>
+          </a:p>
+        </p:txBody>
+      </p:sp>
+      <p:sp>
+        <p:nvSpPr>
+          <p:cNvPr id="4" name="Date Placeholder 3"/>
           <p:cNvSpPr>
             <a:spLocks noGrp="1"/>
           </p:cNvSpPr>
@@ -863,7 +749,6 @@
           <a:p>
             <a:fld id="{A169F0B6-6056-428B-AB91-68CE97708E12}" type="datetimeFigureOut">
               <a:rPr lang="en-US" smtClean="0"/>
-              <a:t>2/23/2022</a:t>
             </a:fld>
             <a:endParaRPr lang="en-US"/>
           </a:p>
@@ -871,13 +756,7 @@
       </p:sp>
       <p:sp>
         <p:nvSpPr>
-          <p:cNvPr id="5" name="Footer Placeholder 4">
-            <a:extLst>
-              <a:ext uri="{FF2B5EF4-FFF2-40B4-BE49-F238E27FC236}">
-                <a16:creationId xmlns:a16="http://schemas.microsoft.com/office/drawing/2014/main" id="{C89778D2-1ECD-4751-B189-BFFBF55E5350}"/>
-              </a:ext>
-            </a:extLst>
-          </p:cNvPr>
+          <p:cNvPr id="5" name="Footer Placeholder 4"/>
           <p:cNvSpPr>
             <a:spLocks noGrp="1"/>
           </p:cNvSpPr>
@@ -896,13 +775,7 @@
       </p:sp>
       <p:sp>
         <p:nvSpPr>
-          <p:cNvPr id="6" name="Slide Number Placeholder 5">
-            <a:extLst>
-              <a:ext uri="{FF2B5EF4-FFF2-40B4-BE49-F238E27FC236}">
-                <a16:creationId xmlns:a16="http://schemas.microsoft.com/office/drawing/2014/main" id="{B5064218-1B96-4F37-A7F0-057A7B381773}"/>
-              </a:ext>
-            </a:extLst>
-          </p:cNvPr>
+          <p:cNvPr id="6" name="Slide Number Placeholder 5"/>
           <p:cNvSpPr>
             <a:spLocks noGrp="1"/>
           </p:cNvSpPr>
@@ -917,18 +790,12 @@
           <a:p>
             <a:fld id="{799ECC4C-5EF3-4AA8-8715-A2C293E8A202}" type="slidenum">
               <a:rPr lang="en-US" smtClean="0"/>
-              <a:t>‹#›</a:t>
             </a:fld>
             <a:endParaRPr lang="en-US"/>
           </a:p>
         </p:txBody>
       </p:sp>
     </p:spTree>
-    <p:extLst>
-      <p:ext uri="{BB962C8B-B14F-4D97-AF65-F5344CB8AC3E}">
-        <p14:creationId xmlns:p14="http://schemas.microsoft.com/office/powerpoint/2010/main" val="1487619654"/>
-      </p:ext>
-    </p:extLst>
   </p:cSld>
   <p:clrMapOvr>
     <a:masterClrMapping/>
@@ -955,13 +822,7 @@
       </p:grpSpPr>
       <p:sp>
         <p:nvSpPr>
-          <p:cNvPr id="2" name="Title 1">
-            <a:extLst>
-              <a:ext uri="{FF2B5EF4-FFF2-40B4-BE49-F238E27FC236}">
-                <a16:creationId xmlns:a16="http://schemas.microsoft.com/office/drawing/2014/main" id="{6719CEFE-4643-4FC6-B155-F81D61D1BC93}"/>
-              </a:ext>
-            </a:extLst>
-          </p:cNvPr>
+          <p:cNvPr id="2" name="Title 1"/>
           <p:cNvSpPr>
             <a:spLocks noGrp="1"/>
           </p:cNvSpPr>
@@ -971,8 +832,8 @@
         </p:nvSpPr>
         <p:spPr>
           <a:xfrm>
-            <a:off x="831850" y="1709738"/>
-            <a:ext cx="10515600" cy="2852737"/>
+            <a:off x="675746" y="1709738"/>
+            <a:ext cx="8542251" cy="2852737"/>
           </a:xfrm>
         </p:spPr>
         <p:txBody>
@@ -987,18 +848,13 @@
               <a:rPr lang="en-US"/>
               <a:t>Click to edit Master title style</a:t>
             </a:r>
-          </a:p>
-        </p:txBody>
-      </p:sp>
-      <p:sp>
-        <p:nvSpPr>
-          <p:cNvPr id="3" name="Text Placeholder 2">
-            <a:extLst>
-              <a:ext uri="{FF2B5EF4-FFF2-40B4-BE49-F238E27FC236}">
-                <a16:creationId xmlns:a16="http://schemas.microsoft.com/office/drawing/2014/main" id="{E43D7497-4E9D-48C3-978C-6BA553F6F795}"/>
-              </a:ext>
-            </a:extLst>
-          </p:cNvPr>
+            <a:endParaRPr lang="en-US"/>
+          </a:p>
+        </p:txBody>
+      </p:sp>
+      <p:sp>
+        <p:nvSpPr>
+          <p:cNvPr id="3" name="Text Placeholder 2"/>
           <p:cNvSpPr>
             <a:spLocks noGrp="1"/>
           </p:cNvSpPr>
@@ -1008,8 +864,8 @@
         </p:nvSpPr>
         <p:spPr>
           <a:xfrm>
-            <a:off x="831850" y="4589463"/>
-            <a:ext cx="10515600" cy="1500187"/>
+            <a:off x="675746" y="4589463"/>
+            <a:ext cx="8542251" cy="1500187"/>
           </a:xfrm>
         </p:spPr>
         <p:txBody>
@@ -1112,18 +968,13 @@
               <a:rPr lang="en-US"/>
               <a:t>Click to edit Master text styles</a:t>
             </a:r>
-          </a:p>
-        </p:txBody>
-      </p:sp>
-      <p:sp>
-        <p:nvSpPr>
-          <p:cNvPr id="4" name="Date Placeholder 3">
-            <a:extLst>
-              <a:ext uri="{FF2B5EF4-FFF2-40B4-BE49-F238E27FC236}">
-                <a16:creationId xmlns:a16="http://schemas.microsoft.com/office/drawing/2014/main" id="{0D5E6B55-1977-4F91-BEAE-5D6E523F2893}"/>
-              </a:ext>
-            </a:extLst>
-          </p:cNvPr>
+            <a:endParaRPr lang="en-US"/>
+          </a:p>
+        </p:txBody>
+      </p:sp>
+      <p:sp>
+        <p:nvSpPr>
+          <p:cNvPr id="4" name="Date Placeholder 3"/>
           <p:cNvSpPr>
             <a:spLocks noGrp="1"/>
           </p:cNvSpPr>
@@ -1138,7 +989,6 @@
           <a:p>
             <a:fld id="{A169F0B6-6056-428B-AB91-68CE97708E12}" type="datetimeFigureOut">
               <a:rPr lang="en-US" smtClean="0"/>
-              <a:t>2/23/2022</a:t>
             </a:fld>
             <a:endParaRPr lang="en-US"/>
           </a:p>
@@ -1146,13 +996,7 @@
       </p:sp>
       <p:sp>
         <p:nvSpPr>
-          <p:cNvPr id="5" name="Footer Placeholder 4">
-            <a:extLst>
-              <a:ext uri="{FF2B5EF4-FFF2-40B4-BE49-F238E27FC236}">
-                <a16:creationId xmlns:a16="http://schemas.microsoft.com/office/drawing/2014/main" id="{51EF8959-255E-49B5-8A36-AF817F8CEDA8}"/>
-              </a:ext>
-            </a:extLst>
-          </p:cNvPr>
+          <p:cNvPr id="5" name="Footer Placeholder 4"/>
           <p:cNvSpPr>
             <a:spLocks noGrp="1"/>
           </p:cNvSpPr>
@@ -1171,13 +1015,7 @@
       </p:sp>
       <p:sp>
         <p:nvSpPr>
-          <p:cNvPr id="6" name="Slide Number Placeholder 5">
-            <a:extLst>
-              <a:ext uri="{FF2B5EF4-FFF2-40B4-BE49-F238E27FC236}">
-                <a16:creationId xmlns:a16="http://schemas.microsoft.com/office/drawing/2014/main" id="{B15D6C8D-AE68-408B-B819-571F7F63F9EB}"/>
-              </a:ext>
-            </a:extLst>
-          </p:cNvPr>
+          <p:cNvPr id="6" name="Slide Number Placeholder 5"/>
           <p:cNvSpPr>
             <a:spLocks noGrp="1"/>
           </p:cNvSpPr>
@@ -1192,18 +1030,12 @@
           <a:p>
             <a:fld id="{799ECC4C-5EF3-4AA8-8715-A2C293E8A202}" type="slidenum">
               <a:rPr lang="en-US" smtClean="0"/>
-              <a:t>‹#›</a:t>
             </a:fld>
             <a:endParaRPr lang="en-US"/>
           </a:p>
         </p:txBody>
       </p:sp>
     </p:spTree>
-    <p:extLst>
-      <p:ext uri="{BB962C8B-B14F-4D97-AF65-F5344CB8AC3E}">
-        <p14:creationId xmlns:p14="http://schemas.microsoft.com/office/powerpoint/2010/main" val="1398085530"/>
-      </p:ext>
-    </p:extLst>
   </p:cSld>
   <p:clrMapOvr>
     <a:masterClrMapping/>
@@ -1230,13 +1062,7 @@
       </p:grpSpPr>
       <p:sp>
         <p:nvSpPr>
-          <p:cNvPr id="2" name="Title 1">
-            <a:extLst>
-              <a:ext uri="{FF2B5EF4-FFF2-40B4-BE49-F238E27FC236}">
-                <a16:creationId xmlns:a16="http://schemas.microsoft.com/office/drawing/2014/main" id="{551BC2C3-BC0E-4B1E-A53A-FCB715F3854B}"/>
-              </a:ext>
-            </a:extLst>
-          </p:cNvPr>
+          <p:cNvPr id="2" name="Title 1"/>
           <p:cNvSpPr>
             <a:spLocks noGrp="1"/>
           </p:cNvSpPr>
@@ -1253,18 +1079,13 @@
               <a:rPr lang="en-US"/>
               <a:t>Click to edit Master title style</a:t>
             </a:r>
-          </a:p>
-        </p:txBody>
-      </p:sp>
-      <p:sp>
-        <p:nvSpPr>
-          <p:cNvPr id="3" name="Content Placeholder 2">
-            <a:extLst>
-              <a:ext uri="{FF2B5EF4-FFF2-40B4-BE49-F238E27FC236}">
-                <a16:creationId xmlns:a16="http://schemas.microsoft.com/office/drawing/2014/main" id="{DFEE9467-4D10-4B4F-AECC-0F513D4F3468}"/>
-              </a:ext>
-            </a:extLst>
-          </p:cNvPr>
+            <a:endParaRPr lang="en-US"/>
+          </a:p>
+        </p:txBody>
+      </p:sp>
+      <p:sp>
+        <p:nvSpPr>
+          <p:cNvPr id="3" name="Content Placeholder 2"/>
           <p:cNvSpPr>
             <a:spLocks noGrp="1"/>
           </p:cNvSpPr>
@@ -1274,8 +1095,8 @@
         </p:nvSpPr>
         <p:spPr>
           <a:xfrm>
-            <a:off x="838200" y="1825625"/>
-            <a:ext cx="5181600" cy="4351338"/>
+            <a:off x="680904" y="1825625"/>
+            <a:ext cx="4209225" cy="4351338"/>
           </a:xfrm>
         </p:spPr>
         <p:txBody>
@@ -1287,6 +1108,7 @@
               <a:rPr lang="en-US"/>
               <a:t>Click to edit Master text styles</a:t>
             </a:r>
+            <a:endParaRPr lang="en-US"/>
           </a:p>
           <a:p>
             <a:pPr lvl="1"/>
@@ -1294,6 +1116,7 @@
               <a:rPr lang="en-US"/>
               <a:t>Second level</a:t>
             </a:r>
+            <a:endParaRPr lang="en-US"/>
           </a:p>
           <a:p>
             <a:pPr lvl="2"/>
@@ -1301,6 +1124,7 @@
               <a:rPr lang="en-US"/>
               <a:t>Third level</a:t>
             </a:r>
+            <a:endParaRPr lang="en-US"/>
           </a:p>
           <a:p>
             <a:pPr lvl="3"/>
@@ -1308,6 +1132,7 @@
               <a:rPr lang="en-US"/>
               <a:t>Fourth level</a:t>
             </a:r>
+            <a:endParaRPr lang="en-US"/>
           </a:p>
           <a:p>
             <a:pPr lvl="4"/>
@@ -1315,18 +1140,13 @@
               <a:rPr lang="en-US"/>
               <a:t>Fifth level</a:t>
             </a:r>
-          </a:p>
-        </p:txBody>
-      </p:sp>
-      <p:sp>
-        <p:nvSpPr>
-          <p:cNvPr id="4" name="Content Placeholder 3">
-            <a:extLst>
-              <a:ext uri="{FF2B5EF4-FFF2-40B4-BE49-F238E27FC236}">
-                <a16:creationId xmlns:a16="http://schemas.microsoft.com/office/drawing/2014/main" id="{26E9C46F-15B5-4010-BFC2-76371E62C94E}"/>
-              </a:ext>
-            </a:extLst>
-          </p:cNvPr>
+            <a:endParaRPr lang="en-US"/>
+          </a:p>
+        </p:txBody>
+      </p:sp>
+      <p:sp>
+        <p:nvSpPr>
+          <p:cNvPr id="4" name="Content Placeholder 3"/>
           <p:cNvSpPr>
             <a:spLocks noGrp="1"/>
           </p:cNvSpPr>
@@ -1336,8 +1156,8 @@
         </p:nvSpPr>
         <p:spPr>
           <a:xfrm>
-            <a:off x="6172200" y="1825625"/>
-            <a:ext cx="5181600" cy="4351338"/>
+            <a:off x="5013930" y="1825625"/>
+            <a:ext cx="4209225" cy="4351338"/>
           </a:xfrm>
         </p:spPr>
         <p:txBody>
@@ -1349,6 +1169,7 @@
               <a:rPr lang="en-US"/>
               <a:t>Click to edit Master text styles</a:t>
             </a:r>
+            <a:endParaRPr lang="en-US"/>
           </a:p>
           <a:p>
             <a:pPr lvl="1"/>
@@ -1356,6 +1177,7 @@
               <a:rPr lang="en-US"/>
               <a:t>Second level</a:t>
             </a:r>
+            <a:endParaRPr lang="en-US"/>
           </a:p>
           <a:p>
             <a:pPr lvl="2"/>
@@ -1363,6 +1185,7 @@
               <a:rPr lang="en-US"/>
               <a:t>Third level</a:t>
             </a:r>
+            <a:endParaRPr lang="en-US"/>
           </a:p>
           <a:p>
             <a:pPr lvl="3"/>
@@ -1370,6 +1193,7 @@
               <a:rPr lang="en-US"/>
               <a:t>Fourth level</a:t>
             </a:r>
+            <a:endParaRPr lang="en-US"/>
           </a:p>
           <a:p>
             <a:pPr lvl="4"/>
@@ -1377,18 +1201,13 @@
               <a:rPr lang="en-US"/>
               <a:t>Fifth level</a:t>
             </a:r>
-          </a:p>
-        </p:txBody>
-      </p:sp>
-      <p:sp>
-        <p:nvSpPr>
-          <p:cNvPr id="5" name="Date Placeholder 4">
-            <a:extLst>
-              <a:ext uri="{FF2B5EF4-FFF2-40B4-BE49-F238E27FC236}">
-                <a16:creationId xmlns:a16="http://schemas.microsoft.com/office/drawing/2014/main" id="{4E976EB5-BAEE-451C-BFB2-C45A4DA26C91}"/>
-              </a:ext>
-            </a:extLst>
-          </p:cNvPr>
+            <a:endParaRPr lang="en-US"/>
+          </a:p>
+        </p:txBody>
+      </p:sp>
+      <p:sp>
+        <p:nvSpPr>
+          <p:cNvPr id="5" name="Date Placeholder 4"/>
           <p:cNvSpPr>
             <a:spLocks noGrp="1"/>
           </p:cNvSpPr>
@@ -1403,7 +1222,6 @@
           <a:p>
             <a:fld id="{A169F0B6-6056-428B-AB91-68CE97708E12}" type="datetimeFigureOut">
               <a:rPr lang="en-US" smtClean="0"/>
-              <a:t>2/23/2022</a:t>
             </a:fld>
             <a:endParaRPr lang="en-US"/>
           </a:p>
@@ -1411,13 +1229,7 @@
       </p:sp>
       <p:sp>
         <p:nvSpPr>
-          <p:cNvPr id="6" name="Footer Placeholder 5">
-            <a:extLst>
-              <a:ext uri="{FF2B5EF4-FFF2-40B4-BE49-F238E27FC236}">
-                <a16:creationId xmlns:a16="http://schemas.microsoft.com/office/drawing/2014/main" id="{A365DF48-EA94-4DC4-A4D3-220D726BA953}"/>
-              </a:ext>
-            </a:extLst>
-          </p:cNvPr>
+          <p:cNvPr id="6" name="Footer Placeholder 5"/>
           <p:cNvSpPr>
             <a:spLocks noGrp="1"/>
           </p:cNvSpPr>
@@ -1436,13 +1248,7 @@
       </p:sp>
       <p:sp>
         <p:nvSpPr>
-          <p:cNvPr id="7" name="Slide Number Placeholder 6">
-            <a:extLst>
-              <a:ext uri="{FF2B5EF4-FFF2-40B4-BE49-F238E27FC236}">
-                <a16:creationId xmlns:a16="http://schemas.microsoft.com/office/drawing/2014/main" id="{BC7EA258-A043-4354-965E-40A0C66AE7C2}"/>
-              </a:ext>
-            </a:extLst>
-          </p:cNvPr>
+          <p:cNvPr id="7" name="Slide Number Placeholder 6"/>
           <p:cNvSpPr>
             <a:spLocks noGrp="1"/>
           </p:cNvSpPr>
@@ -1457,18 +1263,12 @@
           <a:p>
             <a:fld id="{799ECC4C-5EF3-4AA8-8715-A2C293E8A202}" type="slidenum">
               <a:rPr lang="en-US" smtClean="0"/>
-              <a:t>‹#›</a:t>
             </a:fld>
             <a:endParaRPr lang="en-US"/>
           </a:p>
         </p:txBody>
       </p:sp>
     </p:spTree>
-    <p:extLst>
-      <p:ext uri="{BB962C8B-B14F-4D97-AF65-F5344CB8AC3E}">
-        <p14:creationId xmlns:p14="http://schemas.microsoft.com/office/powerpoint/2010/main" val="2642357121"/>
-      </p:ext>
-    </p:extLst>
   </p:cSld>
   <p:clrMapOvr>
     <a:masterClrMapping/>
@@ -1495,13 +1295,7 @@
       </p:grpSpPr>
       <p:sp>
         <p:nvSpPr>
-          <p:cNvPr id="2" name="Title 1">
-            <a:extLst>
-              <a:ext uri="{FF2B5EF4-FFF2-40B4-BE49-F238E27FC236}">
-                <a16:creationId xmlns:a16="http://schemas.microsoft.com/office/drawing/2014/main" id="{5D9E09BB-5868-434F-B313-A67ED05B0345}"/>
-              </a:ext>
-            </a:extLst>
-          </p:cNvPr>
+          <p:cNvPr id="2" name="Title 1"/>
           <p:cNvSpPr>
             <a:spLocks noGrp="1"/>
           </p:cNvSpPr>
@@ -1511,8 +1305,8 @@
         </p:nvSpPr>
         <p:spPr>
           <a:xfrm>
-            <a:off x="839788" y="365125"/>
-            <a:ext cx="10515600" cy="1325563"/>
+            <a:off x="682194" y="365125"/>
+            <a:ext cx="8542251" cy="1325563"/>
           </a:xfrm>
         </p:spPr>
         <p:txBody>
@@ -1523,18 +1317,13 @@
               <a:rPr lang="en-US"/>
               <a:t>Click to edit Master title style</a:t>
             </a:r>
-          </a:p>
-        </p:txBody>
-      </p:sp>
-      <p:sp>
-        <p:nvSpPr>
-          <p:cNvPr id="3" name="Text Placeholder 2">
-            <a:extLst>
-              <a:ext uri="{FF2B5EF4-FFF2-40B4-BE49-F238E27FC236}">
-                <a16:creationId xmlns:a16="http://schemas.microsoft.com/office/drawing/2014/main" id="{6585D5DD-DB08-4273-8FC1-7C20D43914C0}"/>
-              </a:ext>
-            </a:extLst>
-          </p:cNvPr>
+            <a:endParaRPr lang="en-US"/>
+          </a:p>
+        </p:txBody>
+      </p:sp>
+      <p:sp>
+        <p:nvSpPr>
+          <p:cNvPr id="3" name="Text Placeholder 2"/>
           <p:cNvSpPr>
             <a:spLocks noGrp="1"/>
           </p:cNvSpPr>
@@ -1544,8 +1333,8 @@
         </p:nvSpPr>
         <p:spPr>
           <a:xfrm>
-            <a:off x="839788" y="1681163"/>
-            <a:ext cx="5157787" cy="823912"/>
+            <a:off x="682194" y="1681163"/>
+            <a:ext cx="4189881" cy="823912"/>
           </a:xfrm>
         </p:spPr>
         <p:txBody>
@@ -1594,18 +1383,13 @@
               <a:rPr lang="en-US"/>
               <a:t>Click to edit Master text styles</a:t>
             </a:r>
-          </a:p>
-        </p:txBody>
-      </p:sp>
-      <p:sp>
-        <p:nvSpPr>
-          <p:cNvPr id="4" name="Content Placeholder 3">
-            <a:extLst>
-              <a:ext uri="{FF2B5EF4-FFF2-40B4-BE49-F238E27FC236}">
-                <a16:creationId xmlns:a16="http://schemas.microsoft.com/office/drawing/2014/main" id="{772A9A0C-7473-4E04-8038-ED085C403DEE}"/>
-              </a:ext>
-            </a:extLst>
-          </p:cNvPr>
+            <a:endParaRPr lang="en-US"/>
+          </a:p>
+        </p:txBody>
+      </p:sp>
+      <p:sp>
+        <p:nvSpPr>
+          <p:cNvPr id="4" name="Content Placeholder 3"/>
           <p:cNvSpPr>
             <a:spLocks noGrp="1"/>
           </p:cNvSpPr>
@@ -1615,8 +1399,8 @@
         </p:nvSpPr>
         <p:spPr>
           <a:xfrm>
-            <a:off x="839788" y="2505075"/>
-            <a:ext cx="5157787" cy="3684588"/>
+            <a:off x="682194" y="2505075"/>
+            <a:ext cx="4189881" cy="3684588"/>
           </a:xfrm>
         </p:spPr>
         <p:txBody>
@@ -1628,6 +1412,7 @@
               <a:rPr lang="en-US"/>
               <a:t>Click to edit Master text styles</a:t>
             </a:r>
+            <a:endParaRPr lang="en-US"/>
           </a:p>
           <a:p>
             <a:pPr lvl="1"/>
@@ -1635,6 +1420,7 @@
               <a:rPr lang="en-US"/>
               <a:t>Second level</a:t>
             </a:r>
+            <a:endParaRPr lang="en-US"/>
           </a:p>
           <a:p>
             <a:pPr lvl="2"/>
@@ -1642,6 +1428,7 @@
               <a:rPr lang="en-US"/>
               <a:t>Third level</a:t>
             </a:r>
+            <a:endParaRPr lang="en-US"/>
           </a:p>
           <a:p>
             <a:pPr lvl="3"/>
@@ -1649,6 +1436,7 @@
               <a:rPr lang="en-US"/>
               <a:t>Fourth level</a:t>
             </a:r>
+            <a:endParaRPr lang="en-US"/>
           </a:p>
           <a:p>
             <a:pPr lvl="4"/>
@@ -1656,18 +1444,13 @@
               <a:rPr lang="en-US"/>
               <a:t>Fifth level</a:t>
             </a:r>
-          </a:p>
-        </p:txBody>
-      </p:sp>
-      <p:sp>
-        <p:nvSpPr>
-          <p:cNvPr id="5" name="Text Placeholder 4">
-            <a:extLst>
-              <a:ext uri="{FF2B5EF4-FFF2-40B4-BE49-F238E27FC236}">
-                <a16:creationId xmlns:a16="http://schemas.microsoft.com/office/drawing/2014/main" id="{36F051D3-7537-49FD-B761-604C5FB2DFFE}"/>
-              </a:ext>
-            </a:extLst>
-          </p:cNvPr>
+            <a:endParaRPr lang="en-US"/>
+          </a:p>
+        </p:txBody>
+      </p:sp>
+      <p:sp>
+        <p:nvSpPr>
+          <p:cNvPr id="5" name="Text Placeholder 4"/>
           <p:cNvSpPr>
             <a:spLocks noGrp="1"/>
           </p:cNvSpPr>
@@ -1677,8 +1460,8 @@
         </p:nvSpPr>
         <p:spPr>
           <a:xfrm>
-            <a:off x="6172200" y="1681163"/>
-            <a:ext cx="5183188" cy="823912"/>
+            <a:off x="5013930" y="1681163"/>
+            <a:ext cx="4210515" cy="823912"/>
           </a:xfrm>
         </p:spPr>
         <p:txBody>
@@ -1727,18 +1510,13 @@
               <a:rPr lang="en-US"/>
               <a:t>Click to edit Master text styles</a:t>
             </a:r>
-          </a:p>
-        </p:txBody>
-      </p:sp>
-      <p:sp>
-        <p:nvSpPr>
-          <p:cNvPr id="6" name="Content Placeholder 5">
-            <a:extLst>
-              <a:ext uri="{FF2B5EF4-FFF2-40B4-BE49-F238E27FC236}">
-                <a16:creationId xmlns:a16="http://schemas.microsoft.com/office/drawing/2014/main" id="{90303022-6C52-4D7C-98EE-DF14DA399166}"/>
-              </a:ext>
-            </a:extLst>
-          </p:cNvPr>
+            <a:endParaRPr lang="en-US"/>
+          </a:p>
+        </p:txBody>
+      </p:sp>
+      <p:sp>
+        <p:nvSpPr>
+          <p:cNvPr id="6" name="Content Placeholder 5"/>
           <p:cNvSpPr>
             <a:spLocks noGrp="1"/>
           </p:cNvSpPr>
@@ -1748,8 +1526,8 @@
         </p:nvSpPr>
         <p:spPr>
           <a:xfrm>
-            <a:off x="6172200" y="2505075"/>
-            <a:ext cx="5183188" cy="3684588"/>
+            <a:off x="5013930" y="2505075"/>
+            <a:ext cx="4210515" cy="3684588"/>
           </a:xfrm>
         </p:spPr>
         <p:txBody>
@@ -1761,6 +1539,7 @@
               <a:rPr lang="en-US"/>
               <a:t>Click to edit Master text styles</a:t>
             </a:r>
+            <a:endParaRPr lang="en-US"/>
           </a:p>
           <a:p>
             <a:pPr lvl="1"/>
@@ -1768,6 +1547,7 @@
               <a:rPr lang="en-US"/>
               <a:t>Second level</a:t>
             </a:r>
+            <a:endParaRPr lang="en-US"/>
           </a:p>
           <a:p>
             <a:pPr lvl="2"/>
@@ -1775,6 +1555,7 @@
               <a:rPr lang="en-US"/>
               <a:t>Third level</a:t>
             </a:r>
+            <a:endParaRPr lang="en-US"/>
           </a:p>
           <a:p>
             <a:pPr lvl="3"/>
@@ -1782,6 +1563,7 @@
               <a:rPr lang="en-US"/>
               <a:t>Fourth level</a:t>
             </a:r>
+            <a:endParaRPr lang="en-US"/>
           </a:p>
           <a:p>
             <a:pPr lvl="4"/>
@@ -1789,18 +1571,13 @@
               <a:rPr lang="en-US"/>
               <a:t>Fifth level</a:t>
             </a:r>
-          </a:p>
-        </p:txBody>
-      </p:sp>
-      <p:sp>
-        <p:nvSpPr>
-          <p:cNvPr id="7" name="Date Placeholder 6">
-            <a:extLst>
-              <a:ext uri="{FF2B5EF4-FFF2-40B4-BE49-F238E27FC236}">
-                <a16:creationId xmlns:a16="http://schemas.microsoft.com/office/drawing/2014/main" id="{FAF4F0A2-18F7-454C-99F0-772C7553CF75}"/>
-              </a:ext>
-            </a:extLst>
-          </p:cNvPr>
+            <a:endParaRPr lang="en-US"/>
+          </a:p>
+        </p:txBody>
+      </p:sp>
+      <p:sp>
+        <p:nvSpPr>
+          <p:cNvPr id="7" name="Date Placeholder 6"/>
           <p:cNvSpPr>
             <a:spLocks noGrp="1"/>
           </p:cNvSpPr>
@@ -1815,7 +1592,6 @@
           <a:p>
             <a:fld id="{A169F0B6-6056-428B-AB91-68CE97708E12}" type="datetimeFigureOut">
               <a:rPr lang="en-US" smtClean="0"/>
-              <a:t>2/23/2022</a:t>
             </a:fld>
             <a:endParaRPr lang="en-US"/>
           </a:p>
@@ -1823,13 +1599,7 @@
       </p:sp>
       <p:sp>
         <p:nvSpPr>
-          <p:cNvPr id="8" name="Footer Placeholder 7">
-            <a:extLst>
-              <a:ext uri="{FF2B5EF4-FFF2-40B4-BE49-F238E27FC236}">
-                <a16:creationId xmlns:a16="http://schemas.microsoft.com/office/drawing/2014/main" id="{29D58617-58F3-431D-86FB-3B2A21BBB17F}"/>
-              </a:ext>
-            </a:extLst>
-          </p:cNvPr>
+          <p:cNvPr id="8" name="Footer Placeholder 7"/>
           <p:cNvSpPr>
             <a:spLocks noGrp="1"/>
           </p:cNvSpPr>
@@ -1848,13 +1618,7 @@
       </p:sp>
       <p:sp>
         <p:nvSpPr>
-          <p:cNvPr id="9" name="Slide Number Placeholder 8">
-            <a:extLst>
-              <a:ext uri="{FF2B5EF4-FFF2-40B4-BE49-F238E27FC236}">
-                <a16:creationId xmlns:a16="http://schemas.microsoft.com/office/drawing/2014/main" id="{A0DEEA5B-6720-49E8-A83E-EECF5873C2C5}"/>
-              </a:ext>
-            </a:extLst>
-          </p:cNvPr>
+          <p:cNvPr id="9" name="Slide Number Placeholder 8"/>
           <p:cNvSpPr>
             <a:spLocks noGrp="1"/>
           </p:cNvSpPr>
@@ -1869,18 +1633,12 @@
           <a:p>
             <a:fld id="{799ECC4C-5EF3-4AA8-8715-A2C293E8A202}" type="slidenum">
               <a:rPr lang="en-US" smtClean="0"/>
-              <a:t>‹#›</a:t>
             </a:fld>
             <a:endParaRPr lang="en-US"/>
           </a:p>
         </p:txBody>
       </p:sp>
     </p:spTree>
-    <p:extLst>
-      <p:ext uri="{BB962C8B-B14F-4D97-AF65-F5344CB8AC3E}">
-        <p14:creationId xmlns:p14="http://schemas.microsoft.com/office/powerpoint/2010/main" val="1946832458"/>
-      </p:ext>
-    </p:extLst>
   </p:cSld>
   <p:clrMapOvr>
     <a:masterClrMapping/>
@@ -1907,13 +1665,7 @@
       </p:grpSpPr>
       <p:sp>
         <p:nvSpPr>
-          <p:cNvPr id="2" name="Title 1">
-            <a:extLst>
-              <a:ext uri="{FF2B5EF4-FFF2-40B4-BE49-F238E27FC236}">
-                <a16:creationId xmlns:a16="http://schemas.microsoft.com/office/drawing/2014/main" id="{78D5ADA2-B287-4AF0-8BF1-884AC83FB7ED}"/>
-              </a:ext>
-            </a:extLst>
-          </p:cNvPr>
+          <p:cNvPr id="2" name="Title 1"/>
           <p:cNvSpPr>
             <a:spLocks noGrp="1"/>
           </p:cNvSpPr>
@@ -1930,18 +1682,13 @@
               <a:rPr lang="en-US"/>
               <a:t>Click to edit Master title style</a:t>
             </a:r>
-          </a:p>
-        </p:txBody>
-      </p:sp>
-      <p:sp>
-        <p:nvSpPr>
-          <p:cNvPr id="3" name="Date Placeholder 2">
-            <a:extLst>
-              <a:ext uri="{FF2B5EF4-FFF2-40B4-BE49-F238E27FC236}">
-                <a16:creationId xmlns:a16="http://schemas.microsoft.com/office/drawing/2014/main" id="{104F2D21-7632-41B2-93FF-67FFE3D9C2AB}"/>
-              </a:ext>
-            </a:extLst>
-          </p:cNvPr>
+            <a:endParaRPr lang="en-US"/>
+          </a:p>
+        </p:txBody>
+      </p:sp>
+      <p:sp>
+        <p:nvSpPr>
+          <p:cNvPr id="3" name="Date Placeholder 2"/>
           <p:cNvSpPr>
             <a:spLocks noGrp="1"/>
           </p:cNvSpPr>
@@ -1956,7 +1703,6 @@
           <a:p>
             <a:fld id="{A169F0B6-6056-428B-AB91-68CE97708E12}" type="datetimeFigureOut">
               <a:rPr lang="en-US" smtClean="0"/>
-              <a:t>2/23/2022</a:t>
             </a:fld>
             <a:endParaRPr lang="en-US"/>
           </a:p>
@@ -1964,13 +1710,7 @@
       </p:sp>
       <p:sp>
         <p:nvSpPr>
-          <p:cNvPr id="4" name="Footer Placeholder 3">
-            <a:extLst>
-              <a:ext uri="{FF2B5EF4-FFF2-40B4-BE49-F238E27FC236}">
-                <a16:creationId xmlns:a16="http://schemas.microsoft.com/office/drawing/2014/main" id="{04078A22-A18A-41FA-94AF-CB587F59B4E8}"/>
-              </a:ext>
-            </a:extLst>
-          </p:cNvPr>
+          <p:cNvPr id="4" name="Footer Placeholder 3"/>
           <p:cNvSpPr>
             <a:spLocks noGrp="1"/>
           </p:cNvSpPr>
@@ -1989,13 +1729,7 @@
       </p:sp>
       <p:sp>
         <p:nvSpPr>
-          <p:cNvPr id="5" name="Slide Number Placeholder 4">
-            <a:extLst>
-              <a:ext uri="{FF2B5EF4-FFF2-40B4-BE49-F238E27FC236}">
-                <a16:creationId xmlns:a16="http://schemas.microsoft.com/office/drawing/2014/main" id="{8F122E7F-EE0F-4951-8915-3C864AC92D37}"/>
-              </a:ext>
-            </a:extLst>
-          </p:cNvPr>
+          <p:cNvPr id="5" name="Slide Number Placeholder 4"/>
           <p:cNvSpPr>
             <a:spLocks noGrp="1"/>
           </p:cNvSpPr>
@@ -2010,18 +1744,12 @@
           <a:p>
             <a:fld id="{799ECC4C-5EF3-4AA8-8715-A2C293E8A202}" type="slidenum">
               <a:rPr lang="en-US" smtClean="0"/>
-              <a:t>‹#›</a:t>
             </a:fld>
             <a:endParaRPr lang="en-US"/>
           </a:p>
         </p:txBody>
       </p:sp>
     </p:spTree>
-    <p:extLst>
-      <p:ext uri="{BB962C8B-B14F-4D97-AF65-F5344CB8AC3E}">
-        <p14:creationId xmlns:p14="http://schemas.microsoft.com/office/powerpoint/2010/main" val="3956213603"/>
-      </p:ext>
-    </p:extLst>
   </p:cSld>
   <p:clrMapOvr>
     <a:masterClrMapping/>
@@ -2048,13 +1776,7 @@
       </p:grpSpPr>
       <p:sp>
         <p:nvSpPr>
-          <p:cNvPr id="2" name="Date Placeholder 1">
-            <a:extLst>
-              <a:ext uri="{FF2B5EF4-FFF2-40B4-BE49-F238E27FC236}">
-                <a16:creationId xmlns:a16="http://schemas.microsoft.com/office/drawing/2014/main" id="{E58D0C34-FBE3-40A8-AE72-80179ECC1C4C}"/>
-              </a:ext>
-            </a:extLst>
-          </p:cNvPr>
+          <p:cNvPr id="2" name="Date Placeholder 1"/>
           <p:cNvSpPr>
             <a:spLocks noGrp="1"/>
           </p:cNvSpPr>
@@ -2069,7 +1791,6 @@
           <a:p>
             <a:fld id="{A169F0B6-6056-428B-AB91-68CE97708E12}" type="datetimeFigureOut">
               <a:rPr lang="en-US" smtClean="0"/>
-              <a:t>2/23/2022</a:t>
             </a:fld>
             <a:endParaRPr lang="en-US"/>
           </a:p>
@@ -2077,13 +1798,7 @@
       </p:sp>
       <p:sp>
         <p:nvSpPr>
-          <p:cNvPr id="3" name="Footer Placeholder 2">
-            <a:extLst>
-              <a:ext uri="{FF2B5EF4-FFF2-40B4-BE49-F238E27FC236}">
-                <a16:creationId xmlns:a16="http://schemas.microsoft.com/office/drawing/2014/main" id="{4AB8D11C-7E22-4ECC-9979-706465E1798E}"/>
-              </a:ext>
-            </a:extLst>
-          </p:cNvPr>
+          <p:cNvPr id="3" name="Footer Placeholder 2"/>
           <p:cNvSpPr>
             <a:spLocks noGrp="1"/>
           </p:cNvSpPr>
@@ -2102,13 +1817,7 @@
       </p:sp>
       <p:sp>
         <p:nvSpPr>
-          <p:cNvPr id="4" name="Slide Number Placeholder 3">
-            <a:extLst>
-              <a:ext uri="{FF2B5EF4-FFF2-40B4-BE49-F238E27FC236}">
-                <a16:creationId xmlns:a16="http://schemas.microsoft.com/office/drawing/2014/main" id="{C9EED6E4-5C3A-4B09-BE9E-29C72DD26E9A}"/>
-              </a:ext>
-            </a:extLst>
-          </p:cNvPr>
+          <p:cNvPr id="4" name="Slide Number Placeholder 3"/>
           <p:cNvSpPr>
             <a:spLocks noGrp="1"/>
           </p:cNvSpPr>
@@ -2123,18 +1832,12 @@
           <a:p>
             <a:fld id="{799ECC4C-5EF3-4AA8-8715-A2C293E8A202}" type="slidenum">
               <a:rPr lang="en-US" smtClean="0"/>
-              <a:t>‹#›</a:t>
             </a:fld>
             <a:endParaRPr lang="en-US"/>
           </a:p>
         </p:txBody>
       </p:sp>
     </p:spTree>
-    <p:extLst>
-      <p:ext uri="{BB962C8B-B14F-4D97-AF65-F5344CB8AC3E}">
-        <p14:creationId xmlns:p14="http://schemas.microsoft.com/office/powerpoint/2010/main" val="1442146431"/>
-      </p:ext>
-    </p:extLst>
   </p:cSld>
   <p:clrMapOvr>
     <a:masterClrMapping/>
@@ -2161,13 +1864,7 @@
       </p:grpSpPr>
       <p:sp>
         <p:nvSpPr>
-          <p:cNvPr id="2" name="Title 1">
-            <a:extLst>
-              <a:ext uri="{FF2B5EF4-FFF2-40B4-BE49-F238E27FC236}">
-                <a16:creationId xmlns:a16="http://schemas.microsoft.com/office/drawing/2014/main" id="{04A8D69B-3E58-4BB8-9946-1A84F3ABABDA}"/>
-              </a:ext>
-            </a:extLst>
-          </p:cNvPr>
+          <p:cNvPr id="2" name="Title 1"/>
           <p:cNvSpPr>
             <a:spLocks noGrp="1"/>
           </p:cNvSpPr>
@@ -2177,8 +1874,8 @@
         </p:nvSpPr>
         <p:spPr>
           <a:xfrm>
-            <a:off x="839788" y="457200"/>
-            <a:ext cx="3932237" cy="1600200"/>
+            <a:off x="682194" y="457200"/>
+            <a:ext cx="3194317" cy="1600200"/>
           </a:xfrm>
         </p:spPr>
         <p:txBody>
@@ -2193,18 +1890,13 @@
               <a:rPr lang="en-US"/>
               <a:t>Click to edit Master title style</a:t>
             </a:r>
-          </a:p>
-        </p:txBody>
-      </p:sp>
-      <p:sp>
-        <p:nvSpPr>
-          <p:cNvPr id="3" name="Content Placeholder 2">
-            <a:extLst>
-              <a:ext uri="{FF2B5EF4-FFF2-40B4-BE49-F238E27FC236}">
-                <a16:creationId xmlns:a16="http://schemas.microsoft.com/office/drawing/2014/main" id="{77F9AE7A-36D7-4F26-9F7E-042E53FA4626}"/>
-              </a:ext>
-            </a:extLst>
-          </p:cNvPr>
+            <a:endParaRPr lang="en-US"/>
+          </a:p>
+        </p:txBody>
+      </p:sp>
+      <p:sp>
+        <p:nvSpPr>
+          <p:cNvPr id="3" name="Content Placeholder 2"/>
           <p:cNvSpPr>
             <a:spLocks noGrp="1"/>
           </p:cNvSpPr>
@@ -2214,8 +1906,8 @@
         </p:nvSpPr>
         <p:spPr>
           <a:xfrm>
-            <a:off x="5183188" y="987425"/>
-            <a:ext cx="6172200" cy="4873625"/>
+            <a:off x="4210515" y="987425"/>
+            <a:ext cx="5013930" cy="4873625"/>
           </a:xfrm>
         </p:spPr>
         <p:txBody>
@@ -2255,6 +1947,7 @@
               <a:rPr lang="en-US"/>
               <a:t>Click to edit Master text styles</a:t>
             </a:r>
+            <a:endParaRPr lang="en-US"/>
           </a:p>
           <a:p>
             <a:pPr lvl="1"/>
@@ -2262,6 +1955,7 @@
               <a:rPr lang="en-US"/>
               <a:t>Second level</a:t>
             </a:r>
+            <a:endParaRPr lang="en-US"/>
           </a:p>
           <a:p>
             <a:pPr lvl="2"/>
@@ -2269,6 +1963,7 @@
               <a:rPr lang="en-US"/>
               <a:t>Third level</a:t>
             </a:r>
+            <a:endParaRPr lang="en-US"/>
           </a:p>
           <a:p>
             <a:pPr lvl="3"/>
@@ -2276,6 +1971,7 @@
               <a:rPr lang="en-US"/>
               <a:t>Fourth level</a:t>
             </a:r>
+            <a:endParaRPr lang="en-US"/>
           </a:p>
           <a:p>
             <a:pPr lvl="4"/>
@@ -2283,18 +1979,13 @@
               <a:rPr lang="en-US"/>
               <a:t>Fifth level</a:t>
             </a:r>
-          </a:p>
-        </p:txBody>
-      </p:sp>
-      <p:sp>
-        <p:nvSpPr>
-          <p:cNvPr id="4" name="Text Placeholder 3">
-            <a:extLst>
-              <a:ext uri="{FF2B5EF4-FFF2-40B4-BE49-F238E27FC236}">
-                <a16:creationId xmlns:a16="http://schemas.microsoft.com/office/drawing/2014/main" id="{2BA5C096-53B6-4685-B66E-66FB0BC3362D}"/>
-              </a:ext>
-            </a:extLst>
-          </p:cNvPr>
+            <a:endParaRPr lang="en-US"/>
+          </a:p>
+        </p:txBody>
+      </p:sp>
+      <p:sp>
+        <p:nvSpPr>
+          <p:cNvPr id="4" name="Text Placeholder 3"/>
           <p:cNvSpPr>
             <a:spLocks noGrp="1"/>
           </p:cNvSpPr>
@@ -2304,8 +1995,8 @@
         </p:nvSpPr>
         <p:spPr>
           <a:xfrm>
-            <a:off x="839788" y="2057400"/>
-            <a:ext cx="3932237" cy="3811588"/>
+            <a:off x="682194" y="2057400"/>
+            <a:ext cx="3194317" cy="3811588"/>
           </a:xfrm>
         </p:spPr>
         <p:txBody>
@@ -2354,18 +2045,13 @@
               <a:rPr lang="en-US"/>
               <a:t>Click to edit Master text styles</a:t>
             </a:r>
-          </a:p>
-        </p:txBody>
-      </p:sp>
-      <p:sp>
-        <p:nvSpPr>
-          <p:cNvPr id="5" name="Date Placeholder 4">
-            <a:extLst>
-              <a:ext uri="{FF2B5EF4-FFF2-40B4-BE49-F238E27FC236}">
-                <a16:creationId xmlns:a16="http://schemas.microsoft.com/office/drawing/2014/main" id="{A641F6A7-8500-458B-816D-ACE3C2CBF2E8}"/>
-              </a:ext>
-            </a:extLst>
-          </p:cNvPr>
+            <a:endParaRPr lang="en-US"/>
+          </a:p>
+        </p:txBody>
+      </p:sp>
+      <p:sp>
+        <p:nvSpPr>
+          <p:cNvPr id="5" name="Date Placeholder 4"/>
           <p:cNvSpPr>
             <a:spLocks noGrp="1"/>
           </p:cNvSpPr>
@@ -2380,7 +2066,6 @@
           <a:p>
             <a:fld id="{A169F0B6-6056-428B-AB91-68CE97708E12}" type="datetimeFigureOut">
               <a:rPr lang="en-US" smtClean="0"/>
-              <a:t>2/23/2022</a:t>
             </a:fld>
             <a:endParaRPr lang="en-US"/>
           </a:p>
@@ -2388,13 +2073,7 @@
       </p:sp>
       <p:sp>
         <p:nvSpPr>
-          <p:cNvPr id="6" name="Footer Placeholder 5">
-            <a:extLst>
-              <a:ext uri="{FF2B5EF4-FFF2-40B4-BE49-F238E27FC236}">
-                <a16:creationId xmlns:a16="http://schemas.microsoft.com/office/drawing/2014/main" id="{3A12D5FC-8287-4D57-B945-CE52D05C9E1E}"/>
-              </a:ext>
-            </a:extLst>
-          </p:cNvPr>
+          <p:cNvPr id="6" name="Footer Placeholder 5"/>
           <p:cNvSpPr>
             <a:spLocks noGrp="1"/>
           </p:cNvSpPr>
@@ -2413,13 +2092,7 @@
       </p:sp>
       <p:sp>
         <p:nvSpPr>
-          <p:cNvPr id="7" name="Slide Number Placeholder 6">
-            <a:extLst>
-              <a:ext uri="{FF2B5EF4-FFF2-40B4-BE49-F238E27FC236}">
-                <a16:creationId xmlns:a16="http://schemas.microsoft.com/office/drawing/2014/main" id="{A9A537A3-E519-4AF5-954B-EB86BFD02178}"/>
-              </a:ext>
-            </a:extLst>
-          </p:cNvPr>
+          <p:cNvPr id="7" name="Slide Number Placeholder 6"/>
           <p:cNvSpPr>
             <a:spLocks noGrp="1"/>
           </p:cNvSpPr>
@@ -2434,18 +2107,12 @@
           <a:p>
             <a:fld id="{799ECC4C-5EF3-4AA8-8715-A2C293E8A202}" type="slidenum">
               <a:rPr lang="en-US" smtClean="0"/>
-              <a:t>‹#›</a:t>
             </a:fld>
             <a:endParaRPr lang="en-US"/>
           </a:p>
         </p:txBody>
       </p:sp>
     </p:spTree>
-    <p:extLst>
-      <p:ext uri="{BB962C8B-B14F-4D97-AF65-F5344CB8AC3E}">
-        <p14:creationId xmlns:p14="http://schemas.microsoft.com/office/powerpoint/2010/main" val="251034857"/>
-      </p:ext>
-    </p:extLst>
   </p:cSld>
   <p:clrMapOvr>
     <a:masterClrMapping/>
@@ -2472,13 +2139,7 @@
       </p:grpSpPr>
       <p:sp>
         <p:nvSpPr>
-          <p:cNvPr id="2" name="Title 1">
-            <a:extLst>
-              <a:ext uri="{FF2B5EF4-FFF2-40B4-BE49-F238E27FC236}">
-                <a16:creationId xmlns:a16="http://schemas.microsoft.com/office/drawing/2014/main" id="{5D218CBC-857C-440E-83B4-1E071E578446}"/>
-              </a:ext>
-            </a:extLst>
-          </p:cNvPr>
+          <p:cNvPr id="2" name="Title 1"/>
           <p:cNvSpPr>
             <a:spLocks noGrp="1"/>
           </p:cNvSpPr>
@@ -2488,8 +2149,8 @@
         </p:nvSpPr>
         <p:spPr>
           <a:xfrm>
-            <a:off x="839788" y="457200"/>
-            <a:ext cx="3932237" cy="1600200"/>
+            <a:off x="682194" y="457200"/>
+            <a:ext cx="3194317" cy="1600200"/>
           </a:xfrm>
         </p:spPr>
         <p:txBody>
@@ -2504,18 +2165,13 @@
               <a:rPr lang="en-US"/>
               <a:t>Click to edit Master title style</a:t>
             </a:r>
-          </a:p>
-        </p:txBody>
-      </p:sp>
-      <p:sp>
-        <p:nvSpPr>
-          <p:cNvPr id="3" name="Picture Placeholder 2">
-            <a:extLst>
-              <a:ext uri="{FF2B5EF4-FFF2-40B4-BE49-F238E27FC236}">
-                <a16:creationId xmlns:a16="http://schemas.microsoft.com/office/drawing/2014/main" id="{0B0D206C-2013-4BCF-97FD-23BCDAFF45B9}"/>
-              </a:ext>
-            </a:extLst>
-          </p:cNvPr>
+            <a:endParaRPr lang="en-US"/>
+          </a:p>
+        </p:txBody>
+      </p:sp>
+      <p:sp>
+        <p:nvSpPr>
+          <p:cNvPr id="3" name="Picture Placeholder 2"/>
           <p:cNvSpPr>
             <a:spLocks noGrp="1"/>
           </p:cNvSpPr>
@@ -2525,8 +2181,8 @@
         </p:nvSpPr>
         <p:spPr>
           <a:xfrm>
-            <a:off x="5183188" y="987425"/>
-            <a:ext cx="6172200" cy="4873625"/>
+            <a:off x="4210515" y="987425"/>
+            <a:ext cx="5013930" cy="4873625"/>
           </a:xfrm>
         </p:spPr>
         <p:txBody>
@@ -2576,13 +2232,7 @@
       </p:sp>
       <p:sp>
         <p:nvSpPr>
-          <p:cNvPr id="4" name="Text Placeholder 3">
-            <a:extLst>
-              <a:ext uri="{FF2B5EF4-FFF2-40B4-BE49-F238E27FC236}">
-                <a16:creationId xmlns:a16="http://schemas.microsoft.com/office/drawing/2014/main" id="{A90DA5B3-4B31-4549-ACD4-E36F5A3D1C58}"/>
-              </a:ext>
-            </a:extLst>
-          </p:cNvPr>
+          <p:cNvPr id="4" name="Text Placeholder 3"/>
           <p:cNvSpPr>
             <a:spLocks noGrp="1"/>
           </p:cNvSpPr>
@@ -2592,8 +2242,8 @@
         </p:nvSpPr>
         <p:spPr>
           <a:xfrm>
-            <a:off x="839788" y="2057400"/>
-            <a:ext cx="3932237" cy="3811588"/>
+            <a:off x="682194" y="2057400"/>
+            <a:ext cx="3194317" cy="3811588"/>
           </a:xfrm>
         </p:spPr>
         <p:txBody>
@@ -2642,18 +2292,13 @@
               <a:rPr lang="en-US"/>
               <a:t>Click to edit Master text styles</a:t>
             </a:r>
-          </a:p>
-        </p:txBody>
-      </p:sp>
-      <p:sp>
-        <p:nvSpPr>
-          <p:cNvPr id="5" name="Date Placeholder 4">
-            <a:extLst>
-              <a:ext uri="{FF2B5EF4-FFF2-40B4-BE49-F238E27FC236}">
-                <a16:creationId xmlns:a16="http://schemas.microsoft.com/office/drawing/2014/main" id="{AA38754F-A465-4E5A-ACA3-A5D634EDEB0B}"/>
-              </a:ext>
-            </a:extLst>
-          </p:cNvPr>
+            <a:endParaRPr lang="en-US"/>
+          </a:p>
+        </p:txBody>
+      </p:sp>
+      <p:sp>
+        <p:nvSpPr>
+          <p:cNvPr id="5" name="Date Placeholder 4"/>
           <p:cNvSpPr>
             <a:spLocks noGrp="1"/>
           </p:cNvSpPr>
@@ -2668,7 +2313,6 @@
           <a:p>
             <a:fld id="{A169F0B6-6056-428B-AB91-68CE97708E12}" type="datetimeFigureOut">
               <a:rPr lang="en-US" smtClean="0"/>
-              <a:t>2/23/2022</a:t>
             </a:fld>
             <a:endParaRPr lang="en-US"/>
           </a:p>
@@ -2676,13 +2320,7 @@
       </p:sp>
       <p:sp>
         <p:nvSpPr>
-          <p:cNvPr id="6" name="Footer Placeholder 5">
-            <a:extLst>
-              <a:ext uri="{FF2B5EF4-FFF2-40B4-BE49-F238E27FC236}">
-                <a16:creationId xmlns:a16="http://schemas.microsoft.com/office/drawing/2014/main" id="{66A27382-EE52-45BE-B634-3ACCC5EF3C59}"/>
-              </a:ext>
-            </a:extLst>
-          </p:cNvPr>
+          <p:cNvPr id="6" name="Footer Placeholder 5"/>
           <p:cNvSpPr>
             <a:spLocks noGrp="1"/>
           </p:cNvSpPr>
@@ -2701,13 +2339,7 @@
       </p:sp>
       <p:sp>
         <p:nvSpPr>
-          <p:cNvPr id="7" name="Slide Number Placeholder 6">
-            <a:extLst>
-              <a:ext uri="{FF2B5EF4-FFF2-40B4-BE49-F238E27FC236}">
-                <a16:creationId xmlns:a16="http://schemas.microsoft.com/office/drawing/2014/main" id="{FA8AB369-55E9-42DD-88FE-1F061D94D729}"/>
-              </a:ext>
-            </a:extLst>
-          </p:cNvPr>
+          <p:cNvPr id="7" name="Slide Number Placeholder 6"/>
           <p:cNvSpPr>
             <a:spLocks noGrp="1"/>
           </p:cNvSpPr>
@@ -2722,18 +2354,12 @@
           <a:p>
             <a:fld id="{799ECC4C-5EF3-4AA8-8715-A2C293E8A202}" type="slidenum">
               <a:rPr lang="en-US" smtClean="0"/>
-              <a:t>‹#›</a:t>
             </a:fld>
             <a:endParaRPr lang="en-US"/>
           </a:p>
         </p:txBody>
       </p:sp>
     </p:spTree>
-    <p:extLst>
-      <p:ext uri="{BB962C8B-B14F-4D97-AF65-F5344CB8AC3E}">
-        <p14:creationId xmlns:p14="http://schemas.microsoft.com/office/powerpoint/2010/main" val="3807835006"/>
-      </p:ext>
-    </p:extLst>
   </p:cSld>
   <p:clrMapOvr>
     <a:masterClrMapping/>
@@ -2765,13 +2391,7 @@
       </p:grpSpPr>
       <p:sp>
         <p:nvSpPr>
-          <p:cNvPr id="2" name="Title Placeholder 1">
-            <a:extLst>
-              <a:ext uri="{FF2B5EF4-FFF2-40B4-BE49-F238E27FC236}">
-                <a16:creationId xmlns:a16="http://schemas.microsoft.com/office/drawing/2014/main" id="{22EA4D87-69DD-4771-B378-3BB13EC61C90}"/>
-              </a:ext>
-            </a:extLst>
-          </p:cNvPr>
+          <p:cNvPr id="2" name="Title Placeholder 1"/>
           <p:cNvSpPr>
             <a:spLocks noGrp="1"/>
           </p:cNvSpPr>
@@ -2781,8 +2401,8 @@
         </p:nvSpPr>
         <p:spPr>
           <a:xfrm>
-            <a:off x="838200" y="365125"/>
-            <a:ext cx="10515600" cy="1325563"/>
+            <a:off x="680904" y="365125"/>
+            <a:ext cx="8542251" cy="1325563"/>
           </a:xfrm>
           <a:prstGeom prst="rect">
             <a:avLst/>
@@ -2798,18 +2418,13 @@
               <a:rPr lang="en-US"/>
               <a:t>Click to edit Master title style</a:t>
             </a:r>
-          </a:p>
-        </p:txBody>
-      </p:sp>
-      <p:sp>
-        <p:nvSpPr>
-          <p:cNvPr id="3" name="Text Placeholder 2">
-            <a:extLst>
-              <a:ext uri="{FF2B5EF4-FFF2-40B4-BE49-F238E27FC236}">
-                <a16:creationId xmlns:a16="http://schemas.microsoft.com/office/drawing/2014/main" id="{6070CB39-F04E-45E7-978C-F821A1BE744C}"/>
-              </a:ext>
-            </a:extLst>
-          </p:cNvPr>
+            <a:endParaRPr lang="en-US"/>
+          </a:p>
+        </p:txBody>
+      </p:sp>
+      <p:sp>
+        <p:nvSpPr>
+          <p:cNvPr id="3" name="Text Placeholder 2"/>
           <p:cNvSpPr>
             <a:spLocks noGrp="1"/>
           </p:cNvSpPr>
@@ -2819,8 +2434,8 @@
         </p:nvSpPr>
         <p:spPr>
           <a:xfrm>
-            <a:off x="838200" y="1825625"/>
-            <a:ext cx="10515600" cy="4351338"/>
+            <a:off x="680904" y="1825625"/>
+            <a:ext cx="8542251" cy="4351338"/>
           </a:xfrm>
           <a:prstGeom prst="rect">
             <a:avLst/>
@@ -2837,6 +2452,7 @@
               <a:rPr lang="en-US"/>
               <a:t>Click to edit Master text styles</a:t>
             </a:r>
+            <a:endParaRPr lang="en-US"/>
           </a:p>
           <a:p>
             <a:pPr lvl="1"/>
@@ -2844,6 +2460,7 @@
               <a:rPr lang="en-US"/>
               <a:t>Second level</a:t>
             </a:r>
+            <a:endParaRPr lang="en-US"/>
           </a:p>
           <a:p>
             <a:pPr lvl="2"/>
@@ -2851,6 +2468,7 @@
               <a:rPr lang="en-US"/>
               <a:t>Third level</a:t>
             </a:r>
+            <a:endParaRPr lang="en-US"/>
           </a:p>
           <a:p>
             <a:pPr lvl="3"/>
@@ -2858,6 +2476,7 @@
               <a:rPr lang="en-US"/>
               <a:t>Fourth level</a:t>
             </a:r>
+            <a:endParaRPr lang="en-US"/>
           </a:p>
           <a:p>
             <a:pPr lvl="4"/>
@@ -2865,18 +2484,13 @@
               <a:rPr lang="en-US"/>
               <a:t>Fifth level</a:t>
             </a:r>
-          </a:p>
-        </p:txBody>
-      </p:sp>
-      <p:sp>
-        <p:nvSpPr>
-          <p:cNvPr id="4" name="Date Placeholder 3">
-            <a:extLst>
-              <a:ext uri="{FF2B5EF4-FFF2-40B4-BE49-F238E27FC236}">
-                <a16:creationId xmlns:a16="http://schemas.microsoft.com/office/drawing/2014/main" id="{90B56D19-3434-489D-867D-E42C1AFB54DA}"/>
-              </a:ext>
-            </a:extLst>
-          </p:cNvPr>
+            <a:endParaRPr lang="en-US"/>
+          </a:p>
+        </p:txBody>
+      </p:sp>
+      <p:sp>
+        <p:nvSpPr>
+          <p:cNvPr id="4" name="Date Placeholder 3"/>
           <p:cNvSpPr>
             <a:spLocks noGrp="1"/>
           </p:cNvSpPr>
@@ -2886,8 +2500,8 @@
         </p:nvSpPr>
         <p:spPr>
           <a:xfrm>
-            <a:off x="838200" y="6356350"/>
-            <a:ext cx="2743200" cy="365125"/>
+            <a:off x="680904" y="6356350"/>
+            <a:ext cx="2228413" cy="365125"/>
           </a:xfrm>
           <a:prstGeom prst="rect">
             <a:avLst/>
@@ -2909,7 +2523,6 @@
           <a:p>
             <a:fld id="{A169F0B6-6056-428B-AB91-68CE97708E12}" type="datetimeFigureOut">
               <a:rPr lang="en-US" smtClean="0"/>
-              <a:t>2/23/2022</a:t>
             </a:fld>
             <a:endParaRPr lang="en-US"/>
           </a:p>
@@ -2917,13 +2530,7 @@
       </p:sp>
       <p:sp>
         <p:nvSpPr>
-          <p:cNvPr id="5" name="Footer Placeholder 4">
-            <a:extLst>
-              <a:ext uri="{FF2B5EF4-FFF2-40B4-BE49-F238E27FC236}">
-                <a16:creationId xmlns:a16="http://schemas.microsoft.com/office/drawing/2014/main" id="{A30E8E32-DCFC-4C47-8849-B56C91CEA83C}"/>
-              </a:ext>
-            </a:extLst>
-          </p:cNvPr>
+          <p:cNvPr id="5" name="Footer Placeholder 4"/>
           <p:cNvSpPr>
             <a:spLocks noGrp="1"/>
           </p:cNvSpPr>
@@ -2933,8 +2540,8 @@
         </p:nvSpPr>
         <p:spPr>
           <a:xfrm>
-            <a:off x="4038600" y="6356350"/>
-            <a:ext cx="4114800" cy="365125"/>
+            <a:off x="3280720" y="6356350"/>
+            <a:ext cx="3342620" cy="365125"/>
           </a:xfrm>
           <a:prstGeom prst="rect">
             <a:avLst/>
@@ -2960,13 +2567,7 @@
       </p:sp>
       <p:sp>
         <p:nvSpPr>
-          <p:cNvPr id="6" name="Slide Number Placeholder 5">
-            <a:extLst>
-              <a:ext uri="{FF2B5EF4-FFF2-40B4-BE49-F238E27FC236}">
-                <a16:creationId xmlns:a16="http://schemas.microsoft.com/office/drawing/2014/main" id="{8D8F3CFC-CE9C-4CB8-ACE1-E24180E52F08}"/>
-              </a:ext>
-            </a:extLst>
-          </p:cNvPr>
+          <p:cNvPr id="6" name="Slide Number Placeholder 5"/>
           <p:cNvSpPr>
             <a:spLocks noGrp="1"/>
           </p:cNvSpPr>
@@ -2976,8 +2577,8 @@
         </p:nvSpPr>
         <p:spPr>
           <a:xfrm>
-            <a:off x="8610600" y="6356350"/>
-            <a:ext cx="2743200" cy="365125"/>
+            <a:off x="6994742" y="6356350"/>
+            <a:ext cx="2228413" cy="365125"/>
           </a:xfrm>
           <a:prstGeom prst="rect">
             <a:avLst/>
@@ -2999,18 +2600,12 @@
           <a:p>
             <a:fld id="{799ECC4C-5EF3-4AA8-8715-A2C293E8A202}" type="slidenum">
               <a:rPr lang="en-US" smtClean="0"/>
-              <a:t>‹#›</a:t>
             </a:fld>
             <a:endParaRPr lang="en-US"/>
           </a:p>
         </p:txBody>
       </p:sp>
     </p:spTree>
-    <p:extLst>
-      <p:ext uri="{BB962C8B-B14F-4D97-AF65-F5344CB8AC3E}">
-        <p14:creationId xmlns:p14="http://schemas.microsoft.com/office/powerpoint/2010/main" val="3145148713"/>
-      </p:ext>
-    </p:extLst>
   </p:cSld>
   <p:clrMap bg1="lt1" tx1="dk1" bg2="lt2" tx2="dk2" accent1="accent1" accent2="accent2" accent3="accent3" accent4="accent4" accent5="accent5" accent6="accent6" hlink="hlink" folHlink="folHlink"/>
   <p:sldLayoutIdLst>
@@ -3328,20 +2923,14 @@
       </p:grpSpPr>
       <p:sp>
         <p:nvSpPr>
-          <p:cNvPr id="28" name="Rectangle: Rounded Corners 27">
-            <a:extLst>
-              <a:ext uri="{FF2B5EF4-FFF2-40B4-BE49-F238E27FC236}">
-                <a16:creationId xmlns:a16="http://schemas.microsoft.com/office/drawing/2014/main" id="{E6D3D007-7CC4-4666-BCDE-23BAF881A479}"/>
-              </a:ext>
-            </a:extLst>
-          </p:cNvPr>
+          <p:cNvPr id="28" name="Rectangle: Rounded Corners 27"/>
           <p:cNvSpPr/>
           <p:nvPr/>
         </p:nvSpPr>
         <p:spPr>
           <a:xfrm>
-            <a:off x="5586255" y="265724"/>
-            <a:ext cx="3862545" cy="5006612"/>
+            <a:off x="4537984" y="859595"/>
+            <a:ext cx="3137394" cy="4066675"/>
           </a:xfrm>
           <a:prstGeom prst="roundRect">
             <a:avLst/>
@@ -3371,34 +2960,28 @@
           <a:lstStyle/>
           <a:p>
             <a:pPr algn="ctr"/>
-            <a:endParaRPr lang="en-US"/>
-          </a:p>
-        </p:txBody>
-      </p:sp>
-      <p:sp>
-        <p:nvSpPr>
-          <p:cNvPr id="6" name="Rectangle 5">
-            <a:extLst>
-              <a:ext uri="{FF2B5EF4-FFF2-40B4-BE49-F238E27FC236}">
-                <a16:creationId xmlns:a16="http://schemas.microsoft.com/office/drawing/2014/main" id="{6A4F7BED-4281-470F-976F-A56E51103036}"/>
-              </a:ext>
-            </a:extLst>
-          </p:cNvPr>
+            <a:endParaRPr lang="en-US" sz="1460"/>
+          </a:p>
+        </p:txBody>
+      </p:sp>
+      <p:sp>
+        <p:nvSpPr>
+          <p:cNvPr id="6" name="Rectangle 5"/>
           <p:cNvSpPr/>
           <p:nvPr/>
         </p:nvSpPr>
         <p:spPr>
           <a:xfrm>
-            <a:off x="3290278" y="945660"/>
-            <a:ext cx="1617784" cy="804985"/>
+            <a:off x="2673052" y="1411880"/>
+            <a:ext cx="1314063" cy="653858"/>
           </a:xfrm>
           <a:prstGeom prst="rect">
             <a:avLst/>
           </a:prstGeom>
           <a:solidFill>
             <a:schemeClr val="accent1">
-              <a:lumMod val="40000"/>
-              <a:lumOff val="60000"/>
+              <a:lumMod val="60000"/>
+              <a:lumOff val="40000"/>
             </a:schemeClr>
           </a:solidFill>
         </p:spPr>
@@ -3424,37 +3007,31 @@
           <a:p>
             <a:pPr algn="ctr"/>
             <a:r>
-              <a:rPr lang="en-US" altLang="zh-CN" dirty="0"/>
+              <a:rPr lang="en-US" altLang="zh-CN" sz="1460" dirty="0"/>
               <a:t>ResNet152</a:t>
             </a:r>
-            <a:endParaRPr lang="en-US" dirty="0"/>
-          </a:p>
-        </p:txBody>
-      </p:sp>
-      <p:sp>
-        <p:nvSpPr>
-          <p:cNvPr id="7" name="Oval 6">
-            <a:extLst>
-              <a:ext uri="{FF2B5EF4-FFF2-40B4-BE49-F238E27FC236}">
-                <a16:creationId xmlns:a16="http://schemas.microsoft.com/office/drawing/2014/main" id="{F6E40A1A-2DAE-4B1F-87C3-43730FB80E38}"/>
-              </a:ext>
-            </a:extLst>
-          </p:cNvPr>
+            <a:endParaRPr lang="en-US" sz="1460" dirty="0"/>
+          </a:p>
+        </p:txBody>
+      </p:sp>
+      <p:sp>
+        <p:nvSpPr>
+          <p:cNvPr id="7" name="Oval 6"/>
           <p:cNvSpPr/>
           <p:nvPr/>
         </p:nvSpPr>
         <p:spPr>
           <a:xfrm>
-            <a:off x="296983" y="1027721"/>
-            <a:ext cx="1617783" cy="640861"/>
+            <a:off x="241715" y="1478535"/>
+            <a:ext cx="1314062" cy="520546"/>
           </a:xfrm>
           <a:prstGeom prst="ellipse">
             <a:avLst/>
           </a:prstGeom>
           <a:solidFill>
             <a:schemeClr val="accent2">
-              <a:lumMod val="40000"/>
-              <a:lumOff val="60000"/>
+              <a:lumMod val="60000"/>
+              <a:lumOff val="40000"/>
             </a:schemeClr>
           </a:solidFill>
         </p:spPr>
@@ -3480,22 +3057,16 @@
           <a:p>
             <a:pPr algn="ctr"/>
             <a:r>
-              <a:rPr lang="en-US" altLang="zh-CN" dirty="0"/>
+              <a:rPr lang="en-US" altLang="zh-CN" sz="1460" dirty="0"/>
               <a:t>ImageNet</a:t>
             </a:r>
-            <a:endParaRPr lang="en-US" dirty="0"/>
+            <a:endParaRPr lang="en-US" sz="1460" dirty="0"/>
           </a:p>
         </p:txBody>
       </p:sp>
       <p:cxnSp>
         <p:nvCxnSpPr>
-          <p:cNvPr id="9" name="Straight Arrow Connector 8">
-            <a:extLst>
-              <a:ext uri="{FF2B5EF4-FFF2-40B4-BE49-F238E27FC236}">
-                <a16:creationId xmlns:a16="http://schemas.microsoft.com/office/drawing/2014/main" id="{2926D4AA-8256-447F-B338-21618A313E26}"/>
-              </a:ext>
-            </a:extLst>
-          </p:cNvPr>
+          <p:cNvPr id="9" name="Straight Arrow Connector 8"/>
           <p:cNvCxnSpPr>
             <a:endCxn id="6" idx="1"/>
           </p:cNvCxnSpPr>
@@ -3503,8 +3074,8 @@
         </p:nvCxnSpPr>
         <p:spPr>
           <a:xfrm>
-            <a:off x="1969477" y="1348152"/>
-            <a:ext cx="1320801" cy="1"/>
+            <a:off x="1600217" y="1738809"/>
+            <a:ext cx="1072835" cy="1"/>
           </a:xfrm>
           <a:prstGeom prst="straightConnector1">
             <a:avLst/>
@@ -3530,28 +3101,22 @@
       </p:cxnSp>
       <p:sp>
         <p:nvSpPr>
-          <p:cNvPr id="10" name="Oval 9">
-            <a:extLst>
-              <a:ext uri="{FF2B5EF4-FFF2-40B4-BE49-F238E27FC236}">
-                <a16:creationId xmlns:a16="http://schemas.microsoft.com/office/drawing/2014/main" id="{CCD52F37-00E1-4624-B060-8021BD17EDA8}"/>
-              </a:ext>
-            </a:extLst>
-          </p:cNvPr>
+          <p:cNvPr id="10" name="Oval 9"/>
           <p:cNvSpPr/>
           <p:nvPr/>
         </p:nvSpPr>
         <p:spPr>
           <a:xfrm>
-            <a:off x="206030" y="3327396"/>
-            <a:ext cx="1617783" cy="640861"/>
+            <a:off x="167838" y="3346471"/>
+            <a:ext cx="1314062" cy="520546"/>
           </a:xfrm>
           <a:prstGeom prst="ellipse">
             <a:avLst/>
           </a:prstGeom>
           <a:solidFill>
             <a:schemeClr val="accent2">
-              <a:lumMod val="40000"/>
-              <a:lumOff val="60000"/>
+              <a:lumMod val="60000"/>
+              <a:lumOff val="40000"/>
             </a:schemeClr>
           </a:solidFill>
         </p:spPr>
@@ -3577,37 +3142,31 @@
           <a:p>
             <a:pPr algn="ctr"/>
             <a:r>
-              <a:rPr lang="en-US" altLang="zh-CN" dirty="0"/>
+              <a:rPr lang="en-US" altLang="zh-CN" sz="1460" dirty="0"/>
               <a:t>CT dataset</a:t>
             </a:r>
-            <a:endParaRPr lang="en-US" dirty="0"/>
-          </a:p>
-        </p:txBody>
-      </p:sp>
-      <p:sp>
-        <p:nvSpPr>
-          <p:cNvPr id="11" name="Rectangle 10">
-            <a:extLst>
-              <a:ext uri="{FF2B5EF4-FFF2-40B4-BE49-F238E27FC236}">
-                <a16:creationId xmlns:a16="http://schemas.microsoft.com/office/drawing/2014/main" id="{A8AACFE6-5CA1-483B-AAE0-0AEBA992146E}"/>
-              </a:ext>
-            </a:extLst>
-          </p:cNvPr>
+            <a:endParaRPr lang="en-US" sz="1460" dirty="0"/>
+          </a:p>
+        </p:txBody>
+      </p:sp>
+      <p:sp>
+        <p:nvSpPr>
+          <p:cNvPr id="11" name="Rectangle 10"/>
           <p:cNvSpPr/>
           <p:nvPr/>
         </p:nvSpPr>
         <p:spPr>
           <a:xfrm>
-            <a:off x="3290278" y="3245336"/>
-            <a:ext cx="1617784" cy="804985"/>
+            <a:off x="2673052" y="3279817"/>
+            <a:ext cx="1314063" cy="653858"/>
           </a:xfrm>
           <a:prstGeom prst="rect">
             <a:avLst/>
           </a:prstGeom>
           <a:solidFill>
             <a:schemeClr val="accent1">
-              <a:lumMod val="40000"/>
-              <a:lumOff val="60000"/>
+              <a:lumMod val="60000"/>
+              <a:lumOff val="40000"/>
             </a:schemeClr>
           </a:solidFill>
         </p:spPr>
@@ -3633,52 +3192,47 @@
           <a:p>
             <a:pPr algn="ctr"/>
             <a:r>
-              <a:rPr lang="en-US" altLang="zh-CN" dirty="0"/>
+              <a:rPr lang="en-US" altLang="zh-CN" sz="1460" dirty="0"/>
               <a:t>Pre-</a:t>
             </a:r>
             <a:r>
-              <a:rPr lang="en-US" altLang="zh-CN" dirty="0" err="1"/>
+              <a:rPr lang="en-US" altLang="zh-CN" sz="1460" dirty="0" err="1"/>
               <a:t>tained</a:t>
             </a:r>
             <a:r>
-              <a:rPr lang="en-US" altLang="zh-CN" dirty="0"/>
+              <a:rPr lang="en-US" altLang="zh-CN" sz="1460" dirty="0"/>
               <a:t>:</a:t>
             </a:r>
+            <a:endParaRPr lang="en-US" altLang="zh-CN" sz="1460" dirty="0"/>
           </a:p>
           <a:p>
             <a:pPr algn="ctr"/>
             <a:r>
-              <a:rPr lang="en-US" altLang="zh-CN" dirty="0"/>
+              <a:rPr lang="en-US" altLang="zh-CN" sz="1460" dirty="0"/>
               <a:t>ResNet152</a:t>
             </a:r>
-            <a:endParaRPr lang="en-US" dirty="0"/>
-          </a:p>
-        </p:txBody>
-      </p:sp>
-      <p:sp>
-        <p:nvSpPr>
-          <p:cNvPr id="15" name="Rectangle: Rounded Corners 14">
-            <a:extLst>
-              <a:ext uri="{FF2B5EF4-FFF2-40B4-BE49-F238E27FC236}">
-                <a16:creationId xmlns:a16="http://schemas.microsoft.com/office/drawing/2014/main" id="{E0F675CD-FBCF-40BA-9CFC-128C5C2C5F69}"/>
-              </a:ext>
-            </a:extLst>
-          </p:cNvPr>
+            <a:endParaRPr lang="en-US" sz="1460" dirty="0"/>
+          </a:p>
+        </p:txBody>
+      </p:sp>
+      <p:sp>
+        <p:nvSpPr>
+          <p:cNvPr id="15" name="Rectangle: Rounded Corners 14"/>
           <p:cNvSpPr/>
           <p:nvPr/>
         </p:nvSpPr>
         <p:spPr>
           <a:xfrm>
-            <a:off x="6283574" y="879228"/>
-            <a:ext cx="2547815" cy="1578708"/>
+            <a:off x="5104905" y="1352762"/>
+            <a:ext cx="2069490" cy="1282323"/>
           </a:xfrm>
           <a:prstGeom prst="roundRect">
             <a:avLst/>
           </a:prstGeom>
           <a:solidFill>
             <a:schemeClr val="accent6">
-              <a:lumMod val="40000"/>
-              <a:lumOff val="60000"/>
+              <a:lumMod val="60000"/>
+              <a:lumOff val="40000"/>
             </a:schemeClr>
           </a:solidFill>
         </p:spPr>
@@ -3704,59 +3258,54 @@
           <a:p>
             <a:pPr algn="ctr"/>
             <a:r>
-              <a:rPr lang="en-US" dirty="0"/>
+              <a:rPr lang="en-US" sz="1460" dirty="0"/>
               <a:t>Meta-learner:</a:t>
             </a:r>
             <a:br>
-              <a:rPr lang="en-US" dirty="0"/>
+              <a:rPr lang="en-US" sz="1460" dirty="0"/>
             </a:br>
             <a:r>
-              <a:rPr lang="en-US" dirty="0"/>
+              <a:rPr lang="en-US" sz="1460" dirty="0"/>
               <a:t>MAML with HT</a:t>
             </a:r>
+            <a:endParaRPr lang="en-US" sz="1460" dirty="0"/>
           </a:p>
           <a:p>
             <a:pPr algn="ctr"/>
-            <a:endParaRPr lang="en-US" dirty="0"/>
+            <a:endParaRPr lang="en-US" sz="1460" dirty="0"/>
           </a:p>
           <a:p>
             <a:pPr algn="ctr"/>
-            <a:endParaRPr lang="en-US" dirty="0"/>
+            <a:endParaRPr lang="en-US" sz="1460" dirty="0"/>
           </a:p>
           <a:p>
             <a:pPr algn="ctr"/>
-            <a:endParaRPr lang="en-US" dirty="0"/>
+            <a:endParaRPr lang="en-US" sz="1460" dirty="0"/>
           </a:p>
           <a:p>
             <a:pPr algn="ctr"/>
-            <a:endParaRPr lang="en-US" dirty="0"/>
+            <a:endParaRPr lang="en-US" sz="1460" dirty="0"/>
           </a:p>
         </p:txBody>
       </p:sp>
       <p:pic>
         <p:nvPicPr>
-          <p:cNvPr id="17" name="Picture 16">
-            <a:extLst>
-              <a:ext uri="{FF2B5EF4-FFF2-40B4-BE49-F238E27FC236}">
-                <a16:creationId xmlns:a16="http://schemas.microsoft.com/office/drawing/2014/main" id="{D4453331-82FE-4DDD-83AC-D90357AC017F}"/>
-              </a:ext>
-            </a:extLst>
-          </p:cNvPr>
+          <p:cNvPr id="17" name="Picture 16"/>
           <p:cNvPicPr>
             <a:picLocks noChangeAspect="1"/>
           </p:cNvPicPr>
           <p:nvPr/>
         </p:nvPicPr>
         <p:blipFill>
-          <a:blip r:embed="rId2"/>
+          <a:blip r:embed="rId1"/>
           <a:stretch>
             <a:fillRect/>
           </a:stretch>
         </p:blipFill>
         <p:spPr>
           <a:xfrm>
-            <a:off x="6912917" y="1491880"/>
-            <a:ext cx="1371600" cy="821473"/>
+            <a:off x="5615579" y="1855553"/>
+            <a:ext cx="1114097" cy="667250"/>
           </a:xfrm>
           <a:prstGeom prst="rect">
             <a:avLst/>
@@ -3765,28 +3314,22 @@
       </p:pic>
       <p:sp>
         <p:nvSpPr>
-          <p:cNvPr id="21" name="Rectangle: Rounded Corners 20">
-            <a:extLst>
-              <a:ext uri="{FF2B5EF4-FFF2-40B4-BE49-F238E27FC236}">
-                <a16:creationId xmlns:a16="http://schemas.microsoft.com/office/drawing/2014/main" id="{C2488727-DFC3-4A53-A7C0-75BBB73300DA}"/>
-              </a:ext>
-            </a:extLst>
-          </p:cNvPr>
+          <p:cNvPr id="21" name="Rectangle: Rounded Corners 20"/>
           <p:cNvSpPr/>
           <p:nvPr/>
         </p:nvSpPr>
         <p:spPr>
           <a:xfrm>
-            <a:off x="6283574" y="3022597"/>
-            <a:ext cx="2547815" cy="1578708"/>
+            <a:off x="5104389" y="3098895"/>
+            <a:ext cx="2069490" cy="1282323"/>
           </a:xfrm>
           <a:prstGeom prst="roundRect">
             <a:avLst/>
           </a:prstGeom>
           <a:solidFill>
             <a:schemeClr val="accent6">
-              <a:lumMod val="40000"/>
-              <a:lumOff val="60000"/>
+              <a:lumMod val="60000"/>
+              <a:lumOff val="40000"/>
             </a:schemeClr>
           </a:solidFill>
         </p:spPr>
@@ -3812,63 +3355,59 @@
           <a:p>
             <a:pPr algn="ctr"/>
             <a:r>
-              <a:rPr lang="en-US" altLang="zh-CN" dirty="0"/>
+              <a:rPr lang="en-US" altLang="zh-CN" sz="1460" dirty="0"/>
               <a:t>Base-learner:</a:t>
             </a:r>
+            <a:endParaRPr lang="en-US" altLang="zh-CN" sz="1460" dirty="0"/>
           </a:p>
           <a:p>
             <a:pPr algn="ctr"/>
             <a:r>
-              <a:rPr lang="en-US" altLang="zh-CN" dirty="0"/>
+              <a:rPr lang="en-US" altLang="zh-CN" sz="1460" dirty="0"/>
               <a:t>CT- Pre-</a:t>
             </a:r>
             <a:r>
-              <a:rPr lang="en-US" altLang="zh-CN" dirty="0" err="1"/>
+              <a:rPr lang="en-US" altLang="zh-CN" sz="1460" dirty="0" err="1"/>
               <a:t>tained</a:t>
             </a:r>
             <a:r>
-              <a:rPr lang="en-US" altLang="zh-CN" dirty="0"/>
+              <a:rPr lang="en-US" altLang="zh-CN" sz="1460" dirty="0"/>
               <a:t>:</a:t>
             </a:r>
+            <a:endParaRPr lang="en-US" altLang="zh-CN" sz="1460" dirty="0"/>
           </a:p>
           <a:p>
             <a:pPr algn="ctr"/>
             <a:r>
-              <a:rPr lang="en-US" altLang="zh-CN" dirty="0"/>
+              <a:rPr lang="en-US" altLang="zh-CN" sz="1460" dirty="0"/>
               <a:t>ResNet152</a:t>
             </a:r>
-            <a:endParaRPr lang="en-US" dirty="0"/>
+            <a:endParaRPr lang="en-US" sz="1460" dirty="0"/>
           </a:p>
           <a:p>
             <a:pPr algn="ctr"/>
-            <a:endParaRPr lang="en-US" dirty="0"/>
+            <a:endParaRPr lang="en-US" sz="1460" dirty="0"/>
           </a:p>
           <a:p>
             <a:pPr algn="ctr"/>
-            <a:endParaRPr lang="en-US" dirty="0"/>
+            <a:endParaRPr lang="en-US" sz="1460" dirty="0"/>
           </a:p>
           <a:p>
             <a:pPr algn="ctr"/>
-            <a:endParaRPr lang="en-US" dirty="0"/>
-          </a:p>
-        </p:txBody>
-      </p:sp>
-      <p:sp>
-        <p:nvSpPr>
-          <p:cNvPr id="22" name="Arrow: Down 21">
-            <a:extLst>
-              <a:ext uri="{FF2B5EF4-FFF2-40B4-BE49-F238E27FC236}">
-                <a16:creationId xmlns:a16="http://schemas.microsoft.com/office/drawing/2014/main" id="{E5700D72-04F5-447D-B285-DE17C7A05A54}"/>
-              </a:ext>
-            </a:extLst>
-          </p:cNvPr>
+            <a:endParaRPr lang="en-US" sz="1460" dirty="0"/>
+          </a:p>
+        </p:txBody>
+      </p:sp>
+      <p:sp>
+        <p:nvSpPr>
+          <p:cNvPr id="22" name="Arrow: Down 21"/>
           <p:cNvSpPr/>
           <p:nvPr/>
         </p:nvSpPr>
         <p:spPr>
           <a:xfrm>
-            <a:off x="4106985" y="2132406"/>
-            <a:ext cx="164123" cy="731169"/>
+            <a:off x="3336431" y="2375827"/>
+            <a:ext cx="133311" cy="593900"/>
           </a:xfrm>
           <a:prstGeom prst="downArrow">
             <a:avLst/>
@@ -3901,26 +3440,20 @@
           <a:lstStyle/>
           <a:p>
             <a:pPr algn="ctr"/>
-            <a:endParaRPr lang="en-US"/>
-          </a:p>
-        </p:txBody>
-      </p:sp>
-      <p:sp>
-        <p:nvSpPr>
-          <p:cNvPr id="23" name="Arrow: Down 22">
-            <a:extLst>
-              <a:ext uri="{FF2B5EF4-FFF2-40B4-BE49-F238E27FC236}">
-                <a16:creationId xmlns:a16="http://schemas.microsoft.com/office/drawing/2014/main" id="{3652E4B8-4AF0-46F3-A846-46BE45049E25}"/>
-              </a:ext>
-            </a:extLst>
-          </p:cNvPr>
+            <a:endParaRPr lang="en-US" sz="1460"/>
+          </a:p>
+        </p:txBody>
+      </p:sp>
+      <p:sp>
+        <p:nvSpPr>
+          <p:cNvPr id="23" name="Arrow: Down 22"/>
           <p:cNvSpPr/>
           <p:nvPr/>
         </p:nvSpPr>
         <p:spPr>
           <a:xfrm rot="16200000">
-            <a:off x="5648354" y="3364305"/>
-            <a:ext cx="164123" cy="731169"/>
+            <a:off x="4588424" y="3376451"/>
+            <a:ext cx="133311" cy="593900"/>
           </a:xfrm>
           <a:prstGeom prst="downArrow">
             <a:avLst/>
@@ -3953,26 +3486,20 @@
           <a:lstStyle/>
           <a:p>
             <a:pPr algn="ctr"/>
-            <a:endParaRPr lang="en-US"/>
-          </a:p>
-        </p:txBody>
-      </p:sp>
-      <p:sp>
-        <p:nvSpPr>
-          <p:cNvPr id="2" name="TextBox 1">
-            <a:extLst>
-              <a:ext uri="{FF2B5EF4-FFF2-40B4-BE49-F238E27FC236}">
-                <a16:creationId xmlns:a16="http://schemas.microsoft.com/office/drawing/2014/main" id="{07F54480-4878-45C7-A91C-8F7E4A6F3650}"/>
-              </a:ext>
-            </a:extLst>
-          </p:cNvPr>
+            <a:endParaRPr lang="en-US" sz="1460"/>
+          </a:p>
+        </p:txBody>
+      </p:sp>
+      <p:sp>
+        <p:nvSpPr>
+          <p:cNvPr id="2" name="TextBox 1"/>
           <p:cNvSpPr txBox="1"/>
           <p:nvPr/>
         </p:nvSpPr>
         <p:spPr>
           <a:xfrm>
-            <a:off x="6830646" y="453292"/>
-            <a:ext cx="1649046" cy="369332"/>
+            <a:off x="5548266" y="1011949"/>
+            <a:ext cx="1339456" cy="315595"/>
           </a:xfrm>
           <a:prstGeom prst="rect">
             <a:avLst/>
@@ -3986,22 +3513,16 @@
           <a:lstStyle/>
           <a:p>
             <a:r>
-              <a:rPr lang="en-US" altLang="zh-CN" dirty="0"/>
+              <a:rPr lang="en-US" altLang="zh-CN" sz="1460" dirty="0"/>
               <a:t>Meta-Training</a:t>
             </a:r>
-            <a:endParaRPr lang="en-US" dirty="0"/>
+            <a:endParaRPr lang="en-US" sz="1460" dirty="0"/>
           </a:p>
         </p:txBody>
       </p:sp>
       <p:cxnSp>
         <p:nvCxnSpPr>
-          <p:cNvPr id="13" name="Straight Arrow Connector 12">
-            <a:extLst>
-              <a:ext uri="{FF2B5EF4-FFF2-40B4-BE49-F238E27FC236}">
-                <a16:creationId xmlns:a16="http://schemas.microsoft.com/office/drawing/2014/main" id="{A9CD4660-6BCC-4334-BF8A-D4BD0110CE6B}"/>
-              </a:ext>
-            </a:extLst>
-          </p:cNvPr>
+          <p:cNvPr id="13" name="Straight Arrow Connector 12"/>
           <p:cNvCxnSpPr>
             <a:stCxn id="10" idx="6"/>
             <a:endCxn id="11" idx="1"/>
@@ -4010,8 +3531,8 @@
         </p:nvCxnSpPr>
         <p:spPr>
           <a:xfrm>
-            <a:off x="1823813" y="3647827"/>
-            <a:ext cx="1466465" cy="2"/>
+            <a:off x="1481899" y="3606745"/>
+            <a:ext cx="1191152" cy="2"/>
           </a:xfrm>
           <a:prstGeom prst="straightConnector1">
             <a:avLst/>
@@ -4037,23 +3558,16 @@
       </p:cxnSp>
       <p:cxnSp>
         <p:nvCxnSpPr>
-          <p:cNvPr id="18" name="Connector: Elbow 17">
-            <a:extLst>
-              <a:ext uri="{FF2B5EF4-FFF2-40B4-BE49-F238E27FC236}">
-                <a16:creationId xmlns:a16="http://schemas.microsoft.com/office/drawing/2014/main" id="{83516F4A-C195-43C3-B1F8-B77E183A1B61}"/>
-              </a:ext>
-            </a:extLst>
-          </p:cNvPr>
+          <p:cNvPr id="18" name="Connector: Elbow 17"/>
           <p:cNvCxnSpPr>
-            <a:cxnSpLocks/>
             <a:endCxn id="28" idx="2"/>
           </p:cNvCxnSpPr>
           <p:nvPr/>
         </p:nvCxnSpPr>
         <p:spPr>
           <a:xfrm flipV="1">
-            <a:off x="1014921" y="5272336"/>
-            <a:ext cx="6502607" cy="857308"/>
+            <a:off x="824868" y="4926270"/>
+            <a:ext cx="5281813" cy="696358"/>
           </a:xfrm>
           <a:prstGeom prst="bentConnector2">
             <a:avLst/>
@@ -4079,23 +3593,16 @@
       </p:cxnSp>
       <p:cxnSp>
         <p:nvCxnSpPr>
-          <p:cNvPr id="30" name="Straight Connector 29">
-            <a:extLst>
-              <a:ext uri="{FF2B5EF4-FFF2-40B4-BE49-F238E27FC236}">
-                <a16:creationId xmlns:a16="http://schemas.microsoft.com/office/drawing/2014/main" id="{F4DFA1D4-C61A-4B29-8E4E-7B986363D8B6}"/>
-              </a:ext>
-            </a:extLst>
-          </p:cNvPr>
+          <p:cNvPr id="30" name="Straight Connector 29"/>
           <p:cNvCxnSpPr>
-            <a:cxnSpLocks/>
             <a:stCxn id="10" idx="4"/>
           </p:cNvCxnSpPr>
           <p:nvPr/>
         </p:nvCxnSpPr>
         <p:spPr>
           <a:xfrm>
-            <a:off x="1014922" y="3968257"/>
-            <a:ext cx="0" cy="2161386"/>
+            <a:off x="824869" y="3867017"/>
+            <a:ext cx="0" cy="1755609"/>
           </a:xfrm>
           <a:prstGeom prst="line">
             <a:avLst/>
@@ -4116,12 +3623,31 @@
           </a:fontRef>
         </p:style>
       </p:cxnSp>
+      <p:pic>
+        <p:nvPicPr>
+          <p:cNvPr id="3" name="图片 2"/>
+          <p:cNvPicPr>
+            <a:picLocks noChangeAspect="1"/>
+          </p:cNvPicPr>
+          <p:nvPr/>
+        </p:nvPicPr>
+        <p:blipFill>
+          <a:blip r:embed="rId2"/>
+          <a:stretch>
+            <a:fillRect/>
+          </a:stretch>
+        </p:blipFill>
+        <p:spPr>
+          <a:xfrm>
+            <a:off x="5661660" y="3740150"/>
+            <a:ext cx="1021715" cy="606425"/>
+          </a:xfrm>
+          <a:prstGeom prst="rect">
+            <a:avLst/>
+          </a:prstGeom>
+        </p:spPr>
+      </p:pic>
     </p:spTree>
-    <p:extLst>
-      <p:ext uri="{BB962C8B-B14F-4D97-AF65-F5344CB8AC3E}">
-        <p14:creationId xmlns:p14="http://schemas.microsoft.com/office/powerpoint/2010/main" val="3687225641"/>
-      </p:ext>
-    </p:extLst>
   </p:cSld>
   <p:clrMapOvr>
     <a:masterClrMapping/>
@@ -4172,7 +3698,7 @@
     </a:clrScheme>
     <a:fontScheme name="Office">
       <a:majorFont>
-        <a:latin typeface="Calibri Light" panose="020F0302020204030204"/>
+        <a:latin typeface="Calibri Light"/>
         <a:ea typeface=""/>
         <a:cs typeface=""/>
         <a:font script="Jpan" typeface="游ゴシック Light"/>
@@ -4205,26 +3731,9 @@
         <a:font script="Viet" typeface="Times New Roman"/>
         <a:font script="Uigh" typeface="Microsoft Uighur"/>
         <a:font script="Geor" typeface="Sylfaen"/>
-        <a:font script="Armn" typeface="Arial"/>
-        <a:font script="Bugi" typeface="Leelawadee UI"/>
-        <a:font script="Bopo" typeface="Microsoft JhengHei"/>
-        <a:font script="Java" typeface="Javanese Text"/>
-        <a:font script="Lisu" typeface="Segoe UI"/>
-        <a:font script="Mymr" typeface="Myanmar Text"/>
-        <a:font script="Nkoo" typeface="Ebrima"/>
-        <a:font script="Olck" typeface="Nirmala UI"/>
-        <a:font script="Osma" typeface="Ebrima"/>
-        <a:font script="Phag" typeface="Phagspa"/>
-        <a:font script="Syrn" typeface="Estrangelo Edessa"/>
-        <a:font script="Syrj" typeface="Estrangelo Edessa"/>
-        <a:font script="Syre" typeface="Estrangelo Edessa"/>
-        <a:font script="Sora" typeface="Nirmala UI"/>
-        <a:font script="Tale" typeface="Microsoft Tai Le"/>
-        <a:font script="Talu" typeface="Microsoft New Tai Lue"/>
-        <a:font script="Tfng" typeface="Ebrima"/>
       </a:majorFont>
       <a:minorFont>
-        <a:latin typeface="Calibri" panose="020F0502020204030204"/>
+        <a:latin typeface="Calibri"/>
         <a:ea typeface=""/>
         <a:cs typeface=""/>
         <a:font script="Jpan" typeface="游ゴシック"/>
@@ -4257,23 +3766,6 @@
         <a:font script="Viet" typeface="Arial"/>
         <a:font script="Uigh" typeface="Microsoft Uighur"/>
         <a:font script="Geor" typeface="Sylfaen"/>
-        <a:font script="Armn" typeface="Arial"/>
-        <a:font script="Bugi" typeface="Leelawadee UI"/>
-        <a:font script="Bopo" typeface="Microsoft JhengHei"/>
-        <a:font script="Java" typeface="Javanese Text"/>
-        <a:font script="Lisu" typeface="Segoe UI"/>
-        <a:font script="Mymr" typeface="Myanmar Text"/>
-        <a:font script="Nkoo" typeface="Ebrima"/>
-        <a:font script="Olck" typeface="Nirmala UI"/>
-        <a:font script="Osma" typeface="Ebrima"/>
-        <a:font script="Phag" typeface="Phagspa"/>
-        <a:font script="Syrn" typeface="Estrangelo Edessa"/>
-        <a:font script="Syrj" typeface="Estrangelo Edessa"/>
-        <a:font script="Syre" typeface="Estrangelo Edessa"/>
-        <a:font script="Sora" typeface="Nirmala UI"/>
-        <a:font script="Tale" typeface="Microsoft Tai Le"/>
-        <a:font script="Talu" typeface="Microsoft New Tai Lue"/>
-        <a:font script="Tfng" typeface="Ebrima"/>
       </a:minorFont>
     </a:fontScheme>
     <a:fmtScheme name="Office">
@@ -4414,8 +3906,6 @@
       </a:bgFillStyleLst>
     </a:fmtScheme>
   </a:themeElements>
-  <a:objectDefaults/>
-  <a:extraClrSchemeLst/>
   <a:extLst>
     <a:ext uri="{05A4C25C-085E-4340-85A3-A5531E510DB2}">
       <thm15:themeFamily xmlns:thm15="http://schemas.microsoft.com/office/thememl/2012/main" name="Office Theme" id="{62F939B6-93AF-4DB8-9C6B-D6C7DFDC589F}" vid="{4A3C46E8-61CC-4603-A589-7422A47A8E4A}"/>

--- a/figures/pipeline.pptx
+++ b/figures/pipeline.pptx
@@ -2,18 +2,19 @@
 <file path=ppt/presentation.xml><?xml version="1.0" encoding="utf-8"?>
 <p:presentation xmlns:a="http://schemas.openxmlformats.org/drawingml/2006/main" xmlns:r="http://schemas.openxmlformats.org/officeDocument/2006/relationships" xmlns:p="http://schemas.openxmlformats.org/presentationml/2006/main">
   <p:sldMasterIdLst>
-    <p:sldMasterId id="2147483648" r:id="rId1"/>
+    <p:sldMasterId id="2147483696" r:id="rId1"/>
   </p:sldMasterIdLst>
   <p:sldIdLst>
-    <p:sldId id="256" r:id="rId3"/>
+    <p:sldId id="257" r:id="rId2"/>
+    <p:sldId id="258" r:id="rId3"/>
   </p:sldIdLst>
-  <p:sldSz cx="9903460" cy="6858000" type="A4"/>
+  <p:sldSz cx="19431000" cy="6858000"/>
   <p:notesSz cx="6858000" cy="9144000"/>
   <p:defaultTextStyle>
     <a:defPPr>
       <a:defRPr lang="en-US"/>
     </a:defPPr>
-    <a:lvl1pPr marL="0" algn="l" defTabSz="914400" rtl="0" eaLnBrk="1" latinLnBrk="0" hangingPunct="1">
+    <a:lvl1pPr marL="0" algn="l" defTabSz="457200" rtl="0" eaLnBrk="1" latinLnBrk="0" hangingPunct="1">
       <a:defRPr sz="1800" kern="1200">
         <a:solidFill>
           <a:schemeClr val="tx1"/>
@@ -23,7 +24,7 @@
         <a:cs typeface="+mn-cs"/>
       </a:defRPr>
     </a:lvl1pPr>
-    <a:lvl2pPr marL="457200" algn="l" defTabSz="914400" rtl="0" eaLnBrk="1" latinLnBrk="0" hangingPunct="1">
+    <a:lvl2pPr marL="457200" algn="l" defTabSz="457200" rtl="0" eaLnBrk="1" latinLnBrk="0" hangingPunct="1">
       <a:defRPr sz="1800" kern="1200">
         <a:solidFill>
           <a:schemeClr val="tx1"/>
@@ -33,7 +34,7 @@
         <a:cs typeface="+mn-cs"/>
       </a:defRPr>
     </a:lvl2pPr>
-    <a:lvl3pPr marL="914400" algn="l" defTabSz="914400" rtl="0" eaLnBrk="1" latinLnBrk="0" hangingPunct="1">
+    <a:lvl3pPr marL="914400" algn="l" defTabSz="457200" rtl="0" eaLnBrk="1" latinLnBrk="0" hangingPunct="1">
       <a:defRPr sz="1800" kern="1200">
         <a:solidFill>
           <a:schemeClr val="tx1"/>
@@ -43,7 +44,7 @@
         <a:cs typeface="+mn-cs"/>
       </a:defRPr>
     </a:lvl3pPr>
-    <a:lvl4pPr marL="1371600" algn="l" defTabSz="914400" rtl="0" eaLnBrk="1" latinLnBrk="0" hangingPunct="1">
+    <a:lvl4pPr marL="1371600" algn="l" defTabSz="457200" rtl="0" eaLnBrk="1" latinLnBrk="0" hangingPunct="1">
       <a:defRPr sz="1800" kern="1200">
         <a:solidFill>
           <a:schemeClr val="tx1"/>
@@ -53,7 +54,7 @@
         <a:cs typeface="+mn-cs"/>
       </a:defRPr>
     </a:lvl4pPr>
-    <a:lvl5pPr marL="1828800" algn="l" defTabSz="914400" rtl="0" eaLnBrk="1" latinLnBrk="0" hangingPunct="1">
+    <a:lvl5pPr marL="1828800" algn="l" defTabSz="457200" rtl="0" eaLnBrk="1" latinLnBrk="0" hangingPunct="1">
       <a:defRPr sz="1800" kern="1200">
         <a:solidFill>
           <a:schemeClr val="tx1"/>
@@ -63,7 +64,7 @@
         <a:cs typeface="+mn-cs"/>
       </a:defRPr>
     </a:lvl5pPr>
-    <a:lvl6pPr marL="2286000" algn="l" defTabSz="914400" rtl="0" eaLnBrk="1" latinLnBrk="0" hangingPunct="1">
+    <a:lvl6pPr marL="2286000" algn="l" defTabSz="457200" rtl="0" eaLnBrk="1" latinLnBrk="0" hangingPunct="1">
       <a:defRPr sz="1800" kern="1200">
         <a:solidFill>
           <a:schemeClr val="tx1"/>
@@ -73,7 +74,7 @@
         <a:cs typeface="+mn-cs"/>
       </a:defRPr>
     </a:lvl6pPr>
-    <a:lvl7pPr marL="2743200" algn="l" defTabSz="914400" rtl="0" eaLnBrk="1" latinLnBrk="0" hangingPunct="1">
+    <a:lvl7pPr marL="2743200" algn="l" defTabSz="457200" rtl="0" eaLnBrk="1" latinLnBrk="0" hangingPunct="1">
       <a:defRPr sz="1800" kern="1200">
         <a:solidFill>
           <a:schemeClr val="tx1"/>
@@ -83,7 +84,7 @@
         <a:cs typeface="+mn-cs"/>
       </a:defRPr>
     </a:lvl7pPr>
-    <a:lvl8pPr marL="3200400" algn="l" defTabSz="914400" rtl="0" eaLnBrk="1" latinLnBrk="0" hangingPunct="1">
+    <a:lvl8pPr marL="3200400" algn="l" defTabSz="457200" rtl="0" eaLnBrk="1" latinLnBrk="0" hangingPunct="1">
       <a:defRPr sz="1800" kern="1200">
         <a:solidFill>
           <a:schemeClr val="tx1"/>
@@ -93,7 +94,7 @@
         <a:cs typeface="+mn-cs"/>
       </a:defRPr>
     </a:lvl8pPr>
-    <a:lvl9pPr marL="3657600" algn="l" defTabSz="914400" rtl="0" eaLnBrk="1" latinLnBrk="0" hangingPunct="1">
+    <a:lvl9pPr marL="3657600" algn="l" defTabSz="457200" rtl="0" eaLnBrk="1" latinLnBrk="0" hangingPunct="1">
       <a:defRPr sz="1800" kern="1200">
         <a:solidFill>
           <a:schemeClr val="tx1"/>
@@ -104,6 +105,11 @@
       </a:defRPr>
     </a:lvl9pPr>
   </p:defaultTextStyle>
+  <p:extLst>
+    <p:ext uri="{EFAFB233-063F-42B5-8137-9DF3F51BA10A}">
+      <p15:sldGuideLst xmlns:p15="http://schemas.microsoft.com/office/powerpoint/2012/main"/>
+    </p:ext>
+  </p:extLst>
 </p:presentation>
 </file>
 
@@ -136,8 +142,8 @@
         </p:nvSpPr>
         <p:spPr>
           <a:xfrm>
-            <a:off x="1238007" y="1122363"/>
-            <a:ext cx="7428045" cy="2387600"/>
+            <a:off x="2428875" y="1122363"/>
+            <a:ext cx="14573250" cy="2387600"/>
           </a:xfrm>
         </p:spPr>
         <p:txBody>
@@ -152,7 +158,7 @@
               <a:rPr lang="en-US"/>
               <a:t>Click to edit Master title style</a:t>
             </a:r>
-            <a:endParaRPr lang="en-US"/>
+            <a:endParaRPr lang="en-US" dirty="0"/>
           </a:p>
         </p:txBody>
       </p:sp>
@@ -168,8 +174,8 @@
         </p:nvSpPr>
         <p:spPr>
           <a:xfrm>
-            <a:off x="1238007" y="3602038"/>
-            <a:ext cx="7428045" cy="1655762"/>
+            <a:off x="2428875" y="3602038"/>
+            <a:ext cx="14573250" cy="1655762"/>
           </a:xfrm>
         </p:spPr>
         <p:txBody>
@@ -217,7 +223,7 @@
               <a:rPr lang="en-US"/>
               <a:t>Click to edit Master subtitle style</a:t>
             </a:r>
-            <a:endParaRPr lang="en-US"/>
+            <a:endParaRPr lang="en-US" dirty="0"/>
           </a:p>
         </p:txBody>
       </p:sp>
@@ -238,6 +244,7 @@
           <a:p>
             <a:fld id="{A169F0B6-6056-428B-AB91-68CE97708E12}" type="datetimeFigureOut">
               <a:rPr lang="en-US" smtClean="0"/>
+              <a:t>2/24/2022</a:t>
             </a:fld>
             <a:endParaRPr lang="en-US"/>
           </a:p>
@@ -279,12 +286,18 @@
           <a:p>
             <a:fld id="{799ECC4C-5EF3-4AA8-8715-A2C293E8A202}" type="slidenum">
               <a:rPr lang="en-US" smtClean="0"/>
+              <a:t>‹#›</a:t>
             </a:fld>
             <a:endParaRPr lang="en-US"/>
           </a:p>
         </p:txBody>
       </p:sp>
     </p:spTree>
+    <p:extLst>
+      <p:ext uri="{BB962C8B-B14F-4D97-AF65-F5344CB8AC3E}">
+        <p14:creationId xmlns:p14="http://schemas.microsoft.com/office/powerpoint/2010/main" val="2149095242"/>
+      </p:ext>
+    </p:extLst>
   </p:cSld>
   <p:clrMapOvr>
     <a:masterClrMapping/>
@@ -328,7 +341,7 @@
               <a:rPr lang="en-US"/>
               <a:t>Click to edit Master title style</a:t>
             </a:r>
-            <a:endParaRPr lang="en-US"/>
+            <a:endParaRPr lang="en-US" dirty="0"/>
           </a:p>
         </p:txBody>
       </p:sp>
@@ -352,7 +365,6 @@
               <a:rPr lang="en-US"/>
               <a:t>Click to edit Master text styles</a:t>
             </a:r>
-            <a:endParaRPr lang="en-US"/>
           </a:p>
           <a:p>
             <a:pPr lvl="1"/>
@@ -360,7 +372,6 @@
               <a:rPr lang="en-US"/>
               <a:t>Second level</a:t>
             </a:r>
-            <a:endParaRPr lang="en-US"/>
           </a:p>
           <a:p>
             <a:pPr lvl="2"/>
@@ -368,7 +379,6 @@
               <a:rPr lang="en-US"/>
               <a:t>Third level</a:t>
             </a:r>
-            <a:endParaRPr lang="en-US"/>
           </a:p>
           <a:p>
             <a:pPr lvl="3"/>
@@ -376,7 +386,6 @@
               <a:rPr lang="en-US"/>
               <a:t>Fourth level</a:t>
             </a:r>
-            <a:endParaRPr lang="en-US"/>
           </a:p>
           <a:p>
             <a:pPr lvl="4"/>
@@ -384,7 +393,7 @@
               <a:rPr lang="en-US"/>
               <a:t>Fifth level</a:t>
             </a:r>
-            <a:endParaRPr lang="en-US"/>
+            <a:endParaRPr lang="en-US" dirty="0"/>
           </a:p>
         </p:txBody>
       </p:sp>
@@ -405,6 +414,7 @@
           <a:p>
             <a:fld id="{A169F0B6-6056-428B-AB91-68CE97708E12}" type="datetimeFigureOut">
               <a:rPr lang="en-US" smtClean="0"/>
+              <a:t>2/24/2022</a:t>
             </a:fld>
             <a:endParaRPr lang="en-US"/>
           </a:p>
@@ -446,12 +456,18 @@
           <a:p>
             <a:fld id="{799ECC4C-5EF3-4AA8-8715-A2C293E8A202}" type="slidenum">
               <a:rPr lang="en-US" smtClean="0"/>
+              <a:t>‹#›</a:t>
             </a:fld>
             <a:endParaRPr lang="en-US"/>
           </a:p>
         </p:txBody>
       </p:sp>
     </p:spTree>
+    <p:extLst>
+      <p:ext uri="{BB962C8B-B14F-4D97-AF65-F5344CB8AC3E}">
+        <p14:creationId xmlns:p14="http://schemas.microsoft.com/office/powerpoint/2010/main" val="377102480"/>
+      </p:ext>
+    </p:extLst>
   </p:cSld>
   <p:clrMapOvr>
     <a:masterClrMapping/>
@@ -488,8 +504,8 @@
         </p:nvSpPr>
         <p:spPr>
           <a:xfrm>
-            <a:off x="7087593" y="365125"/>
-            <a:ext cx="2135563" cy="5811838"/>
+            <a:off x="13905310" y="365125"/>
+            <a:ext cx="4189809" cy="5811838"/>
           </a:xfrm>
         </p:spPr>
         <p:txBody>
@@ -500,7 +516,7 @@
               <a:rPr lang="en-US"/>
               <a:t>Click to edit Master title style</a:t>
             </a:r>
-            <a:endParaRPr lang="en-US"/>
+            <a:endParaRPr lang="en-US" dirty="0"/>
           </a:p>
         </p:txBody>
       </p:sp>
@@ -516,8 +532,8 @@
         </p:nvSpPr>
         <p:spPr>
           <a:xfrm>
-            <a:off x="680904" y="365125"/>
-            <a:ext cx="6282888" cy="5811838"/>
+            <a:off x="1335881" y="365125"/>
+            <a:ext cx="12326541" cy="5811838"/>
           </a:xfrm>
         </p:spPr>
         <p:txBody>
@@ -529,7 +545,6 @@
               <a:rPr lang="en-US"/>
               <a:t>Click to edit Master text styles</a:t>
             </a:r>
-            <a:endParaRPr lang="en-US"/>
           </a:p>
           <a:p>
             <a:pPr lvl="1"/>
@@ -537,7 +552,6 @@
               <a:rPr lang="en-US"/>
               <a:t>Second level</a:t>
             </a:r>
-            <a:endParaRPr lang="en-US"/>
           </a:p>
           <a:p>
             <a:pPr lvl="2"/>
@@ -545,7 +559,6 @@
               <a:rPr lang="en-US"/>
               <a:t>Third level</a:t>
             </a:r>
-            <a:endParaRPr lang="en-US"/>
           </a:p>
           <a:p>
             <a:pPr lvl="3"/>
@@ -553,7 +566,6 @@
               <a:rPr lang="en-US"/>
               <a:t>Fourth level</a:t>
             </a:r>
-            <a:endParaRPr lang="en-US"/>
           </a:p>
           <a:p>
             <a:pPr lvl="4"/>
@@ -561,7 +573,7 @@
               <a:rPr lang="en-US"/>
               <a:t>Fifth level</a:t>
             </a:r>
-            <a:endParaRPr lang="en-US"/>
+            <a:endParaRPr lang="en-US" dirty="0"/>
           </a:p>
         </p:txBody>
       </p:sp>
@@ -582,6 +594,7 @@
           <a:p>
             <a:fld id="{A169F0B6-6056-428B-AB91-68CE97708E12}" type="datetimeFigureOut">
               <a:rPr lang="en-US" smtClean="0"/>
+              <a:t>2/24/2022</a:t>
             </a:fld>
             <a:endParaRPr lang="en-US"/>
           </a:p>
@@ -623,12 +636,18 @@
           <a:p>
             <a:fld id="{799ECC4C-5EF3-4AA8-8715-A2C293E8A202}" type="slidenum">
               <a:rPr lang="en-US" smtClean="0"/>
+              <a:t>‹#›</a:t>
             </a:fld>
             <a:endParaRPr lang="en-US"/>
           </a:p>
         </p:txBody>
       </p:sp>
     </p:spTree>
+    <p:extLst>
+      <p:ext uri="{BB962C8B-B14F-4D97-AF65-F5344CB8AC3E}">
+        <p14:creationId xmlns:p14="http://schemas.microsoft.com/office/powerpoint/2010/main" val="2573647045"/>
+      </p:ext>
+    </p:extLst>
   </p:cSld>
   <p:clrMapOvr>
     <a:masterClrMapping/>
@@ -672,7 +691,7 @@
               <a:rPr lang="en-US"/>
               <a:t>Click to edit Master title style</a:t>
             </a:r>
-            <a:endParaRPr lang="en-US"/>
+            <a:endParaRPr lang="en-US" dirty="0"/>
           </a:p>
         </p:txBody>
       </p:sp>
@@ -696,7 +715,6 @@
               <a:rPr lang="en-US"/>
               <a:t>Click to edit Master text styles</a:t>
             </a:r>
-            <a:endParaRPr lang="en-US"/>
           </a:p>
           <a:p>
             <a:pPr lvl="1"/>
@@ -704,7 +722,6 @@
               <a:rPr lang="en-US"/>
               <a:t>Second level</a:t>
             </a:r>
-            <a:endParaRPr lang="en-US"/>
           </a:p>
           <a:p>
             <a:pPr lvl="2"/>
@@ -712,7 +729,6 @@
               <a:rPr lang="en-US"/>
               <a:t>Third level</a:t>
             </a:r>
-            <a:endParaRPr lang="en-US"/>
           </a:p>
           <a:p>
             <a:pPr lvl="3"/>
@@ -720,7 +736,6 @@
               <a:rPr lang="en-US"/>
               <a:t>Fourth level</a:t>
             </a:r>
-            <a:endParaRPr lang="en-US"/>
           </a:p>
           <a:p>
             <a:pPr lvl="4"/>
@@ -728,7 +743,7 @@
               <a:rPr lang="en-US"/>
               <a:t>Fifth level</a:t>
             </a:r>
-            <a:endParaRPr lang="en-US"/>
+            <a:endParaRPr lang="en-US" dirty="0"/>
           </a:p>
         </p:txBody>
       </p:sp>
@@ -749,6 +764,7 @@
           <a:p>
             <a:fld id="{A169F0B6-6056-428B-AB91-68CE97708E12}" type="datetimeFigureOut">
               <a:rPr lang="en-US" smtClean="0"/>
+              <a:t>2/24/2022</a:t>
             </a:fld>
             <a:endParaRPr lang="en-US"/>
           </a:p>
@@ -790,12 +806,18 @@
           <a:p>
             <a:fld id="{799ECC4C-5EF3-4AA8-8715-A2C293E8A202}" type="slidenum">
               <a:rPr lang="en-US" smtClean="0"/>
+              <a:t>‹#›</a:t>
             </a:fld>
             <a:endParaRPr lang="en-US"/>
           </a:p>
         </p:txBody>
       </p:sp>
     </p:spTree>
+    <p:extLst>
+      <p:ext uri="{BB962C8B-B14F-4D97-AF65-F5344CB8AC3E}">
+        <p14:creationId xmlns:p14="http://schemas.microsoft.com/office/powerpoint/2010/main" val="962138846"/>
+      </p:ext>
+    </p:extLst>
   </p:cSld>
   <p:clrMapOvr>
     <a:masterClrMapping/>
@@ -832,8 +854,8 @@
         </p:nvSpPr>
         <p:spPr>
           <a:xfrm>
-            <a:off x="675746" y="1709738"/>
-            <a:ext cx="8542251" cy="2852737"/>
+            <a:off x="1325761" y="1709739"/>
+            <a:ext cx="16759238" cy="2852737"/>
           </a:xfrm>
         </p:spPr>
         <p:txBody>
@@ -848,7 +870,7 @@
               <a:rPr lang="en-US"/>
               <a:t>Click to edit Master title style</a:t>
             </a:r>
-            <a:endParaRPr lang="en-US"/>
+            <a:endParaRPr lang="en-US" dirty="0"/>
           </a:p>
         </p:txBody>
       </p:sp>
@@ -864,8 +886,8 @@
         </p:nvSpPr>
         <p:spPr>
           <a:xfrm>
-            <a:off x="675746" y="4589463"/>
-            <a:ext cx="8542251" cy="1500187"/>
+            <a:off x="1325761" y="4589464"/>
+            <a:ext cx="16759238" cy="1500187"/>
           </a:xfrm>
         </p:spPr>
         <p:txBody>
@@ -968,7 +990,6 @@
               <a:rPr lang="en-US"/>
               <a:t>Click to edit Master text styles</a:t>
             </a:r>
-            <a:endParaRPr lang="en-US"/>
           </a:p>
         </p:txBody>
       </p:sp>
@@ -989,6 +1010,7 @@
           <a:p>
             <a:fld id="{A169F0B6-6056-428B-AB91-68CE97708E12}" type="datetimeFigureOut">
               <a:rPr lang="en-US" smtClean="0"/>
+              <a:t>2/24/2022</a:t>
             </a:fld>
             <a:endParaRPr lang="en-US"/>
           </a:p>
@@ -1030,12 +1052,18 @@
           <a:p>
             <a:fld id="{799ECC4C-5EF3-4AA8-8715-A2C293E8A202}" type="slidenum">
               <a:rPr lang="en-US" smtClean="0"/>
+              <a:t>‹#›</a:t>
             </a:fld>
             <a:endParaRPr lang="en-US"/>
           </a:p>
         </p:txBody>
       </p:sp>
     </p:spTree>
+    <p:extLst>
+      <p:ext uri="{BB962C8B-B14F-4D97-AF65-F5344CB8AC3E}">
+        <p14:creationId xmlns:p14="http://schemas.microsoft.com/office/powerpoint/2010/main" val="881028313"/>
+      </p:ext>
+    </p:extLst>
   </p:cSld>
   <p:clrMapOvr>
     <a:masterClrMapping/>
@@ -1079,7 +1107,7 @@
               <a:rPr lang="en-US"/>
               <a:t>Click to edit Master title style</a:t>
             </a:r>
-            <a:endParaRPr lang="en-US"/>
+            <a:endParaRPr lang="en-US" dirty="0"/>
           </a:p>
         </p:txBody>
       </p:sp>
@@ -1095,8 +1123,8 @@
         </p:nvSpPr>
         <p:spPr>
           <a:xfrm>
-            <a:off x="680904" y="1825625"/>
-            <a:ext cx="4209225" cy="4351338"/>
+            <a:off x="1335881" y="1825625"/>
+            <a:ext cx="8258175" cy="4351338"/>
           </a:xfrm>
         </p:spPr>
         <p:txBody>
@@ -1108,7 +1136,6 @@
               <a:rPr lang="en-US"/>
               <a:t>Click to edit Master text styles</a:t>
             </a:r>
-            <a:endParaRPr lang="en-US"/>
           </a:p>
           <a:p>
             <a:pPr lvl="1"/>
@@ -1116,7 +1143,6 @@
               <a:rPr lang="en-US"/>
               <a:t>Second level</a:t>
             </a:r>
-            <a:endParaRPr lang="en-US"/>
           </a:p>
           <a:p>
             <a:pPr lvl="2"/>
@@ -1124,7 +1150,6 @@
               <a:rPr lang="en-US"/>
               <a:t>Third level</a:t>
             </a:r>
-            <a:endParaRPr lang="en-US"/>
           </a:p>
           <a:p>
             <a:pPr lvl="3"/>
@@ -1132,7 +1157,6 @@
               <a:rPr lang="en-US"/>
               <a:t>Fourth level</a:t>
             </a:r>
-            <a:endParaRPr lang="en-US"/>
           </a:p>
           <a:p>
             <a:pPr lvl="4"/>
@@ -1140,7 +1164,7 @@
               <a:rPr lang="en-US"/>
               <a:t>Fifth level</a:t>
             </a:r>
-            <a:endParaRPr lang="en-US"/>
+            <a:endParaRPr lang="en-US" dirty="0"/>
           </a:p>
         </p:txBody>
       </p:sp>
@@ -1156,8 +1180,8 @@
         </p:nvSpPr>
         <p:spPr>
           <a:xfrm>
-            <a:off x="5013930" y="1825625"/>
-            <a:ext cx="4209225" cy="4351338"/>
+            <a:off x="9836944" y="1825625"/>
+            <a:ext cx="8258175" cy="4351338"/>
           </a:xfrm>
         </p:spPr>
         <p:txBody>
@@ -1169,7 +1193,6 @@
               <a:rPr lang="en-US"/>
               <a:t>Click to edit Master text styles</a:t>
             </a:r>
-            <a:endParaRPr lang="en-US"/>
           </a:p>
           <a:p>
             <a:pPr lvl="1"/>
@@ -1177,7 +1200,6 @@
               <a:rPr lang="en-US"/>
               <a:t>Second level</a:t>
             </a:r>
-            <a:endParaRPr lang="en-US"/>
           </a:p>
           <a:p>
             <a:pPr lvl="2"/>
@@ -1185,7 +1207,6 @@
               <a:rPr lang="en-US"/>
               <a:t>Third level</a:t>
             </a:r>
-            <a:endParaRPr lang="en-US"/>
           </a:p>
           <a:p>
             <a:pPr lvl="3"/>
@@ -1193,7 +1214,6 @@
               <a:rPr lang="en-US"/>
               <a:t>Fourth level</a:t>
             </a:r>
-            <a:endParaRPr lang="en-US"/>
           </a:p>
           <a:p>
             <a:pPr lvl="4"/>
@@ -1201,7 +1221,7 @@
               <a:rPr lang="en-US"/>
               <a:t>Fifth level</a:t>
             </a:r>
-            <a:endParaRPr lang="en-US"/>
+            <a:endParaRPr lang="en-US" dirty="0"/>
           </a:p>
         </p:txBody>
       </p:sp>
@@ -1222,6 +1242,7 @@
           <a:p>
             <a:fld id="{A169F0B6-6056-428B-AB91-68CE97708E12}" type="datetimeFigureOut">
               <a:rPr lang="en-US" smtClean="0"/>
+              <a:t>2/24/2022</a:t>
             </a:fld>
             <a:endParaRPr lang="en-US"/>
           </a:p>
@@ -1263,12 +1284,18 @@
           <a:p>
             <a:fld id="{799ECC4C-5EF3-4AA8-8715-A2C293E8A202}" type="slidenum">
               <a:rPr lang="en-US" smtClean="0"/>
+              <a:t>‹#›</a:t>
             </a:fld>
             <a:endParaRPr lang="en-US"/>
           </a:p>
         </p:txBody>
       </p:sp>
     </p:spTree>
+    <p:extLst>
+      <p:ext uri="{BB962C8B-B14F-4D97-AF65-F5344CB8AC3E}">
+        <p14:creationId xmlns:p14="http://schemas.microsoft.com/office/powerpoint/2010/main" val="4124634929"/>
+      </p:ext>
+    </p:extLst>
   </p:cSld>
   <p:clrMapOvr>
     <a:masterClrMapping/>
@@ -1305,8 +1332,8 @@
         </p:nvSpPr>
         <p:spPr>
           <a:xfrm>
-            <a:off x="682194" y="365125"/>
-            <a:ext cx="8542251" cy="1325563"/>
+            <a:off x="1338412" y="365126"/>
+            <a:ext cx="16759238" cy="1325563"/>
           </a:xfrm>
         </p:spPr>
         <p:txBody>
@@ -1317,7 +1344,7 @@
               <a:rPr lang="en-US"/>
               <a:t>Click to edit Master title style</a:t>
             </a:r>
-            <a:endParaRPr lang="en-US"/>
+            <a:endParaRPr lang="en-US" dirty="0"/>
           </a:p>
         </p:txBody>
       </p:sp>
@@ -1333,8 +1360,8 @@
         </p:nvSpPr>
         <p:spPr>
           <a:xfrm>
-            <a:off x="682194" y="1681163"/>
-            <a:ext cx="4189881" cy="823912"/>
+            <a:off x="1338413" y="1681163"/>
+            <a:ext cx="8220223" cy="823912"/>
           </a:xfrm>
         </p:spPr>
         <p:txBody>
@@ -1383,7 +1410,6 @@
               <a:rPr lang="en-US"/>
               <a:t>Click to edit Master text styles</a:t>
             </a:r>
-            <a:endParaRPr lang="en-US"/>
           </a:p>
         </p:txBody>
       </p:sp>
@@ -1399,8 +1425,8 @@
         </p:nvSpPr>
         <p:spPr>
           <a:xfrm>
-            <a:off x="682194" y="2505075"/>
-            <a:ext cx="4189881" cy="3684588"/>
+            <a:off x="1338413" y="2505075"/>
+            <a:ext cx="8220223" cy="3684588"/>
           </a:xfrm>
         </p:spPr>
         <p:txBody>
@@ -1412,7 +1438,6 @@
               <a:rPr lang="en-US"/>
               <a:t>Click to edit Master text styles</a:t>
             </a:r>
-            <a:endParaRPr lang="en-US"/>
           </a:p>
           <a:p>
             <a:pPr lvl="1"/>
@@ -1420,7 +1445,6 @@
               <a:rPr lang="en-US"/>
               <a:t>Second level</a:t>
             </a:r>
-            <a:endParaRPr lang="en-US"/>
           </a:p>
           <a:p>
             <a:pPr lvl="2"/>
@@ -1428,7 +1452,6 @@
               <a:rPr lang="en-US"/>
               <a:t>Third level</a:t>
             </a:r>
-            <a:endParaRPr lang="en-US"/>
           </a:p>
           <a:p>
             <a:pPr lvl="3"/>
@@ -1436,7 +1459,6 @@
               <a:rPr lang="en-US"/>
               <a:t>Fourth level</a:t>
             </a:r>
-            <a:endParaRPr lang="en-US"/>
           </a:p>
           <a:p>
             <a:pPr lvl="4"/>
@@ -1444,7 +1466,7 @@
               <a:rPr lang="en-US"/>
               <a:t>Fifth level</a:t>
             </a:r>
-            <a:endParaRPr lang="en-US"/>
+            <a:endParaRPr lang="en-US" dirty="0"/>
           </a:p>
         </p:txBody>
       </p:sp>
@@ -1460,8 +1482,8 @@
         </p:nvSpPr>
         <p:spPr>
           <a:xfrm>
-            <a:off x="5013930" y="1681163"/>
-            <a:ext cx="4210515" cy="823912"/>
+            <a:off x="9836944" y="1681163"/>
+            <a:ext cx="8260706" cy="823912"/>
           </a:xfrm>
         </p:spPr>
         <p:txBody>
@@ -1510,7 +1532,6 @@
               <a:rPr lang="en-US"/>
               <a:t>Click to edit Master text styles</a:t>
             </a:r>
-            <a:endParaRPr lang="en-US"/>
           </a:p>
         </p:txBody>
       </p:sp>
@@ -1526,8 +1547,8 @@
         </p:nvSpPr>
         <p:spPr>
           <a:xfrm>
-            <a:off x="5013930" y="2505075"/>
-            <a:ext cx="4210515" cy="3684588"/>
+            <a:off x="9836944" y="2505075"/>
+            <a:ext cx="8260706" cy="3684588"/>
           </a:xfrm>
         </p:spPr>
         <p:txBody>
@@ -1539,7 +1560,6 @@
               <a:rPr lang="en-US"/>
               <a:t>Click to edit Master text styles</a:t>
             </a:r>
-            <a:endParaRPr lang="en-US"/>
           </a:p>
           <a:p>
             <a:pPr lvl="1"/>
@@ -1547,7 +1567,6 @@
               <a:rPr lang="en-US"/>
               <a:t>Second level</a:t>
             </a:r>
-            <a:endParaRPr lang="en-US"/>
           </a:p>
           <a:p>
             <a:pPr lvl="2"/>
@@ -1555,7 +1574,6 @@
               <a:rPr lang="en-US"/>
               <a:t>Third level</a:t>
             </a:r>
-            <a:endParaRPr lang="en-US"/>
           </a:p>
           <a:p>
             <a:pPr lvl="3"/>
@@ -1563,7 +1581,6 @@
               <a:rPr lang="en-US"/>
               <a:t>Fourth level</a:t>
             </a:r>
-            <a:endParaRPr lang="en-US"/>
           </a:p>
           <a:p>
             <a:pPr lvl="4"/>
@@ -1571,7 +1588,7 @@
               <a:rPr lang="en-US"/>
               <a:t>Fifth level</a:t>
             </a:r>
-            <a:endParaRPr lang="en-US"/>
+            <a:endParaRPr lang="en-US" dirty="0"/>
           </a:p>
         </p:txBody>
       </p:sp>
@@ -1592,6 +1609,7 @@
           <a:p>
             <a:fld id="{A169F0B6-6056-428B-AB91-68CE97708E12}" type="datetimeFigureOut">
               <a:rPr lang="en-US" smtClean="0"/>
+              <a:t>2/24/2022</a:t>
             </a:fld>
             <a:endParaRPr lang="en-US"/>
           </a:p>
@@ -1633,12 +1651,18 @@
           <a:p>
             <a:fld id="{799ECC4C-5EF3-4AA8-8715-A2C293E8A202}" type="slidenum">
               <a:rPr lang="en-US" smtClean="0"/>
+              <a:t>‹#›</a:t>
             </a:fld>
             <a:endParaRPr lang="en-US"/>
           </a:p>
         </p:txBody>
       </p:sp>
     </p:spTree>
+    <p:extLst>
+      <p:ext uri="{BB962C8B-B14F-4D97-AF65-F5344CB8AC3E}">
+        <p14:creationId xmlns:p14="http://schemas.microsoft.com/office/powerpoint/2010/main" val="228013308"/>
+      </p:ext>
+    </p:extLst>
   </p:cSld>
   <p:clrMapOvr>
     <a:masterClrMapping/>
@@ -1682,7 +1706,7 @@
               <a:rPr lang="en-US"/>
               <a:t>Click to edit Master title style</a:t>
             </a:r>
-            <a:endParaRPr lang="en-US"/>
+            <a:endParaRPr lang="en-US" dirty="0"/>
           </a:p>
         </p:txBody>
       </p:sp>
@@ -1703,6 +1727,7 @@
           <a:p>
             <a:fld id="{A169F0B6-6056-428B-AB91-68CE97708E12}" type="datetimeFigureOut">
               <a:rPr lang="en-US" smtClean="0"/>
+              <a:t>2/24/2022</a:t>
             </a:fld>
             <a:endParaRPr lang="en-US"/>
           </a:p>
@@ -1744,12 +1769,18 @@
           <a:p>
             <a:fld id="{799ECC4C-5EF3-4AA8-8715-A2C293E8A202}" type="slidenum">
               <a:rPr lang="en-US" smtClean="0"/>
+              <a:t>‹#›</a:t>
             </a:fld>
             <a:endParaRPr lang="en-US"/>
           </a:p>
         </p:txBody>
       </p:sp>
     </p:spTree>
+    <p:extLst>
+      <p:ext uri="{BB962C8B-B14F-4D97-AF65-F5344CB8AC3E}">
+        <p14:creationId xmlns:p14="http://schemas.microsoft.com/office/powerpoint/2010/main" val="985073282"/>
+      </p:ext>
+    </p:extLst>
   </p:cSld>
   <p:clrMapOvr>
     <a:masterClrMapping/>
@@ -1791,6 +1822,7 @@
           <a:p>
             <a:fld id="{A169F0B6-6056-428B-AB91-68CE97708E12}" type="datetimeFigureOut">
               <a:rPr lang="en-US" smtClean="0"/>
+              <a:t>2/24/2022</a:t>
             </a:fld>
             <a:endParaRPr lang="en-US"/>
           </a:p>
@@ -1832,12 +1864,18 @@
           <a:p>
             <a:fld id="{799ECC4C-5EF3-4AA8-8715-A2C293E8A202}" type="slidenum">
               <a:rPr lang="en-US" smtClean="0"/>
+              <a:t>‹#›</a:t>
             </a:fld>
             <a:endParaRPr lang="en-US"/>
           </a:p>
         </p:txBody>
       </p:sp>
     </p:spTree>
+    <p:extLst>
+      <p:ext uri="{BB962C8B-B14F-4D97-AF65-F5344CB8AC3E}">
+        <p14:creationId xmlns:p14="http://schemas.microsoft.com/office/powerpoint/2010/main" val="1419770818"/>
+      </p:ext>
+    </p:extLst>
   </p:cSld>
   <p:clrMapOvr>
     <a:masterClrMapping/>
@@ -1874,8 +1912,8 @@
         </p:nvSpPr>
         <p:spPr>
           <a:xfrm>
-            <a:off x="682194" y="457200"/>
-            <a:ext cx="3194317" cy="1600200"/>
+            <a:off x="1338413" y="457200"/>
+            <a:ext cx="6267003" cy="1600200"/>
           </a:xfrm>
         </p:spPr>
         <p:txBody>
@@ -1890,7 +1928,7 @@
               <a:rPr lang="en-US"/>
               <a:t>Click to edit Master title style</a:t>
             </a:r>
-            <a:endParaRPr lang="en-US"/>
+            <a:endParaRPr lang="en-US" dirty="0"/>
           </a:p>
         </p:txBody>
       </p:sp>
@@ -1906,8 +1944,8 @@
         </p:nvSpPr>
         <p:spPr>
           <a:xfrm>
-            <a:off x="4210515" y="987425"/>
-            <a:ext cx="5013930" cy="4873625"/>
+            <a:off x="8260706" y="987426"/>
+            <a:ext cx="9836944" cy="4873625"/>
           </a:xfrm>
         </p:spPr>
         <p:txBody>
@@ -1947,7 +1985,6 @@
               <a:rPr lang="en-US"/>
               <a:t>Click to edit Master text styles</a:t>
             </a:r>
-            <a:endParaRPr lang="en-US"/>
           </a:p>
           <a:p>
             <a:pPr lvl="1"/>
@@ -1955,7 +1992,6 @@
               <a:rPr lang="en-US"/>
               <a:t>Second level</a:t>
             </a:r>
-            <a:endParaRPr lang="en-US"/>
           </a:p>
           <a:p>
             <a:pPr lvl="2"/>
@@ -1963,7 +1999,6 @@
               <a:rPr lang="en-US"/>
               <a:t>Third level</a:t>
             </a:r>
-            <a:endParaRPr lang="en-US"/>
           </a:p>
           <a:p>
             <a:pPr lvl="3"/>
@@ -1971,7 +2006,6 @@
               <a:rPr lang="en-US"/>
               <a:t>Fourth level</a:t>
             </a:r>
-            <a:endParaRPr lang="en-US"/>
           </a:p>
           <a:p>
             <a:pPr lvl="4"/>
@@ -1979,7 +2013,7 @@
               <a:rPr lang="en-US"/>
               <a:t>Fifth level</a:t>
             </a:r>
-            <a:endParaRPr lang="en-US"/>
+            <a:endParaRPr lang="en-US" dirty="0"/>
           </a:p>
         </p:txBody>
       </p:sp>
@@ -1995,8 +2029,8 @@
         </p:nvSpPr>
         <p:spPr>
           <a:xfrm>
-            <a:off x="682194" y="2057400"/>
-            <a:ext cx="3194317" cy="3811588"/>
+            <a:off x="1338413" y="2057400"/>
+            <a:ext cx="6267003" cy="3811588"/>
           </a:xfrm>
         </p:spPr>
         <p:txBody>
@@ -2045,7 +2079,6 @@
               <a:rPr lang="en-US"/>
               <a:t>Click to edit Master text styles</a:t>
             </a:r>
-            <a:endParaRPr lang="en-US"/>
           </a:p>
         </p:txBody>
       </p:sp>
@@ -2066,6 +2099,7 @@
           <a:p>
             <a:fld id="{A169F0B6-6056-428B-AB91-68CE97708E12}" type="datetimeFigureOut">
               <a:rPr lang="en-US" smtClean="0"/>
+              <a:t>2/24/2022</a:t>
             </a:fld>
             <a:endParaRPr lang="en-US"/>
           </a:p>
@@ -2107,12 +2141,18 @@
           <a:p>
             <a:fld id="{799ECC4C-5EF3-4AA8-8715-A2C293E8A202}" type="slidenum">
               <a:rPr lang="en-US" smtClean="0"/>
+              <a:t>‹#›</a:t>
             </a:fld>
             <a:endParaRPr lang="en-US"/>
           </a:p>
         </p:txBody>
       </p:sp>
     </p:spTree>
+    <p:extLst>
+      <p:ext uri="{BB962C8B-B14F-4D97-AF65-F5344CB8AC3E}">
+        <p14:creationId xmlns:p14="http://schemas.microsoft.com/office/powerpoint/2010/main" val="1342283734"/>
+      </p:ext>
+    </p:extLst>
   </p:cSld>
   <p:clrMapOvr>
     <a:masterClrMapping/>
@@ -2149,8 +2189,8 @@
         </p:nvSpPr>
         <p:spPr>
           <a:xfrm>
-            <a:off x="682194" y="457200"/>
-            <a:ext cx="3194317" cy="1600200"/>
+            <a:off x="1338413" y="457200"/>
+            <a:ext cx="6267003" cy="1600200"/>
           </a:xfrm>
         </p:spPr>
         <p:txBody>
@@ -2165,7 +2205,7 @@
               <a:rPr lang="en-US"/>
               <a:t>Click to edit Master title style</a:t>
             </a:r>
-            <a:endParaRPr lang="en-US"/>
+            <a:endParaRPr lang="en-US" dirty="0"/>
           </a:p>
         </p:txBody>
       </p:sp>
@@ -2173,7 +2213,7 @@
         <p:nvSpPr>
           <p:cNvPr id="3" name="Picture Placeholder 2"/>
           <p:cNvSpPr>
-            <a:spLocks noGrp="1"/>
+            <a:spLocks noGrp="1" noChangeAspect="1"/>
           </p:cNvSpPr>
           <p:nvPr>
             <p:ph type="pic" idx="1"/>
@@ -2181,8 +2221,73 @@
         </p:nvSpPr>
         <p:spPr>
           <a:xfrm>
-            <a:off x="4210515" y="987425"/>
-            <a:ext cx="5013930" cy="4873625"/>
+            <a:off x="8260706" y="987426"/>
+            <a:ext cx="9836944" cy="4873625"/>
+          </a:xfrm>
+        </p:spPr>
+        <p:txBody>
+          <a:bodyPr anchor="t"/>
+          <a:lstStyle>
+            <a:lvl1pPr marL="0" indent="0">
+              <a:buNone/>
+              <a:defRPr sz="3200"/>
+            </a:lvl1pPr>
+            <a:lvl2pPr marL="457200" indent="0">
+              <a:buNone/>
+              <a:defRPr sz="2800"/>
+            </a:lvl2pPr>
+            <a:lvl3pPr marL="914400" indent="0">
+              <a:buNone/>
+              <a:defRPr sz="2400"/>
+            </a:lvl3pPr>
+            <a:lvl4pPr marL="1371600" indent="0">
+              <a:buNone/>
+              <a:defRPr sz="2000"/>
+            </a:lvl4pPr>
+            <a:lvl5pPr marL="1828800" indent="0">
+              <a:buNone/>
+              <a:defRPr sz="2000"/>
+            </a:lvl5pPr>
+            <a:lvl6pPr marL="2286000" indent="0">
+              <a:buNone/>
+              <a:defRPr sz="2000"/>
+            </a:lvl6pPr>
+            <a:lvl7pPr marL="2743200" indent="0">
+              <a:buNone/>
+              <a:defRPr sz="2000"/>
+            </a:lvl7pPr>
+            <a:lvl8pPr marL="3200400" indent="0">
+              <a:buNone/>
+              <a:defRPr sz="2000"/>
+            </a:lvl8pPr>
+            <a:lvl9pPr marL="3657600" indent="0">
+              <a:buNone/>
+              <a:defRPr sz="2000"/>
+            </a:lvl9pPr>
+          </a:lstStyle>
+          <a:p>
+            <a:r>
+              <a:rPr lang="en-US"/>
+              <a:t>Click icon to add picture</a:t>
+            </a:r>
+            <a:endParaRPr lang="en-US" dirty="0"/>
+          </a:p>
+        </p:txBody>
+      </p:sp>
+      <p:sp>
+        <p:nvSpPr>
+          <p:cNvPr id="4" name="Text Placeholder 3"/>
+          <p:cNvSpPr>
+            <a:spLocks noGrp="1"/>
+          </p:cNvSpPr>
+          <p:nvPr>
+            <p:ph type="body" sz="half" idx="2"/>
+          </p:nvPr>
+        </p:nvSpPr>
+        <p:spPr>
+          <a:xfrm>
+            <a:off x="1338413" y="2057400"/>
+            <a:ext cx="6267003" cy="3811588"/>
           </a:xfrm>
         </p:spPr>
         <p:txBody>
@@ -2190,67 +2295,6 @@
           <a:lstStyle>
             <a:lvl1pPr marL="0" indent="0">
               <a:buNone/>
-              <a:defRPr sz="3200"/>
-            </a:lvl1pPr>
-            <a:lvl2pPr marL="457200" indent="0">
-              <a:buNone/>
-              <a:defRPr sz="2800"/>
-            </a:lvl2pPr>
-            <a:lvl3pPr marL="914400" indent="0">
-              <a:buNone/>
-              <a:defRPr sz="2400"/>
-            </a:lvl3pPr>
-            <a:lvl4pPr marL="1371600" indent="0">
-              <a:buNone/>
-              <a:defRPr sz="2000"/>
-            </a:lvl4pPr>
-            <a:lvl5pPr marL="1828800" indent="0">
-              <a:buNone/>
-              <a:defRPr sz="2000"/>
-            </a:lvl5pPr>
-            <a:lvl6pPr marL="2286000" indent="0">
-              <a:buNone/>
-              <a:defRPr sz="2000"/>
-            </a:lvl6pPr>
-            <a:lvl7pPr marL="2743200" indent="0">
-              <a:buNone/>
-              <a:defRPr sz="2000"/>
-            </a:lvl7pPr>
-            <a:lvl8pPr marL="3200400" indent="0">
-              <a:buNone/>
-              <a:defRPr sz="2000"/>
-            </a:lvl8pPr>
-            <a:lvl9pPr marL="3657600" indent="0">
-              <a:buNone/>
-              <a:defRPr sz="2000"/>
-            </a:lvl9pPr>
-          </a:lstStyle>
-          <a:p>
-            <a:endParaRPr lang="en-US"/>
-          </a:p>
-        </p:txBody>
-      </p:sp>
-      <p:sp>
-        <p:nvSpPr>
-          <p:cNvPr id="4" name="Text Placeholder 3"/>
-          <p:cNvSpPr>
-            <a:spLocks noGrp="1"/>
-          </p:cNvSpPr>
-          <p:nvPr>
-            <p:ph type="body" sz="half" idx="2"/>
-          </p:nvPr>
-        </p:nvSpPr>
-        <p:spPr>
-          <a:xfrm>
-            <a:off x="682194" y="2057400"/>
-            <a:ext cx="3194317" cy="3811588"/>
-          </a:xfrm>
-        </p:spPr>
-        <p:txBody>
-          <a:bodyPr/>
-          <a:lstStyle>
-            <a:lvl1pPr marL="0" indent="0">
-              <a:buNone/>
               <a:defRPr sz="1600"/>
             </a:lvl1pPr>
             <a:lvl2pPr marL="457200" indent="0">
@@ -2292,7 +2336,6 @@
               <a:rPr lang="en-US"/>
               <a:t>Click to edit Master text styles</a:t>
             </a:r>
-            <a:endParaRPr lang="en-US"/>
           </a:p>
         </p:txBody>
       </p:sp>
@@ -2313,6 +2356,7 @@
           <a:p>
             <a:fld id="{A169F0B6-6056-428B-AB91-68CE97708E12}" type="datetimeFigureOut">
               <a:rPr lang="en-US" smtClean="0"/>
+              <a:t>2/24/2022</a:t>
             </a:fld>
             <a:endParaRPr lang="en-US"/>
           </a:p>
@@ -2354,12 +2398,18 @@
           <a:p>
             <a:fld id="{799ECC4C-5EF3-4AA8-8715-A2C293E8A202}" type="slidenum">
               <a:rPr lang="en-US" smtClean="0"/>
+              <a:t>‹#›</a:t>
             </a:fld>
             <a:endParaRPr lang="en-US"/>
           </a:p>
         </p:txBody>
       </p:sp>
     </p:spTree>
+    <p:extLst>
+      <p:ext uri="{BB962C8B-B14F-4D97-AF65-F5344CB8AC3E}">
+        <p14:creationId xmlns:p14="http://schemas.microsoft.com/office/powerpoint/2010/main" val="2765500779"/>
+      </p:ext>
+    </p:extLst>
   </p:cSld>
   <p:clrMapOvr>
     <a:masterClrMapping/>
@@ -2401,8 +2451,8 @@
         </p:nvSpPr>
         <p:spPr>
           <a:xfrm>
-            <a:off x="680904" y="365125"/>
-            <a:ext cx="8542251" cy="1325563"/>
+            <a:off x="1335881" y="365126"/>
+            <a:ext cx="16759238" cy="1325563"/>
           </a:xfrm>
           <a:prstGeom prst="rect">
             <a:avLst/>
@@ -2418,7 +2468,7 @@
               <a:rPr lang="en-US"/>
               <a:t>Click to edit Master title style</a:t>
             </a:r>
-            <a:endParaRPr lang="en-US"/>
+            <a:endParaRPr lang="en-US" dirty="0"/>
           </a:p>
         </p:txBody>
       </p:sp>
@@ -2434,8 +2484,8 @@
         </p:nvSpPr>
         <p:spPr>
           <a:xfrm>
-            <a:off x="680904" y="1825625"/>
-            <a:ext cx="8542251" cy="4351338"/>
+            <a:off x="1335881" y="1825625"/>
+            <a:ext cx="16759238" cy="4351338"/>
           </a:xfrm>
           <a:prstGeom prst="rect">
             <a:avLst/>
@@ -2452,7 +2502,6 @@
               <a:rPr lang="en-US"/>
               <a:t>Click to edit Master text styles</a:t>
             </a:r>
-            <a:endParaRPr lang="en-US"/>
           </a:p>
           <a:p>
             <a:pPr lvl="1"/>
@@ -2460,7 +2509,6 @@
               <a:rPr lang="en-US"/>
               <a:t>Second level</a:t>
             </a:r>
-            <a:endParaRPr lang="en-US"/>
           </a:p>
           <a:p>
             <a:pPr lvl="2"/>
@@ -2468,7 +2516,6 @@
               <a:rPr lang="en-US"/>
               <a:t>Third level</a:t>
             </a:r>
-            <a:endParaRPr lang="en-US"/>
           </a:p>
           <a:p>
             <a:pPr lvl="3"/>
@@ -2476,7 +2523,6 @@
               <a:rPr lang="en-US"/>
               <a:t>Fourth level</a:t>
             </a:r>
-            <a:endParaRPr lang="en-US"/>
           </a:p>
           <a:p>
             <a:pPr lvl="4"/>
@@ -2484,7 +2530,7 @@
               <a:rPr lang="en-US"/>
               <a:t>Fifth level</a:t>
             </a:r>
-            <a:endParaRPr lang="en-US"/>
+            <a:endParaRPr lang="en-US" dirty="0"/>
           </a:p>
         </p:txBody>
       </p:sp>
@@ -2500,8 +2546,8 @@
         </p:nvSpPr>
         <p:spPr>
           <a:xfrm>
-            <a:off x="680904" y="6356350"/>
-            <a:ext cx="2228413" cy="365125"/>
+            <a:off x="1335881" y="6356351"/>
+            <a:ext cx="4371975" cy="365125"/>
           </a:xfrm>
           <a:prstGeom prst="rect">
             <a:avLst/>
@@ -2523,6 +2569,7 @@
           <a:p>
             <a:fld id="{A169F0B6-6056-428B-AB91-68CE97708E12}" type="datetimeFigureOut">
               <a:rPr lang="en-US" smtClean="0"/>
+              <a:t>2/24/2022</a:t>
             </a:fld>
             <a:endParaRPr lang="en-US"/>
           </a:p>
@@ -2540,8 +2587,8 @@
         </p:nvSpPr>
         <p:spPr>
           <a:xfrm>
-            <a:off x="3280720" y="6356350"/>
-            <a:ext cx="3342620" cy="365125"/>
+            <a:off x="6436519" y="6356351"/>
+            <a:ext cx="6557963" cy="365125"/>
           </a:xfrm>
           <a:prstGeom prst="rect">
             <a:avLst/>
@@ -2577,8 +2624,8 @@
         </p:nvSpPr>
         <p:spPr>
           <a:xfrm>
-            <a:off x="6994742" y="6356350"/>
-            <a:ext cx="2228413" cy="365125"/>
+            <a:off x="13723144" y="6356351"/>
+            <a:ext cx="4371975" cy="365125"/>
           </a:xfrm>
           <a:prstGeom prst="rect">
             <a:avLst/>
@@ -2600,26 +2647,32 @@
           <a:p>
             <a:fld id="{799ECC4C-5EF3-4AA8-8715-A2C293E8A202}" type="slidenum">
               <a:rPr lang="en-US" smtClean="0"/>
+              <a:t>‹#›</a:t>
             </a:fld>
             <a:endParaRPr lang="en-US"/>
           </a:p>
         </p:txBody>
       </p:sp>
     </p:spTree>
+    <p:extLst>
+      <p:ext uri="{BB962C8B-B14F-4D97-AF65-F5344CB8AC3E}">
+        <p14:creationId xmlns:p14="http://schemas.microsoft.com/office/powerpoint/2010/main" val="3336559355"/>
+      </p:ext>
+    </p:extLst>
   </p:cSld>
   <p:clrMap bg1="lt1" tx1="dk1" bg2="lt2" tx2="dk2" accent1="accent1" accent2="accent2" accent3="accent3" accent4="accent4" accent5="accent5" accent6="accent6" hlink="hlink" folHlink="folHlink"/>
   <p:sldLayoutIdLst>
-    <p:sldLayoutId id="2147483649" r:id="rId1"/>
-    <p:sldLayoutId id="2147483650" r:id="rId2"/>
-    <p:sldLayoutId id="2147483651" r:id="rId3"/>
-    <p:sldLayoutId id="2147483652" r:id="rId4"/>
-    <p:sldLayoutId id="2147483653" r:id="rId5"/>
-    <p:sldLayoutId id="2147483654" r:id="rId6"/>
-    <p:sldLayoutId id="2147483655" r:id="rId7"/>
-    <p:sldLayoutId id="2147483656" r:id="rId8"/>
-    <p:sldLayoutId id="2147483657" r:id="rId9"/>
-    <p:sldLayoutId id="2147483658" r:id="rId10"/>
-    <p:sldLayoutId id="2147483659" r:id="rId11"/>
+    <p:sldLayoutId id="2147483697" r:id="rId1"/>
+    <p:sldLayoutId id="2147483698" r:id="rId2"/>
+    <p:sldLayoutId id="2147483699" r:id="rId3"/>
+    <p:sldLayoutId id="2147483700" r:id="rId4"/>
+    <p:sldLayoutId id="2147483701" r:id="rId5"/>
+    <p:sldLayoutId id="2147483702" r:id="rId6"/>
+    <p:sldLayoutId id="2147483703" r:id="rId7"/>
+    <p:sldLayoutId id="2147483704" r:id="rId8"/>
+    <p:sldLayoutId id="2147483705" r:id="rId9"/>
+    <p:sldLayoutId id="2147483706" r:id="rId10"/>
+    <p:sldLayoutId id="2147483707" r:id="rId11"/>
   </p:sldLayoutIdLst>
   <p:txStyles>
     <p:titleStyle>
@@ -2923,20 +2976,29 @@
       </p:grpSpPr>
       <p:sp>
         <p:nvSpPr>
-          <p:cNvPr id="28" name="Rectangle: Rounded Corners 27"/>
+          <p:cNvPr id="4" name="Rectangle 3">
+            <a:extLst>
+              <a:ext uri="{FF2B5EF4-FFF2-40B4-BE49-F238E27FC236}">
+                <a16:creationId xmlns:a16="http://schemas.microsoft.com/office/drawing/2014/main" id="{65B190A5-105C-4B80-9228-1DA1F66736ED}"/>
+              </a:ext>
+            </a:extLst>
+          </p:cNvPr>
           <p:cNvSpPr/>
           <p:nvPr/>
         </p:nvSpPr>
         <p:spPr>
           <a:xfrm>
-            <a:off x="4537984" y="859595"/>
-            <a:ext cx="3137394" cy="4066675"/>
-          </a:xfrm>
-          <a:prstGeom prst="roundRect">
+            <a:off x="8648910" y="1601530"/>
+            <a:ext cx="1463695" cy="1192852"/>
+          </a:xfrm>
+          <a:prstGeom prst="rect">
             <a:avLst/>
           </a:prstGeom>
           <a:solidFill>
-            <a:schemeClr val="bg1"/>
+            <a:schemeClr val="accent5">
+              <a:lumMod val="60000"/>
+              <a:lumOff val="40000"/>
+            </a:schemeClr>
           </a:solidFill>
         </p:spPr>
         <p:style>
@@ -2960,26 +3022,120 @@
           <a:lstStyle/>
           <a:p>
             <a:pPr algn="ctr"/>
-            <a:endParaRPr lang="en-US" sz="1460"/>
-          </a:p>
-        </p:txBody>
-      </p:sp>
-      <p:sp>
-        <p:nvSpPr>
-          <p:cNvPr id="6" name="Rectangle 5"/>
+            <a:r>
+              <a:rPr lang="en-US" altLang="zh-CN" sz="1200" dirty="0">
+                <a:solidFill>
+                  <a:schemeClr val="tx1"/>
+                </a:solidFill>
+              </a:rPr>
+              <a:t>Pre-trained:</a:t>
+            </a:r>
+          </a:p>
+          <a:p>
+            <a:pPr algn="ctr"/>
+            <a:r>
+              <a:rPr lang="en-US" altLang="zh-CN" sz="1200" dirty="0">
+                <a:solidFill>
+                  <a:schemeClr val="tx1"/>
+                </a:solidFill>
+              </a:rPr>
+              <a:t>ResNet152</a:t>
+            </a:r>
+          </a:p>
+          <a:p>
+            <a:pPr algn="ctr"/>
+            <a:endParaRPr lang="en-US" sz="1200" dirty="0">
+              <a:solidFill>
+                <a:schemeClr val="tx1"/>
+              </a:solidFill>
+            </a:endParaRPr>
+          </a:p>
+          <a:p>
+            <a:pPr algn="ctr"/>
+            <a:endParaRPr lang="en-US" sz="1200" dirty="0">
+              <a:solidFill>
+                <a:schemeClr val="tx1"/>
+              </a:solidFill>
+            </a:endParaRPr>
+          </a:p>
+          <a:p>
+            <a:pPr algn="ctr"/>
+            <a:endParaRPr lang="en-US" sz="1200" dirty="0">
+              <a:solidFill>
+                <a:schemeClr val="tx1"/>
+              </a:solidFill>
+            </a:endParaRPr>
+          </a:p>
+        </p:txBody>
+      </p:sp>
+      <p:cxnSp>
+        <p:nvCxnSpPr>
+          <p:cNvPr id="5" name="Straight Arrow Connector 4">
+            <a:extLst>
+              <a:ext uri="{FF2B5EF4-FFF2-40B4-BE49-F238E27FC236}">
+                <a16:creationId xmlns:a16="http://schemas.microsoft.com/office/drawing/2014/main" id="{68558495-B6B7-4DA4-AD9A-6330D2484799}"/>
+              </a:ext>
+            </a:extLst>
+          </p:cNvPr>
+          <p:cNvCxnSpPr>
+            <a:cxnSpLocks/>
+            <a:stCxn id="7" idx="3"/>
+            <a:endCxn id="4" idx="1"/>
+          </p:cNvCxnSpPr>
+          <p:nvPr/>
+        </p:nvCxnSpPr>
+        <p:spPr>
+          <a:xfrm>
+            <a:off x="7129795" y="2197956"/>
+            <a:ext cx="1519114" cy="0"/>
+          </a:xfrm>
+          <a:prstGeom prst="straightConnector1">
+            <a:avLst/>
+          </a:prstGeom>
+          <a:ln>
+            <a:solidFill>
+              <a:schemeClr val="tx1"/>
+            </a:solidFill>
+            <a:tailEnd type="triangle"/>
+          </a:ln>
+        </p:spPr>
+        <p:style>
+          <a:lnRef idx="1">
+            <a:schemeClr val="accent1"/>
+          </a:lnRef>
+          <a:fillRef idx="0">
+            <a:schemeClr val="accent1"/>
+          </a:fillRef>
+          <a:effectRef idx="0">
+            <a:schemeClr val="accent1"/>
+          </a:effectRef>
+          <a:fontRef idx="minor">
+            <a:schemeClr val="tx1"/>
+          </a:fontRef>
+        </p:style>
+      </p:cxnSp>
+      <p:sp>
+        <p:nvSpPr>
+          <p:cNvPr id="6" name="Rectangle 5">
+            <a:extLst>
+              <a:ext uri="{FF2B5EF4-FFF2-40B4-BE49-F238E27FC236}">
+                <a16:creationId xmlns:a16="http://schemas.microsoft.com/office/drawing/2014/main" id="{12335071-8D4D-4A39-B7CF-1517DA435032}"/>
+              </a:ext>
+            </a:extLst>
+          </p:cNvPr>
           <p:cNvSpPr/>
           <p:nvPr/>
         </p:nvSpPr>
         <p:spPr>
           <a:xfrm>
-            <a:off x="2673052" y="1411880"/>
-            <a:ext cx="1314063" cy="653858"/>
+            <a:off x="8723726" y="5117608"/>
+            <a:ext cx="1314063" cy="1192851"/>
           </a:xfrm>
           <a:prstGeom prst="rect">
             <a:avLst/>
           </a:prstGeom>
           <a:solidFill>
-            <a:schemeClr val="accent1">
+            <a:schemeClr val="accent5">
               <a:lumMod val="60000"/>
               <a:lumOff val="40000"/>
             </a:schemeClr>
@@ -3007,305 +3163,75 @@
           <a:p>
             <a:pPr algn="ctr"/>
             <a:r>
-              <a:rPr lang="en-US" altLang="zh-CN" sz="1460" dirty="0"/>
+              <a:rPr lang="en-US" altLang="zh-CN" sz="1200" dirty="0">
+                <a:solidFill>
+                  <a:schemeClr val="tx1"/>
+                </a:solidFill>
+              </a:rPr>
+              <a:t>Fine-tuned:</a:t>
+            </a:r>
+          </a:p>
+          <a:p>
+            <a:pPr algn="ctr"/>
+            <a:r>
+              <a:rPr lang="en-US" altLang="zh-CN" sz="1200" dirty="0">
+                <a:solidFill>
+                  <a:schemeClr val="tx1"/>
+                </a:solidFill>
+              </a:rPr>
               <a:t>ResNet152</a:t>
             </a:r>
-            <a:endParaRPr lang="en-US" sz="1460" dirty="0"/>
-          </a:p>
-        </p:txBody>
-      </p:sp>
-      <p:sp>
-        <p:nvSpPr>
-          <p:cNvPr id="7" name="Oval 6"/>
-          <p:cNvSpPr/>
-          <p:nvPr/>
-        </p:nvSpPr>
-        <p:spPr>
-          <a:xfrm>
-            <a:off x="241715" y="1478535"/>
-            <a:ext cx="1314062" cy="520546"/>
-          </a:xfrm>
-          <a:prstGeom prst="ellipse">
-            <a:avLst/>
-          </a:prstGeom>
-          <a:solidFill>
-            <a:schemeClr val="accent2">
-              <a:lumMod val="60000"/>
-              <a:lumOff val="40000"/>
-            </a:schemeClr>
-          </a:solidFill>
-        </p:spPr>
-        <p:style>
-          <a:lnRef idx="2">
-            <a:schemeClr val="accent1">
-              <a:shade val="50000"/>
-            </a:schemeClr>
-          </a:lnRef>
-          <a:fillRef idx="1">
-            <a:schemeClr val="accent1"/>
-          </a:fillRef>
-          <a:effectRef idx="0">
-            <a:schemeClr val="accent1"/>
-          </a:effectRef>
-          <a:fontRef idx="minor">
-            <a:schemeClr val="lt1"/>
-          </a:fontRef>
-        </p:style>
-        <p:txBody>
-          <a:bodyPr rtlCol="0" anchor="ctr"/>
-          <a:lstStyle/>
+          </a:p>
           <a:p>
             <a:pPr algn="ctr"/>
-            <a:r>
-              <a:rPr lang="en-US" altLang="zh-CN" sz="1460" dirty="0"/>
-              <a:t>ImageNet</a:t>
-            </a:r>
-            <a:endParaRPr lang="en-US" sz="1460" dirty="0"/>
-          </a:p>
-        </p:txBody>
-      </p:sp>
-      <p:cxnSp>
-        <p:nvCxnSpPr>
-          <p:cNvPr id="9" name="Straight Arrow Connector 8"/>
-          <p:cNvCxnSpPr>
-            <a:endCxn id="6" idx="1"/>
-          </p:cNvCxnSpPr>
-          <p:nvPr/>
-        </p:nvCxnSpPr>
-        <p:spPr>
-          <a:xfrm>
-            <a:off x="1600217" y="1738809"/>
-            <a:ext cx="1072835" cy="1"/>
-          </a:xfrm>
-          <a:prstGeom prst="straightConnector1">
-            <a:avLst/>
-          </a:prstGeom>
-          <a:ln>
-            <a:tailEnd type="triangle"/>
-          </a:ln>
-        </p:spPr>
-        <p:style>
-          <a:lnRef idx="1">
-            <a:schemeClr val="accent1"/>
-          </a:lnRef>
-          <a:fillRef idx="0">
-            <a:schemeClr val="accent1"/>
-          </a:fillRef>
-          <a:effectRef idx="0">
-            <a:schemeClr val="accent1"/>
-          </a:effectRef>
-          <a:fontRef idx="minor">
-            <a:schemeClr val="tx1"/>
-          </a:fontRef>
-        </p:style>
-      </p:cxnSp>
-      <p:sp>
-        <p:nvSpPr>
-          <p:cNvPr id="10" name="Oval 9"/>
-          <p:cNvSpPr/>
-          <p:nvPr/>
-        </p:nvSpPr>
-        <p:spPr>
-          <a:xfrm>
-            <a:off x="167838" y="3346471"/>
-            <a:ext cx="1314062" cy="520546"/>
-          </a:xfrm>
-          <a:prstGeom prst="ellipse">
-            <a:avLst/>
-          </a:prstGeom>
-          <a:solidFill>
-            <a:schemeClr val="accent2">
-              <a:lumMod val="60000"/>
-              <a:lumOff val="40000"/>
-            </a:schemeClr>
-          </a:solidFill>
-        </p:spPr>
-        <p:style>
-          <a:lnRef idx="2">
-            <a:schemeClr val="accent1">
-              <a:shade val="50000"/>
-            </a:schemeClr>
-          </a:lnRef>
-          <a:fillRef idx="1">
-            <a:schemeClr val="accent1"/>
-          </a:fillRef>
-          <a:effectRef idx="0">
-            <a:schemeClr val="accent1"/>
-          </a:effectRef>
-          <a:fontRef idx="minor">
-            <a:schemeClr val="lt1"/>
-          </a:fontRef>
-        </p:style>
-        <p:txBody>
-          <a:bodyPr rtlCol="0" anchor="ctr"/>
-          <a:lstStyle/>
+            <a:endParaRPr lang="en-US" sz="1200" dirty="0">
+              <a:solidFill>
+                <a:schemeClr val="tx1"/>
+              </a:solidFill>
+            </a:endParaRPr>
+          </a:p>
           <a:p>
             <a:pPr algn="ctr"/>
-            <a:r>
-              <a:rPr lang="en-US" altLang="zh-CN" sz="1460" dirty="0"/>
-              <a:t>CT dataset</a:t>
-            </a:r>
-            <a:endParaRPr lang="en-US" sz="1460" dirty="0"/>
-          </a:p>
-        </p:txBody>
-      </p:sp>
-      <p:sp>
-        <p:nvSpPr>
-          <p:cNvPr id="11" name="Rectangle 10"/>
-          <p:cNvSpPr/>
-          <p:nvPr/>
-        </p:nvSpPr>
-        <p:spPr>
-          <a:xfrm>
-            <a:off x="2673052" y="3279817"/>
-            <a:ext cx="1314063" cy="653858"/>
-          </a:xfrm>
-          <a:prstGeom prst="rect">
-            <a:avLst/>
-          </a:prstGeom>
-          <a:solidFill>
-            <a:schemeClr val="accent1">
-              <a:lumMod val="60000"/>
-              <a:lumOff val="40000"/>
-            </a:schemeClr>
-          </a:solidFill>
-        </p:spPr>
-        <p:style>
-          <a:lnRef idx="2">
-            <a:schemeClr val="accent1">
-              <a:shade val="50000"/>
-            </a:schemeClr>
-          </a:lnRef>
-          <a:fillRef idx="1">
-            <a:schemeClr val="accent1"/>
-          </a:fillRef>
-          <a:effectRef idx="0">
-            <a:schemeClr val="accent1"/>
-          </a:effectRef>
-          <a:fontRef idx="minor">
-            <a:schemeClr val="lt1"/>
-          </a:fontRef>
-        </p:style>
-        <p:txBody>
-          <a:bodyPr rtlCol="0" anchor="ctr"/>
-          <a:lstStyle/>
+            <a:endParaRPr lang="en-US" sz="1200" dirty="0">
+              <a:solidFill>
+                <a:schemeClr val="tx1"/>
+              </a:solidFill>
+            </a:endParaRPr>
+          </a:p>
           <a:p>
             <a:pPr algn="ctr"/>
-            <a:r>
-              <a:rPr lang="en-US" altLang="zh-CN" sz="1460" dirty="0"/>
-              <a:t>Pre-</a:t>
-            </a:r>
-            <a:r>
-              <a:rPr lang="en-US" altLang="zh-CN" sz="1460" dirty="0" err="1"/>
-              <a:t>tained</a:t>
-            </a:r>
-            <a:r>
-              <a:rPr lang="en-US" altLang="zh-CN" sz="1460" dirty="0"/>
-              <a:t>:</a:t>
-            </a:r>
-            <a:endParaRPr lang="en-US" altLang="zh-CN" sz="1460" dirty="0"/>
-          </a:p>
-          <a:p>
-            <a:pPr algn="ctr"/>
-            <a:r>
-              <a:rPr lang="en-US" altLang="zh-CN" sz="1460" dirty="0"/>
-              <a:t>ResNet152</a:t>
-            </a:r>
-            <a:endParaRPr lang="en-US" sz="1460" dirty="0"/>
-          </a:p>
-        </p:txBody>
-      </p:sp>
-      <p:sp>
-        <p:nvSpPr>
-          <p:cNvPr id="15" name="Rectangle: Rounded Corners 14"/>
-          <p:cNvSpPr/>
-          <p:nvPr/>
-        </p:nvSpPr>
-        <p:spPr>
-          <a:xfrm>
-            <a:off x="5104905" y="1352762"/>
-            <a:ext cx="2069490" cy="1282323"/>
-          </a:xfrm>
-          <a:prstGeom prst="roundRect">
-            <a:avLst/>
-          </a:prstGeom>
-          <a:solidFill>
-            <a:schemeClr val="accent6">
-              <a:lumMod val="60000"/>
-              <a:lumOff val="40000"/>
-            </a:schemeClr>
-          </a:solidFill>
-        </p:spPr>
-        <p:style>
-          <a:lnRef idx="2">
-            <a:schemeClr val="accent1">
-              <a:shade val="50000"/>
-            </a:schemeClr>
-          </a:lnRef>
-          <a:fillRef idx="1">
-            <a:schemeClr val="accent1"/>
-          </a:fillRef>
-          <a:effectRef idx="0">
-            <a:schemeClr val="accent1"/>
-          </a:effectRef>
-          <a:fontRef idx="minor">
-            <a:schemeClr val="lt1"/>
-          </a:fontRef>
-        </p:style>
-        <p:txBody>
-          <a:bodyPr rtlCol="0" anchor="ctr"/>
-          <a:lstStyle/>
-          <a:p>
-            <a:pPr algn="ctr"/>
-            <a:r>
-              <a:rPr lang="en-US" sz="1460" dirty="0"/>
-              <a:t>Meta-learner:</a:t>
-            </a:r>
-            <a:br>
-              <a:rPr lang="en-US" sz="1460" dirty="0"/>
-            </a:br>
-            <a:r>
-              <a:rPr lang="en-US" sz="1460" dirty="0"/>
-              <a:t>MAML with HT</a:t>
-            </a:r>
-            <a:endParaRPr lang="en-US" sz="1460" dirty="0"/>
-          </a:p>
-          <a:p>
-            <a:pPr algn="ctr"/>
-            <a:endParaRPr lang="en-US" sz="1460" dirty="0"/>
-          </a:p>
-          <a:p>
-            <a:pPr algn="ctr"/>
-            <a:endParaRPr lang="en-US" sz="1460" dirty="0"/>
-          </a:p>
-          <a:p>
-            <a:pPr algn="ctr"/>
-            <a:endParaRPr lang="en-US" sz="1460" dirty="0"/>
-          </a:p>
-          <a:p>
-            <a:pPr algn="ctr"/>
-            <a:endParaRPr lang="en-US" sz="1460" dirty="0"/>
+            <a:endParaRPr lang="en-US" sz="1200" dirty="0">
+              <a:solidFill>
+                <a:schemeClr val="tx1"/>
+              </a:solidFill>
+            </a:endParaRPr>
           </a:p>
         </p:txBody>
       </p:sp>
       <p:pic>
         <p:nvPicPr>
-          <p:cNvPr id="17" name="Picture 16"/>
+          <p:cNvPr id="7" name="Picture 6">
+            <a:extLst>
+              <a:ext uri="{FF2B5EF4-FFF2-40B4-BE49-F238E27FC236}">
+                <a16:creationId xmlns:a16="http://schemas.microsoft.com/office/drawing/2014/main" id="{102BDE70-ADB6-498B-A5C3-2367C6E5DAE2}"/>
+              </a:ext>
+            </a:extLst>
+          </p:cNvPr>
           <p:cNvPicPr>
             <a:picLocks noChangeAspect="1"/>
           </p:cNvPicPr>
           <p:nvPr/>
         </p:nvPicPr>
         <p:blipFill>
-          <a:blip r:embed="rId1"/>
+          <a:blip r:embed="rId2"/>
           <a:stretch>
             <a:fillRect/>
           </a:stretch>
         </p:blipFill>
         <p:spPr>
           <a:xfrm>
-            <a:off x="5615579" y="1855553"/>
-            <a:ext cx="1114097" cy="667250"/>
+            <a:off x="5864405" y="1601530"/>
+            <a:ext cx="1265391" cy="1192853"/>
           </a:xfrm>
           <a:prstGeom prst="rect">
             <a:avLst/>
@@ -3314,192 +3240,20 @@
       </p:pic>
       <p:sp>
         <p:nvSpPr>
-          <p:cNvPr id="21" name="Rectangle: Rounded Corners 20"/>
-          <p:cNvSpPr/>
-          <p:nvPr/>
-        </p:nvSpPr>
-        <p:spPr>
-          <a:xfrm>
-            <a:off x="5104389" y="3098895"/>
-            <a:ext cx="2069490" cy="1282323"/>
-          </a:xfrm>
-          <a:prstGeom prst="roundRect">
-            <a:avLst/>
-          </a:prstGeom>
-          <a:solidFill>
-            <a:schemeClr val="accent6">
-              <a:lumMod val="60000"/>
-              <a:lumOff val="40000"/>
-            </a:schemeClr>
-          </a:solidFill>
-        </p:spPr>
-        <p:style>
-          <a:lnRef idx="2">
-            <a:schemeClr val="accent1">
-              <a:shade val="50000"/>
-            </a:schemeClr>
-          </a:lnRef>
-          <a:fillRef idx="1">
-            <a:schemeClr val="accent1"/>
-          </a:fillRef>
-          <a:effectRef idx="0">
-            <a:schemeClr val="accent1"/>
-          </a:effectRef>
-          <a:fontRef idx="minor">
-            <a:schemeClr val="lt1"/>
-          </a:fontRef>
-        </p:style>
-        <p:txBody>
-          <a:bodyPr rtlCol="0" anchor="ctr"/>
-          <a:lstStyle/>
-          <a:p>
-            <a:pPr algn="ctr"/>
-            <a:r>
-              <a:rPr lang="en-US" altLang="zh-CN" sz="1460" dirty="0"/>
-              <a:t>Base-learner:</a:t>
-            </a:r>
-            <a:endParaRPr lang="en-US" altLang="zh-CN" sz="1460" dirty="0"/>
-          </a:p>
-          <a:p>
-            <a:pPr algn="ctr"/>
-            <a:r>
-              <a:rPr lang="en-US" altLang="zh-CN" sz="1460" dirty="0"/>
-              <a:t>CT- Pre-</a:t>
-            </a:r>
-            <a:r>
-              <a:rPr lang="en-US" altLang="zh-CN" sz="1460" dirty="0" err="1"/>
-              <a:t>tained</a:t>
-            </a:r>
-            <a:r>
-              <a:rPr lang="en-US" altLang="zh-CN" sz="1460" dirty="0"/>
-              <a:t>:</a:t>
-            </a:r>
-            <a:endParaRPr lang="en-US" altLang="zh-CN" sz="1460" dirty="0"/>
-          </a:p>
-          <a:p>
-            <a:pPr algn="ctr"/>
-            <a:r>
-              <a:rPr lang="en-US" altLang="zh-CN" sz="1460" dirty="0"/>
-              <a:t>ResNet152</a:t>
-            </a:r>
-            <a:endParaRPr lang="en-US" sz="1460" dirty="0"/>
-          </a:p>
-          <a:p>
-            <a:pPr algn="ctr"/>
-            <a:endParaRPr lang="en-US" sz="1460" dirty="0"/>
-          </a:p>
-          <a:p>
-            <a:pPr algn="ctr"/>
-            <a:endParaRPr lang="en-US" sz="1460" dirty="0"/>
-          </a:p>
-          <a:p>
-            <a:pPr algn="ctr"/>
-            <a:endParaRPr lang="en-US" sz="1460" dirty="0"/>
-          </a:p>
-        </p:txBody>
-      </p:sp>
-      <p:sp>
-        <p:nvSpPr>
-          <p:cNvPr id="22" name="Arrow: Down 21"/>
-          <p:cNvSpPr/>
-          <p:nvPr/>
-        </p:nvSpPr>
-        <p:spPr>
-          <a:xfrm>
-            <a:off x="3336431" y="2375827"/>
-            <a:ext cx="133311" cy="593900"/>
-          </a:xfrm>
-          <a:prstGeom prst="downArrow">
-            <a:avLst/>
-          </a:prstGeom>
-          <a:solidFill>
-            <a:schemeClr val="accent4">
-              <a:lumMod val="60000"/>
-              <a:lumOff val="40000"/>
-            </a:schemeClr>
-          </a:solidFill>
-        </p:spPr>
-        <p:style>
-          <a:lnRef idx="2">
-            <a:schemeClr val="accent1">
-              <a:shade val="50000"/>
-            </a:schemeClr>
-          </a:lnRef>
-          <a:fillRef idx="1">
-            <a:schemeClr val="accent1"/>
-          </a:fillRef>
-          <a:effectRef idx="0">
-            <a:schemeClr val="accent1"/>
-          </a:effectRef>
-          <a:fontRef idx="minor">
-            <a:schemeClr val="lt1"/>
-          </a:fontRef>
-        </p:style>
-        <p:txBody>
-          <a:bodyPr rtlCol="0" anchor="ctr"/>
-          <a:lstStyle/>
-          <a:p>
-            <a:pPr algn="ctr"/>
-            <a:endParaRPr lang="en-US" sz="1460"/>
-          </a:p>
-        </p:txBody>
-      </p:sp>
-      <p:sp>
-        <p:nvSpPr>
-          <p:cNvPr id="23" name="Arrow: Down 22"/>
-          <p:cNvSpPr/>
-          <p:nvPr/>
-        </p:nvSpPr>
-        <p:spPr>
-          <a:xfrm rot="16200000">
-            <a:off x="4588424" y="3376451"/>
-            <a:ext cx="133311" cy="593900"/>
-          </a:xfrm>
-          <a:prstGeom prst="downArrow">
-            <a:avLst/>
-          </a:prstGeom>
-          <a:solidFill>
-            <a:schemeClr val="accent4">
-              <a:lumMod val="60000"/>
-              <a:lumOff val="40000"/>
-            </a:schemeClr>
-          </a:solidFill>
-        </p:spPr>
-        <p:style>
-          <a:lnRef idx="2">
-            <a:schemeClr val="accent1">
-              <a:shade val="50000"/>
-            </a:schemeClr>
-          </a:lnRef>
-          <a:fillRef idx="1">
-            <a:schemeClr val="accent1"/>
-          </a:fillRef>
-          <a:effectRef idx="0">
-            <a:schemeClr val="accent1"/>
-          </a:effectRef>
-          <a:fontRef idx="minor">
-            <a:schemeClr val="lt1"/>
-          </a:fontRef>
-        </p:style>
-        <p:txBody>
-          <a:bodyPr rtlCol="0" anchor="ctr"/>
-          <a:lstStyle/>
-          <a:p>
-            <a:pPr algn="ctr"/>
-            <a:endParaRPr lang="en-US" sz="1460"/>
-          </a:p>
-        </p:txBody>
-      </p:sp>
-      <p:sp>
-        <p:nvSpPr>
-          <p:cNvPr id="2" name="TextBox 1"/>
+          <p:cNvPr id="8" name="TextBox 7">
+            <a:extLst>
+              <a:ext uri="{FF2B5EF4-FFF2-40B4-BE49-F238E27FC236}">
+                <a16:creationId xmlns:a16="http://schemas.microsoft.com/office/drawing/2014/main" id="{91012E7B-34F6-4DBD-9A22-C681440019FC}"/>
+              </a:ext>
+            </a:extLst>
+          </p:cNvPr>
           <p:cNvSpPr txBox="1"/>
           <p:nvPr/>
         </p:nvSpPr>
         <p:spPr>
           <a:xfrm>
-            <a:off x="5548266" y="1011949"/>
-            <a:ext cx="1339456" cy="315595"/>
+            <a:off x="5941411" y="1266938"/>
+            <a:ext cx="1191152" cy="369332"/>
           </a:xfrm>
           <a:prstGeom prst="rect">
             <a:avLst/>
@@ -3513,31 +3267,275 @@
           <a:lstStyle/>
           <a:p>
             <a:r>
-              <a:rPr lang="en-US" altLang="zh-CN" sz="1460" dirty="0"/>
-              <a:t>Meta-Training</a:t>
-            </a:r>
-            <a:endParaRPr lang="en-US" sz="1460" dirty="0"/>
+              <a:rPr lang="en-US" altLang="zh-CN" dirty="0"/>
+              <a:t>ImageNet</a:t>
+            </a:r>
+          </a:p>
+        </p:txBody>
+      </p:sp>
+      <p:pic>
+        <p:nvPicPr>
+          <p:cNvPr id="9" name="Picture 8">
+            <a:extLst>
+              <a:ext uri="{FF2B5EF4-FFF2-40B4-BE49-F238E27FC236}">
+                <a16:creationId xmlns:a16="http://schemas.microsoft.com/office/drawing/2014/main" id="{907B0F6C-16EE-444E-9150-78B39FA4EF18}"/>
+              </a:ext>
+            </a:extLst>
+          </p:cNvPr>
+          <p:cNvPicPr>
+            <a:picLocks noChangeAspect="1"/>
+          </p:cNvPicPr>
+          <p:nvPr/>
+        </p:nvPicPr>
+        <p:blipFill>
+          <a:blip r:embed="rId3"/>
+          <a:stretch>
+            <a:fillRect/>
+          </a:stretch>
+        </p:blipFill>
+        <p:spPr>
+          <a:xfrm>
+            <a:off x="5724280" y="3628009"/>
+            <a:ext cx="1545639" cy="1534868"/>
+          </a:xfrm>
+          <a:prstGeom prst="rect">
+            <a:avLst/>
+          </a:prstGeom>
+        </p:spPr>
+      </p:pic>
+      <p:sp>
+        <p:nvSpPr>
+          <p:cNvPr id="10" name="TextBox 9">
+            <a:extLst>
+              <a:ext uri="{FF2B5EF4-FFF2-40B4-BE49-F238E27FC236}">
+                <a16:creationId xmlns:a16="http://schemas.microsoft.com/office/drawing/2014/main" id="{3476EE46-B530-40DE-8551-BF02606CB979}"/>
+              </a:ext>
+            </a:extLst>
+          </p:cNvPr>
+          <p:cNvSpPr txBox="1"/>
+          <p:nvPr/>
+        </p:nvSpPr>
+        <p:spPr>
+          <a:xfrm>
+            <a:off x="5935795" y="3216358"/>
+            <a:ext cx="1191152" cy="369332"/>
+          </a:xfrm>
+          <a:prstGeom prst="rect">
+            <a:avLst/>
+          </a:prstGeom>
+          <a:noFill/>
+        </p:spPr>
+        <p:txBody>
+          <a:bodyPr wrap="square" rtlCol="0">
+            <a:spAutoFit/>
+          </a:bodyPr>
+          <a:lstStyle/>
+          <a:p>
+            <a:r>
+              <a:rPr lang="en-US" altLang="zh-CN" dirty="0"/>
+              <a:t>CT data</a:t>
+            </a:r>
+          </a:p>
+        </p:txBody>
+      </p:sp>
+      <p:sp>
+        <p:nvSpPr>
+          <p:cNvPr id="11" name="TextBox 10">
+            <a:extLst>
+              <a:ext uri="{FF2B5EF4-FFF2-40B4-BE49-F238E27FC236}">
+                <a16:creationId xmlns:a16="http://schemas.microsoft.com/office/drawing/2014/main" id="{5C60D47F-E59B-4EFE-BAB2-DC1D730D6A9F}"/>
+              </a:ext>
+            </a:extLst>
+          </p:cNvPr>
+          <p:cNvSpPr txBox="1"/>
+          <p:nvPr/>
+        </p:nvSpPr>
+        <p:spPr>
+          <a:xfrm>
+            <a:off x="7534352" y="3919287"/>
+            <a:ext cx="1264190" cy="430887"/>
+          </a:xfrm>
+          <a:prstGeom prst="rect">
+            <a:avLst/>
+          </a:prstGeom>
+          <a:noFill/>
+        </p:spPr>
+        <p:txBody>
+          <a:bodyPr wrap="square" rtlCol="0">
+            <a:spAutoFit/>
+          </a:bodyPr>
+          <a:lstStyle/>
+          <a:p>
+            <a:r>
+              <a:rPr lang="en-US" altLang="zh-CN" sz="1100" dirty="0"/>
+              <a:t>Fine tuning on all</a:t>
+            </a:r>
+          </a:p>
+          <a:p>
+            <a:r>
+              <a:rPr lang="en-US" altLang="zh-CN" sz="1100" dirty="0"/>
+              <a:t> training sample</a:t>
+            </a:r>
+          </a:p>
+        </p:txBody>
+      </p:sp>
+      <p:sp>
+        <p:nvSpPr>
+          <p:cNvPr id="12" name="TextBox 11">
+            <a:extLst>
+              <a:ext uri="{FF2B5EF4-FFF2-40B4-BE49-F238E27FC236}">
+                <a16:creationId xmlns:a16="http://schemas.microsoft.com/office/drawing/2014/main" id="{B2F612CE-8E9C-44D3-AEEF-2B5EF52BA537}"/>
+              </a:ext>
+            </a:extLst>
+          </p:cNvPr>
+          <p:cNvSpPr txBox="1"/>
+          <p:nvPr/>
+        </p:nvSpPr>
+        <p:spPr>
+          <a:xfrm>
+            <a:off x="7135331" y="1871027"/>
+            <a:ext cx="2038783" cy="261610"/>
+          </a:xfrm>
+          <a:prstGeom prst="rect">
+            <a:avLst/>
+          </a:prstGeom>
+          <a:noFill/>
+        </p:spPr>
+        <p:txBody>
+          <a:bodyPr wrap="square" rtlCol="0">
+            <a:spAutoFit/>
+          </a:bodyPr>
+          <a:lstStyle/>
+          <a:p>
+            <a:r>
+              <a:rPr lang="en-US" altLang="zh-CN" sz="1100" dirty="0"/>
+              <a:t>Pre training on ImageNet</a:t>
+            </a:r>
+          </a:p>
+        </p:txBody>
+      </p:sp>
+      <p:pic>
+        <p:nvPicPr>
+          <p:cNvPr id="17" name="图片 2">
+            <a:extLst>
+              <a:ext uri="{FF2B5EF4-FFF2-40B4-BE49-F238E27FC236}">
+                <a16:creationId xmlns:a16="http://schemas.microsoft.com/office/drawing/2014/main" id="{02B7B2C5-1294-4B35-A6D2-0CE596B18E3A}"/>
+              </a:ext>
+            </a:extLst>
+          </p:cNvPr>
+          <p:cNvPicPr>
+            <a:picLocks noChangeAspect="1"/>
+          </p:cNvPicPr>
+          <p:nvPr/>
+        </p:nvPicPr>
+        <p:blipFill>
+          <a:blip r:embed="rId4"/>
+          <a:stretch>
+            <a:fillRect/>
+          </a:stretch>
+        </p:blipFill>
+        <p:spPr>
+          <a:xfrm>
+            <a:off x="8968539" y="2232874"/>
+            <a:ext cx="824435" cy="489332"/>
+          </a:xfrm>
+          <a:prstGeom prst="rect">
+            <a:avLst/>
+          </a:prstGeom>
+        </p:spPr>
+      </p:pic>
+      <p:pic>
+        <p:nvPicPr>
+          <p:cNvPr id="20" name="图片 2">
+            <a:extLst>
+              <a:ext uri="{FF2B5EF4-FFF2-40B4-BE49-F238E27FC236}">
+                <a16:creationId xmlns:a16="http://schemas.microsoft.com/office/drawing/2014/main" id="{E70473A0-FE3D-424E-ADF3-231D0307D291}"/>
+              </a:ext>
+            </a:extLst>
+          </p:cNvPr>
+          <p:cNvPicPr>
+            <a:picLocks noChangeAspect="1"/>
+          </p:cNvPicPr>
+          <p:nvPr/>
+        </p:nvPicPr>
+        <p:blipFill>
+          <a:blip r:embed="rId4"/>
+          <a:stretch>
+            <a:fillRect/>
+          </a:stretch>
+        </p:blipFill>
+        <p:spPr>
+          <a:xfrm>
+            <a:off x="9053391" y="5714034"/>
+            <a:ext cx="820565" cy="525718"/>
+          </a:xfrm>
+          <a:prstGeom prst="rect">
+            <a:avLst/>
+          </a:prstGeom>
+        </p:spPr>
+      </p:pic>
+      <p:sp>
+        <p:nvSpPr>
+          <p:cNvPr id="34" name="TextBox 33">
+            <a:extLst>
+              <a:ext uri="{FF2B5EF4-FFF2-40B4-BE49-F238E27FC236}">
+                <a16:creationId xmlns:a16="http://schemas.microsoft.com/office/drawing/2014/main" id="{47F35A69-E00C-4D4D-9508-3DA776DED067}"/>
+              </a:ext>
+            </a:extLst>
+          </p:cNvPr>
+          <p:cNvSpPr txBox="1"/>
+          <p:nvPr/>
+        </p:nvSpPr>
+        <p:spPr>
+          <a:xfrm>
+            <a:off x="8759555" y="4825241"/>
+            <a:ext cx="1264190" cy="307777"/>
+          </a:xfrm>
+          <a:prstGeom prst="rect">
+            <a:avLst/>
+          </a:prstGeom>
+          <a:noFill/>
+        </p:spPr>
+        <p:txBody>
+          <a:bodyPr wrap="square" rtlCol="0">
+            <a:spAutoFit/>
+          </a:bodyPr>
+          <a:lstStyle/>
+          <a:p>
+            <a:r>
+              <a:rPr lang="en-US" altLang="zh-CN" sz="1400" b="1" dirty="0"/>
+              <a:t>Base-Learner</a:t>
+            </a:r>
           </a:p>
         </p:txBody>
       </p:sp>
       <p:cxnSp>
         <p:nvCxnSpPr>
-          <p:cNvPr id="13" name="Straight Arrow Connector 12"/>
+          <p:cNvPr id="39" name="Straight Arrow Connector 38">
+            <a:extLst>
+              <a:ext uri="{FF2B5EF4-FFF2-40B4-BE49-F238E27FC236}">
+                <a16:creationId xmlns:a16="http://schemas.microsoft.com/office/drawing/2014/main" id="{F54AC035-39A3-45F3-A231-9B86C20EBF4D}"/>
+              </a:ext>
+            </a:extLst>
+          </p:cNvPr>
           <p:cNvCxnSpPr>
-            <a:stCxn id="10" idx="6"/>
-            <a:endCxn id="11" idx="1"/>
+            <a:cxnSpLocks/>
+            <a:stCxn id="4" idx="2"/>
           </p:cNvCxnSpPr>
           <p:nvPr/>
         </p:nvCxnSpPr>
         <p:spPr>
           <a:xfrm>
-            <a:off x="1481899" y="3606745"/>
-            <a:ext cx="1191152" cy="2"/>
+            <a:off x="9380758" y="2794382"/>
+            <a:ext cx="0" cy="1985590"/>
           </a:xfrm>
           <a:prstGeom prst="straightConnector1">
             <a:avLst/>
           </a:prstGeom>
           <a:ln>
+            <a:solidFill>
+              <a:schemeClr val="tx1"/>
+            </a:solidFill>
             <a:tailEnd type="triangle"/>
           </a:ln>
         </p:spPr>
@@ -3558,22 +3556,31 @@
       </p:cxnSp>
       <p:cxnSp>
         <p:nvCxnSpPr>
-          <p:cNvPr id="18" name="Connector: Elbow 17"/>
+          <p:cNvPr id="43" name="Straight Connector 42">
+            <a:extLst>
+              <a:ext uri="{FF2B5EF4-FFF2-40B4-BE49-F238E27FC236}">
+                <a16:creationId xmlns:a16="http://schemas.microsoft.com/office/drawing/2014/main" id="{72118FE9-86E9-41B1-87F0-DDBC485648C8}"/>
+              </a:ext>
+            </a:extLst>
+          </p:cNvPr>
           <p:cNvCxnSpPr>
-            <a:endCxn id="28" idx="2"/>
+            <a:cxnSpLocks/>
+            <a:stCxn id="9" idx="3"/>
           </p:cNvCxnSpPr>
           <p:nvPr/>
         </p:nvCxnSpPr>
         <p:spPr>
-          <a:xfrm flipV="1">
-            <a:off x="824868" y="4926270"/>
-            <a:ext cx="5281813" cy="696358"/>
-          </a:xfrm>
-          <a:prstGeom prst="bentConnector2">
+          <a:xfrm>
+            <a:off x="7269919" y="4395443"/>
+            <a:ext cx="2121731" cy="0"/>
+          </a:xfrm>
+          <a:prstGeom prst="line">
             <a:avLst/>
           </a:prstGeom>
           <a:ln>
-            <a:tailEnd type="triangle"/>
+            <a:solidFill>
+              <a:schemeClr val="tx1"/>
+            </a:solidFill>
           </a:ln>
         </p:spPr>
         <p:style>
@@ -3591,22 +3598,1001 @@
           </a:fontRef>
         </p:style>
       </p:cxnSp>
+    </p:spTree>
+    <p:extLst>
+      <p:ext uri="{BB962C8B-B14F-4D97-AF65-F5344CB8AC3E}">
+        <p14:creationId xmlns:p14="http://schemas.microsoft.com/office/powerpoint/2010/main" val="3909973974"/>
+      </p:ext>
+    </p:extLst>
+  </p:cSld>
+  <p:clrMapOvr>
+    <a:masterClrMapping/>
+  </p:clrMapOvr>
+</p:sld>
+</file>
+
+<file path=ppt/slides/slide2.xml><?xml version="1.0" encoding="utf-8"?>
+<p:sld xmlns:a="http://schemas.openxmlformats.org/drawingml/2006/main" xmlns:r="http://schemas.openxmlformats.org/officeDocument/2006/relationships" xmlns:p="http://schemas.openxmlformats.org/presentationml/2006/main">
+  <p:cSld>
+    <p:spTree>
+      <p:nvGrpSpPr>
+        <p:cNvPr id="1" name=""/>
+        <p:cNvGrpSpPr/>
+        <p:nvPr/>
+      </p:nvGrpSpPr>
+      <p:grpSpPr>
+        <a:xfrm>
+          <a:off x="0" y="0"/>
+          <a:ext cx="0" cy="0"/>
+          <a:chOff x="0" y="0"/>
+          <a:chExt cx="0" cy="0"/>
+        </a:xfrm>
+      </p:grpSpPr>
+      <p:sp>
+        <p:nvSpPr>
+          <p:cNvPr id="62" name="Rectangle: Rounded Corners 61">
+            <a:extLst>
+              <a:ext uri="{FF2B5EF4-FFF2-40B4-BE49-F238E27FC236}">
+                <a16:creationId xmlns:a16="http://schemas.microsoft.com/office/drawing/2014/main" id="{A35F7F07-2452-4F79-9293-89145D75E3FF}"/>
+              </a:ext>
+            </a:extLst>
+          </p:cNvPr>
+          <p:cNvSpPr/>
+          <p:nvPr/>
+        </p:nvSpPr>
+        <p:spPr>
+          <a:xfrm>
+            <a:off x="11261009" y="929726"/>
+            <a:ext cx="6225798" cy="4603997"/>
+          </a:xfrm>
+          <a:prstGeom prst="roundRect">
+            <a:avLst/>
+          </a:prstGeom>
+          <a:solidFill>
+            <a:schemeClr val="bg1"/>
+          </a:solidFill>
+          <a:ln>
+            <a:solidFill>
+              <a:schemeClr val="accent6"/>
+            </a:solidFill>
+          </a:ln>
+        </p:spPr>
+        <p:style>
+          <a:lnRef idx="2">
+            <a:schemeClr val="accent1">
+              <a:shade val="50000"/>
+            </a:schemeClr>
+          </a:lnRef>
+          <a:fillRef idx="1">
+            <a:schemeClr val="accent1"/>
+          </a:fillRef>
+          <a:effectRef idx="0">
+            <a:schemeClr val="accent1"/>
+          </a:effectRef>
+          <a:fontRef idx="minor">
+            <a:schemeClr val="lt1"/>
+          </a:fontRef>
+        </p:style>
+        <p:txBody>
+          <a:bodyPr rtlCol="0" anchor="ctr"/>
+          <a:lstStyle/>
+          <a:p>
+            <a:pPr algn="ctr"/>
+            <a:endParaRPr lang="en-US" sz="1460" dirty="0"/>
+          </a:p>
+        </p:txBody>
+      </p:sp>
+      <p:sp>
+        <p:nvSpPr>
+          <p:cNvPr id="75" name="Rectangle: Rounded Corners 74">
+            <a:extLst>
+              <a:ext uri="{FF2B5EF4-FFF2-40B4-BE49-F238E27FC236}">
+                <a16:creationId xmlns:a16="http://schemas.microsoft.com/office/drawing/2014/main" id="{A6CE8BBA-384D-41D1-9996-2D413B7CCA52}"/>
+              </a:ext>
+            </a:extLst>
+          </p:cNvPr>
+          <p:cNvSpPr/>
+          <p:nvPr/>
+        </p:nvSpPr>
+        <p:spPr>
+          <a:xfrm>
+            <a:off x="11589301" y="1662119"/>
+            <a:ext cx="2683005" cy="3636341"/>
+          </a:xfrm>
+          <a:prstGeom prst="roundRect">
+            <a:avLst/>
+          </a:prstGeom>
+          <a:solidFill>
+            <a:schemeClr val="bg1"/>
+          </a:solidFill>
+          <a:ln>
+            <a:solidFill>
+              <a:schemeClr val="accent4"/>
+            </a:solidFill>
+          </a:ln>
+        </p:spPr>
+        <p:style>
+          <a:lnRef idx="2">
+            <a:schemeClr val="accent1">
+              <a:shade val="50000"/>
+            </a:schemeClr>
+          </a:lnRef>
+          <a:fillRef idx="1">
+            <a:schemeClr val="accent1"/>
+          </a:fillRef>
+          <a:effectRef idx="0">
+            <a:schemeClr val="accent1"/>
+          </a:effectRef>
+          <a:fontRef idx="minor">
+            <a:schemeClr val="lt1"/>
+          </a:fontRef>
+        </p:style>
+        <p:txBody>
+          <a:bodyPr rtlCol="0" anchor="ctr"/>
+          <a:lstStyle/>
+          <a:p>
+            <a:pPr algn="ctr"/>
+            <a:endParaRPr lang="en-US"/>
+          </a:p>
+        </p:txBody>
+      </p:sp>
+      <p:sp>
+        <p:nvSpPr>
+          <p:cNvPr id="17" name="Rectangle: Rounded Corners 16">
+            <a:extLst>
+              <a:ext uri="{FF2B5EF4-FFF2-40B4-BE49-F238E27FC236}">
+                <a16:creationId xmlns:a16="http://schemas.microsoft.com/office/drawing/2014/main" id="{04113675-53B1-48C7-99D5-4B20088C4732}"/>
+              </a:ext>
+            </a:extLst>
+          </p:cNvPr>
+          <p:cNvSpPr/>
+          <p:nvPr/>
+        </p:nvSpPr>
+        <p:spPr>
+          <a:xfrm>
+            <a:off x="6869188" y="1000125"/>
+            <a:ext cx="2661372" cy="4486275"/>
+          </a:xfrm>
+          <a:prstGeom prst="roundRect">
+            <a:avLst/>
+          </a:prstGeom>
+          <a:solidFill>
+            <a:schemeClr val="bg1"/>
+          </a:solidFill>
+          <a:ln>
+            <a:solidFill>
+              <a:schemeClr val="accent5">
+                <a:lumMod val="75000"/>
+              </a:schemeClr>
+            </a:solidFill>
+          </a:ln>
+        </p:spPr>
+        <p:style>
+          <a:lnRef idx="2">
+            <a:schemeClr val="accent1">
+              <a:shade val="50000"/>
+            </a:schemeClr>
+          </a:lnRef>
+          <a:fillRef idx="1">
+            <a:schemeClr val="accent1"/>
+          </a:fillRef>
+          <a:effectRef idx="0">
+            <a:schemeClr val="accent1"/>
+          </a:effectRef>
+          <a:fontRef idx="minor">
+            <a:schemeClr val="lt1"/>
+          </a:fontRef>
+        </p:style>
+        <p:txBody>
+          <a:bodyPr rtlCol="0" anchor="ctr"/>
+          <a:lstStyle/>
+          <a:p>
+            <a:pPr algn="ctr"/>
+            <a:endParaRPr lang="en-US" sz="1460" dirty="0"/>
+          </a:p>
+        </p:txBody>
+      </p:sp>
+      <p:sp>
+        <p:nvSpPr>
+          <p:cNvPr id="60" name="Rectangle: Rounded Corners 59">
+            <a:extLst>
+              <a:ext uri="{FF2B5EF4-FFF2-40B4-BE49-F238E27FC236}">
+                <a16:creationId xmlns:a16="http://schemas.microsoft.com/office/drawing/2014/main" id="{B584B7ED-0649-4300-854C-70B84C01DAAB}"/>
+              </a:ext>
+            </a:extLst>
+          </p:cNvPr>
+          <p:cNvSpPr/>
+          <p:nvPr/>
+        </p:nvSpPr>
+        <p:spPr>
+          <a:xfrm>
+            <a:off x="7319176" y="1672506"/>
+            <a:ext cx="1832240" cy="1528760"/>
+          </a:xfrm>
+          <a:prstGeom prst="roundRect">
+            <a:avLst/>
+          </a:prstGeom>
+          <a:solidFill>
+            <a:schemeClr val="accent2">
+              <a:lumMod val="40000"/>
+              <a:lumOff val="60000"/>
+            </a:schemeClr>
+          </a:solidFill>
+        </p:spPr>
+        <p:style>
+          <a:lnRef idx="2">
+            <a:schemeClr val="accent1">
+              <a:shade val="50000"/>
+            </a:schemeClr>
+          </a:lnRef>
+          <a:fillRef idx="1">
+            <a:schemeClr val="accent1"/>
+          </a:fillRef>
+          <a:effectRef idx="0">
+            <a:schemeClr val="accent1"/>
+          </a:effectRef>
+          <a:fontRef idx="minor">
+            <a:schemeClr val="lt1"/>
+          </a:fontRef>
+        </p:style>
+        <p:txBody>
+          <a:bodyPr rtlCol="0" anchor="ctr"/>
+          <a:lstStyle/>
+          <a:p>
+            <a:pPr algn="ctr"/>
+            <a:endParaRPr lang="en-US"/>
+          </a:p>
+        </p:txBody>
+      </p:sp>
+      <p:sp>
+        <p:nvSpPr>
+          <p:cNvPr id="5" name="TextBox 4">
+            <a:extLst>
+              <a:ext uri="{FF2B5EF4-FFF2-40B4-BE49-F238E27FC236}">
+                <a16:creationId xmlns:a16="http://schemas.microsoft.com/office/drawing/2014/main" id="{98F45C78-DC52-4DEF-94C1-5479B0B7127F}"/>
+              </a:ext>
+            </a:extLst>
+          </p:cNvPr>
+          <p:cNvSpPr txBox="1"/>
+          <p:nvPr/>
+        </p:nvSpPr>
+        <p:spPr>
+          <a:xfrm>
+            <a:off x="3828819" y="1456081"/>
+            <a:ext cx="1543050" cy="338554"/>
+          </a:xfrm>
+          <a:prstGeom prst="rect">
+            <a:avLst/>
+          </a:prstGeom>
+          <a:noFill/>
+        </p:spPr>
+        <p:txBody>
+          <a:bodyPr wrap="square" rtlCol="0">
+            <a:spAutoFit/>
+          </a:bodyPr>
+          <a:lstStyle/>
+          <a:p>
+            <a:r>
+              <a:rPr lang="en-US" sz="1600" dirty="0"/>
+              <a:t>Training Classes</a:t>
+            </a:r>
+          </a:p>
+        </p:txBody>
+      </p:sp>
+      <p:pic>
+        <p:nvPicPr>
+          <p:cNvPr id="11" name="Picture 10">
+            <a:extLst>
+              <a:ext uri="{FF2B5EF4-FFF2-40B4-BE49-F238E27FC236}">
+                <a16:creationId xmlns:a16="http://schemas.microsoft.com/office/drawing/2014/main" id="{CF062514-B277-4E48-83A2-E98EC9B02955}"/>
+              </a:ext>
+            </a:extLst>
+          </p:cNvPr>
+          <p:cNvPicPr>
+            <a:picLocks noChangeAspect="1"/>
+          </p:cNvPicPr>
+          <p:nvPr/>
+        </p:nvPicPr>
+        <p:blipFill>
+          <a:blip r:embed="rId2"/>
+          <a:stretch>
+            <a:fillRect/>
+          </a:stretch>
+        </p:blipFill>
+        <p:spPr>
+          <a:xfrm>
+            <a:off x="4009794" y="1918428"/>
+            <a:ext cx="1181100" cy="849745"/>
+          </a:xfrm>
+          <a:prstGeom prst="rect">
+            <a:avLst/>
+          </a:prstGeom>
+        </p:spPr>
+      </p:pic>
+      <p:pic>
+        <p:nvPicPr>
+          <p:cNvPr id="13" name="Picture 12">
+            <a:extLst>
+              <a:ext uri="{FF2B5EF4-FFF2-40B4-BE49-F238E27FC236}">
+                <a16:creationId xmlns:a16="http://schemas.microsoft.com/office/drawing/2014/main" id="{36854CB5-5502-4895-8ECC-3CD5E14D5A8D}"/>
+              </a:ext>
+            </a:extLst>
+          </p:cNvPr>
+          <p:cNvPicPr>
+            <a:picLocks noChangeAspect="1"/>
+          </p:cNvPicPr>
+          <p:nvPr/>
+        </p:nvPicPr>
+        <p:blipFill>
+          <a:blip r:embed="rId3"/>
+          <a:stretch>
+            <a:fillRect/>
+          </a:stretch>
+        </p:blipFill>
+        <p:spPr>
+          <a:xfrm>
+            <a:off x="4009794" y="2916540"/>
+            <a:ext cx="1181100" cy="784421"/>
+          </a:xfrm>
+          <a:prstGeom prst="rect">
+            <a:avLst/>
+          </a:prstGeom>
+        </p:spPr>
+      </p:pic>
+      <p:pic>
+        <p:nvPicPr>
+          <p:cNvPr id="15" name="Picture 14">
+            <a:extLst>
+              <a:ext uri="{FF2B5EF4-FFF2-40B4-BE49-F238E27FC236}">
+                <a16:creationId xmlns:a16="http://schemas.microsoft.com/office/drawing/2014/main" id="{115BD498-1B4B-4496-B4CD-335A814B2D3D}"/>
+              </a:ext>
+            </a:extLst>
+          </p:cNvPr>
+          <p:cNvPicPr>
+            <a:picLocks noChangeAspect="1"/>
+          </p:cNvPicPr>
+          <p:nvPr/>
+        </p:nvPicPr>
+        <p:blipFill>
+          <a:blip r:embed="rId4"/>
+          <a:stretch>
+            <a:fillRect/>
+          </a:stretch>
+        </p:blipFill>
+        <p:spPr>
+          <a:xfrm>
+            <a:off x="4009794" y="3824753"/>
+            <a:ext cx="1181100" cy="784421"/>
+          </a:xfrm>
+          <a:prstGeom prst="rect">
+            <a:avLst/>
+          </a:prstGeom>
+        </p:spPr>
+      </p:pic>
+      <p:pic>
+        <p:nvPicPr>
+          <p:cNvPr id="18" name="Picture 17">
+            <a:extLst>
+              <a:ext uri="{FF2B5EF4-FFF2-40B4-BE49-F238E27FC236}">
+                <a16:creationId xmlns:a16="http://schemas.microsoft.com/office/drawing/2014/main" id="{535A5D94-A85A-411F-860B-9E1EE3738E9C}"/>
+              </a:ext>
+            </a:extLst>
+          </p:cNvPr>
+          <p:cNvPicPr>
+            <a:picLocks noChangeAspect="1"/>
+          </p:cNvPicPr>
+          <p:nvPr/>
+        </p:nvPicPr>
+        <p:blipFill>
+          <a:blip r:embed="rId5"/>
+          <a:stretch>
+            <a:fillRect/>
+          </a:stretch>
+        </p:blipFill>
+        <p:spPr>
+          <a:xfrm>
+            <a:off x="7480623" y="2202699"/>
+            <a:ext cx="1415728" cy="847902"/>
+          </a:xfrm>
+          <a:prstGeom prst="rect">
+            <a:avLst/>
+          </a:prstGeom>
+        </p:spPr>
+      </p:pic>
       <p:cxnSp>
         <p:nvCxnSpPr>
-          <p:cNvPr id="30" name="Straight Connector 29"/>
+          <p:cNvPr id="20" name="Straight Arrow Connector 19">
+            <a:extLst>
+              <a:ext uri="{FF2B5EF4-FFF2-40B4-BE49-F238E27FC236}">
+                <a16:creationId xmlns:a16="http://schemas.microsoft.com/office/drawing/2014/main" id="{9D665D87-88D0-4869-A47A-3A4C874CE3F8}"/>
+              </a:ext>
+            </a:extLst>
+          </p:cNvPr>
           <p:cNvCxnSpPr>
-            <a:stCxn id="10" idx="4"/>
+            <a:cxnSpLocks/>
+            <a:endCxn id="17" idx="1"/>
           </p:cNvCxnSpPr>
           <p:nvPr/>
         </p:nvCxnSpPr>
         <p:spPr>
           <a:xfrm>
-            <a:off x="824869" y="3867017"/>
-            <a:ext cx="0" cy="1755609"/>
-          </a:xfrm>
-          <a:prstGeom prst="line">
+            <a:off x="5371870" y="3243262"/>
+            <a:ext cx="1497319" cy="0"/>
+          </a:xfrm>
+          <a:prstGeom prst="straightConnector1">
             <a:avLst/>
           </a:prstGeom>
+          <a:ln>
+            <a:solidFill>
+              <a:schemeClr val="tx1"/>
+            </a:solidFill>
+            <a:tailEnd type="triangle"/>
+          </a:ln>
+        </p:spPr>
+        <p:style>
+          <a:lnRef idx="1">
+            <a:schemeClr val="accent1"/>
+          </a:lnRef>
+          <a:fillRef idx="0">
+            <a:schemeClr val="accent1"/>
+          </a:fillRef>
+          <a:effectRef idx="0">
+            <a:schemeClr val="accent1"/>
+          </a:effectRef>
+          <a:fontRef idx="minor">
+            <a:schemeClr val="tx1"/>
+          </a:fontRef>
+        </p:style>
+      </p:cxnSp>
+      <p:sp>
+        <p:nvSpPr>
+          <p:cNvPr id="26" name="TextBox 25">
+            <a:extLst>
+              <a:ext uri="{FF2B5EF4-FFF2-40B4-BE49-F238E27FC236}">
+                <a16:creationId xmlns:a16="http://schemas.microsoft.com/office/drawing/2014/main" id="{3D9D5380-F03A-41B0-9429-FDD900608E53}"/>
+              </a:ext>
+            </a:extLst>
+          </p:cNvPr>
+          <p:cNvSpPr txBox="1"/>
+          <p:nvPr/>
+        </p:nvSpPr>
+        <p:spPr>
+          <a:xfrm>
+            <a:off x="7394898" y="1202059"/>
+            <a:ext cx="1713925" cy="307777"/>
+          </a:xfrm>
+          <a:prstGeom prst="rect">
+            <a:avLst/>
+          </a:prstGeom>
+          <a:noFill/>
+        </p:spPr>
+        <p:txBody>
+          <a:bodyPr wrap="square" rtlCol="0">
+            <a:spAutoFit/>
+          </a:bodyPr>
+          <a:lstStyle/>
+          <a:p>
+            <a:r>
+              <a:rPr lang="en-US" sz="1400" b="1" dirty="0"/>
+              <a:t>Meta-training Stage</a:t>
+            </a:r>
+            <a:endParaRPr lang="en-US" sz="1400" dirty="0"/>
+          </a:p>
+        </p:txBody>
+      </p:sp>
+      <p:cxnSp>
+        <p:nvCxnSpPr>
+          <p:cNvPr id="36" name="Straight Arrow Connector 35">
+            <a:extLst>
+              <a:ext uri="{FF2B5EF4-FFF2-40B4-BE49-F238E27FC236}">
+                <a16:creationId xmlns:a16="http://schemas.microsoft.com/office/drawing/2014/main" id="{8C735BF0-8F05-4042-8A6C-D660F0E3588C}"/>
+              </a:ext>
+            </a:extLst>
+          </p:cNvPr>
+          <p:cNvCxnSpPr>
+            <a:cxnSpLocks/>
+            <a:stCxn id="17" idx="3"/>
+            <a:endCxn id="62" idx="1"/>
+          </p:cNvCxnSpPr>
+          <p:nvPr/>
+        </p:nvCxnSpPr>
+        <p:spPr>
+          <a:xfrm flipV="1">
+            <a:off x="9530560" y="3231725"/>
+            <a:ext cx="1730449" cy="11538"/>
+          </a:xfrm>
+          <a:prstGeom prst="straightConnector1">
+            <a:avLst/>
+          </a:prstGeom>
+          <a:ln>
+            <a:solidFill>
+              <a:schemeClr val="tx1"/>
+            </a:solidFill>
+            <a:tailEnd type="triangle"/>
+          </a:ln>
+        </p:spPr>
+        <p:style>
+          <a:lnRef idx="1">
+            <a:schemeClr val="accent1"/>
+          </a:lnRef>
+          <a:fillRef idx="0">
+            <a:schemeClr val="accent1"/>
+          </a:fillRef>
+          <a:effectRef idx="0">
+            <a:schemeClr val="accent1"/>
+          </a:effectRef>
+          <a:fontRef idx="minor">
+            <a:schemeClr val="tx1"/>
+          </a:fontRef>
+        </p:style>
+      </p:cxnSp>
+      <p:sp>
+        <p:nvSpPr>
+          <p:cNvPr id="47" name="TextBox 46">
+            <a:extLst>
+              <a:ext uri="{FF2B5EF4-FFF2-40B4-BE49-F238E27FC236}">
+                <a16:creationId xmlns:a16="http://schemas.microsoft.com/office/drawing/2014/main" id="{1DF7ED07-E40A-4EE7-88B5-152C2C084B9E}"/>
+              </a:ext>
+            </a:extLst>
+          </p:cNvPr>
+          <p:cNvSpPr txBox="1"/>
+          <p:nvPr/>
+        </p:nvSpPr>
+        <p:spPr>
+          <a:xfrm>
+            <a:off x="7359440" y="1809674"/>
+            <a:ext cx="1749382" cy="307777"/>
+          </a:xfrm>
+          <a:prstGeom prst="rect">
+            <a:avLst/>
+          </a:prstGeom>
+          <a:noFill/>
+        </p:spPr>
+        <p:txBody>
+          <a:bodyPr wrap="square" rtlCol="0">
+            <a:spAutoFit/>
+          </a:bodyPr>
+          <a:lstStyle/>
+          <a:p>
+            <a:r>
+              <a:rPr lang="en-US" sz="1400" dirty="0"/>
+              <a:t>Meta-learner: MAML</a:t>
+            </a:r>
+          </a:p>
+        </p:txBody>
+      </p:sp>
+      <p:sp>
+        <p:nvSpPr>
+          <p:cNvPr id="52" name="TextBox 51">
+            <a:extLst>
+              <a:ext uri="{FF2B5EF4-FFF2-40B4-BE49-F238E27FC236}">
+                <a16:creationId xmlns:a16="http://schemas.microsoft.com/office/drawing/2014/main" id="{3C04601E-BC51-4060-81A4-1777480C90BE}"/>
+              </a:ext>
+            </a:extLst>
+          </p:cNvPr>
+          <p:cNvSpPr txBox="1"/>
+          <p:nvPr/>
+        </p:nvSpPr>
+        <p:spPr>
+          <a:xfrm>
+            <a:off x="7231371" y="3793738"/>
+            <a:ext cx="2078288" cy="307777"/>
+          </a:xfrm>
+          <a:prstGeom prst="rect">
+            <a:avLst/>
+          </a:prstGeom>
+          <a:noFill/>
+        </p:spPr>
+        <p:txBody>
+          <a:bodyPr wrap="square" rtlCol="0">
+            <a:spAutoFit/>
+          </a:bodyPr>
+          <a:lstStyle/>
+          <a:p>
+            <a:r>
+              <a:rPr lang="en-US" sz="1400" dirty="0"/>
+              <a:t>Base-leaner: ResNet152</a:t>
+            </a:r>
+          </a:p>
+        </p:txBody>
+      </p:sp>
+      <p:pic>
+        <p:nvPicPr>
+          <p:cNvPr id="56" name="图片 2">
+            <a:extLst>
+              <a:ext uri="{FF2B5EF4-FFF2-40B4-BE49-F238E27FC236}">
+                <a16:creationId xmlns:a16="http://schemas.microsoft.com/office/drawing/2014/main" id="{CFCF1DCD-50CC-45F2-A18D-F4778B2B8F6D}"/>
+              </a:ext>
+            </a:extLst>
+          </p:cNvPr>
+          <p:cNvPicPr>
+            <a:picLocks noChangeAspect="1"/>
+          </p:cNvPicPr>
+          <p:nvPr/>
+        </p:nvPicPr>
+        <p:blipFill>
+          <a:blip r:embed="rId6"/>
+          <a:stretch>
+            <a:fillRect/>
+          </a:stretch>
+        </p:blipFill>
+        <p:spPr>
+          <a:xfrm>
+            <a:off x="7748583" y="4333492"/>
+            <a:ext cx="824435" cy="489332"/>
+          </a:xfrm>
+          <a:prstGeom prst="rect">
+            <a:avLst/>
+          </a:prstGeom>
+        </p:spPr>
+      </p:pic>
+      <p:sp>
+        <p:nvSpPr>
+          <p:cNvPr id="61" name="TextBox 60">
+            <a:extLst>
+              <a:ext uri="{FF2B5EF4-FFF2-40B4-BE49-F238E27FC236}">
+                <a16:creationId xmlns:a16="http://schemas.microsoft.com/office/drawing/2014/main" id="{33864295-E7BD-455F-BCA2-4D6EB3FC78E2}"/>
+              </a:ext>
+            </a:extLst>
+          </p:cNvPr>
+          <p:cNvSpPr txBox="1"/>
+          <p:nvPr/>
+        </p:nvSpPr>
+        <p:spPr>
+          <a:xfrm>
+            <a:off x="5424023" y="2768173"/>
+            <a:ext cx="1264190" cy="430887"/>
+          </a:xfrm>
+          <a:prstGeom prst="rect">
+            <a:avLst/>
+          </a:prstGeom>
+          <a:noFill/>
+        </p:spPr>
+        <p:txBody>
+          <a:bodyPr wrap="square" rtlCol="0">
+            <a:spAutoFit/>
+          </a:bodyPr>
+          <a:lstStyle/>
+          <a:p>
+            <a:r>
+              <a:rPr lang="en-US" altLang="zh-CN" sz="1100" dirty="0"/>
+              <a:t>Training on </a:t>
+            </a:r>
+          </a:p>
+          <a:p>
+            <a:r>
+              <a:rPr lang="en-US" altLang="zh-CN" sz="1100" b="1" dirty="0"/>
+              <a:t>Hark Task </a:t>
+            </a:r>
+            <a:r>
+              <a:rPr lang="en-US" altLang="zh-CN" sz="1100" dirty="0"/>
+              <a:t>strategy </a:t>
+            </a:r>
+          </a:p>
+        </p:txBody>
+      </p:sp>
+      <p:sp>
+        <p:nvSpPr>
+          <p:cNvPr id="63" name="Rectangle: Rounded Corners 62">
+            <a:extLst>
+              <a:ext uri="{FF2B5EF4-FFF2-40B4-BE49-F238E27FC236}">
+                <a16:creationId xmlns:a16="http://schemas.microsoft.com/office/drawing/2014/main" id="{EB394160-BCB4-47A3-9250-E68E242AD168}"/>
+              </a:ext>
+            </a:extLst>
+          </p:cNvPr>
+          <p:cNvSpPr/>
+          <p:nvPr/>
+        </p:nvSpPr>
+        <p:spPr>
+          <a:xfrm>
+            <a:off x="11862355" y="3569112"/>
+            <a:ext cx="1832240" cy="1528760"/>
+          </a:xfrm>
+          <a:prstGeom prst="roundRect">
+            <a:avLst/>
+          </a:prstGeom>
+          <a:solidFill>
+            <a:schemeClr val="accent2">
+              <a:lumMod val="40000"/>
+              <a:lumOff val="60000"/>
+            </a:schemeClr>
+          </a:solidFill>
+        </p:spPr>
+        <p:style>
+          <a:lnRef idx="2">
+            <a:schemeClr val="accent1">
+              <a:shade val="50000"/>
+            </a:schemeClr>
+          </a:lnRef>
+          <a:fillRef idx="1">
+            <a:schemeClr val="accent1"/>
+          </a:fillRef>
+          <a:effectRef idx="0">
+            <a:schemeClr val="accent1"/>
+          </a:effectRef>
+          <a:fontRef idx="minor">
+            <a:schemeClr val="lt1"/>
+          </a:fontRef>
+        </p:style>
+        <p:txBody>
+          <a:bodyPr rtlCol="0" anchor="ctr"/>
+          <a:lstStyle/>
+          <a:p>
+            <a:pPr algn="ctr"/>
+            <a:endParaRPr lang="en-US"/>
+          </a:p>
+        </p:txBody>
+      </p:sp>
+      <p:pic>
+        <p:nvPicPr>
+          <p:cNvPr id="64" name="Picture 63">
+            <a:extLst>
+              <a:ext uri="{FF2B5EF4-FFF2-40B4-BE49-F238E27FC236}">
+                <a16:creationId xmlns:a16="http://schemas.microsoft.com/office/drawing/2014/main" id="{D51E1D94-8BCF-4488-9CAD-63843189B939}"/>
+              </a:ext>
+            </a:extLst>
+          </p:cNvPr>
+          <p:cNvPicPr>
+            <a:picLocks noChangeAspect="1"/>
+          </p:cNvPicPr>
+          <p:nvPr/>
+        </p:nvPicPr>
+        <p:blipFill>
+          <a:blip r:embed="rId5"/>
+          <a:stretch>
+            <a:fillRect/>
+          </a:stretch>
+        </p:blipFill>
+        <p:spPr>
+          <a:xfrm>
+            <a:off x="12088338" y="2067229"/>
+            <a:ext cx="1415728" cy="847902"/>
+          </a:xfrm>
+          <a:prstGeom prst="rect">
+            <a:avLst/>
+          </a:prstGeom>
+        </p:spPr>
+      </p:pic>
+      <p:sp>
+        <p:nvSpPr>
+          <p:cNvPr id="65" name="TextBox 64">
+            <a:extLst>
+              <a:ext uri="{FF2B5EF4-FFF2-40B4-BE49-F238E27FC236}">
+                <a16:creationId xmlns:a16="http://schemas.microsoft.com/office/drawing/2014/main" id="{AB1659B3-0102-49FC-B5C0-47C78AA20CD0}"/>
+              </a:ext>
+            </a:extLst>
+          </p:cNvPr>
+          <p:cNvSpPr txBox="1"/>
+          <p:nvPr/>
+        </p:nvSpPr>
+        <p:spPr>
+          <a:xfrm>
+            <a:off x="13694595" y="894282"/>
+            <a:ext cx="1713925" cy="307777"/>
+          </a:xfrm>
+          <a:prstGeom prst="rect">
+            <a:avLst/>
+          </a:prstGeom>
+          <a:noFill/>
+        </p:spPr>
+        <p:txBody>
+          <a:bodyPr wrap="square" rtlCol="0">
+            <a:spAutoFit/>
+          </a:bodyPr>
+          <a:lstStyle/>
+          <a:p>
+            <a:r>
+              <a:rPr lang="en-US" sz="1400" b="1" dirty="0"/>
+              <a:t>Meta-testing Stage</a:t>
+            </a:r>
+            <a:endParaRPr lang="en-US" sz="1400" dirty="0"/>
+          </a:p>
+        </p:txBody>
+      </p:sp>
+      <p:sp>
+        <p:nvSpPr>
+          <p:cNvPr id="66" name="TextBox 65">
+            <a:extLst>
+              <a:ext uri="{FF2B5EF4-FFF2-40B4-BE49-F238E27FC236}">
+                <a16:creationId xmlns:a16="http://schemas.microsoft.com/office/drawing/2014/main" id="{35F515FD-7A4A-4F66-9583-9751F263616A}"/>
+              </a:ext>
+            </a:extLst>
+          </p:cNvPr>
+          <p:cNvSpPr txBox="1"/>
+          <p:nvPr/>
+        </p:nvSpPr>
+        <p:spPr>
+          <a:xfrm>
+            <a:off x="12015261" y="1752415"/>
+            <a:ext cx="1749382" cy="307777"/>
+          </a:xfrm>
+          <a:prstGeom prst="rect">
+            <a:avLst/>
+          </a:prstGeom>
+          <a:noFill/>
+        </p:spPr>
+        <p:txBody>
+          <a:bodyPr wrap="square" rtlCol="0">
+            <a:spAutoFit/>
+          </a:bodyPr>
+          <a:lstStyle/>
+          <a:p>
+            <a:r>
+              <a:rPr lang="en-US" sz="1400" dirty="0"/>
+              <a:t>Meta-learner: MAML</a:t>
+            </a:r>
+          </a:p>
+        </p:txBody>
+      </p:sp>
+      <p:sp>
+        <p:nvSpPr>
+          <p:cNvPr id="67" name="TextBox 66">
+            <a:extLst>
+              <a:ext uri="{FF2B5EF4-FFF2-40B4-BE49-F238E27FC236}">
+                <a16:creationId xmlns:a16="http://schemas.microsoft.com/office/drawing/2014/main" id="{2F6B913D-456F-4508-8DF8-CE727640ED0A}"/>
+              </a:ext>
+            </a:extLst>
+          </p:cNvPr>
+          <p:cNvSpPr txBox="1"/>
+          <p:nvPr/>
+        </p:nvSpPr>
+        <p:spPr>
+          <a:xfrm>
+            <a:off x="11850808" y="3832822"/>
+            <a:ext cx="2078288" cy="307777"/>
+          </a:xfrm>
+          <a:prstGeom prst="rect">
+            <a:avLst/>
+          </a:prstGeom>
+          <a:noFill/>
+        </p:spPr>
+        <p:txBody>
+          <a:bodyPr wrap="square" rtlCol="0">
+            <a:spAutoFit/>
+          </a:bodyPr>
+          <a:lstStyle/>
+          <a:p>
+            <a:r>
+              <a:rPr lang="en-US" sz="1400" dirty="0"/>
+              <a:t>Base-leaner: ResNet152</a:t>
+            </a:r>
+          </a:p>
+        </p:txBody>
+      </p:sp>
+      <p:pic>
+        <p:nvPicPr>
+          <p:cNvPr id="68" name="图片 2">
+            <a:extLst>
+              <a:ext uri="{FF2B5EF4-FFF2-40B4-BE49-F238E27FC236}">
+                <a16:creationId xmlns:a16="http://schemas.microsoft.com/office/drawing/2014/main" id="{13D7609E-7AA1-41F2-B4F0-561B7F415B73}"/>
+              </a:ext>
+            </a:extLst>
+          </p:cNvPr>
+          <p:cNvPicPr>
+            <a:picLocks noChangeAspect="1"/>
+          </p:cNvPicPr>
+          <p:nvPr/>
+        </p:nvPicPr>
+        <p:blipFill>
+          <a:blip r:embed="rId6"/>
+          <a:stretch>
+            <a:fillRect/>
+          </a:stretch>
+        </p:blipFill>
+        <p:spPr>
+          <a:xfrm>
+            <a:off x="12366257" y="4355534"/>
+            <a:ext cx="824435" cy="489332"/>
+          </a:xfrm>
+          <a:prstGeom prst="rect">
+            <a:avLst/>
+          </a:prstGeom>
+        </p:spPr>
+      </p:pic>
+      <p:sp>
+        <p:nvSpPr>
+          <p:cNvPr id="70" name="TextBox 69">
+            <a:extLst>
+              <a:ext uri="{FF2B5EF4-FFF2-40B4-BE49-F238E27FC236}">
+                <a16:creationId xmlns:a16="http://schemas.microsoft.com/office/drawing/2014/main" id="{BAFCDF84-6FCE-4545-A07B-75CE76935309}"/>
+              </a:ext>
+            </a:extLst>
+          </p:cNvPr>
+          <p:cNvSpPr txBox="1"/>
+          <p:nvPr/>
+        </p:nvSpPr>
+        <p:spPr>
+          <a:xfrm>
+            <a:off x="9763689" y="2800838"/>
+            <a:ext cx="1264190" cy="430887"/>
+          </a:xfrm>
+          <a:prstGeom prst="rect">
+            <a:avLst/>
+          </a:prstGeom>
+          <a:noFill/>
+        </p:spPr>
+        <p:txBody>
+          <a:bodyPr wrap="square" rtlCol="0">
+            <a:spAutoFit/>
+          </a:bodyPr>
+          <a:lstStyle/>
+          <a:p>
+            <a:r>
+              <a:rPr lang="en-US" altLang="zh-CN" sz="1100" dirty="0"/>
+              <a:t>Unseen task</a:t>
+            </a:r>
+          </a:p>
+          <a:p>
+            <a:r>
+              <a:rPr lang="en-US" altLang="zh-CN" sz="1100" dirty="0"/>
+              <a:t>(training samples)</a:t>
+            </a:r>
+          </a:p>
+        </p:txBody>
+      </p:sp>
+      <p:sp>
+        <p:nvSpPr>
+          <p:cNvPr id="79" name="TextBox 78">
+            <a:extLst>
+              <a:ext uri="{FF2B5EF4-FFF2-40B4-BE49-F238E27FC236}">
+                <a16:creationId xmlns:a16="http://schemas.microsoft.com/office/drawing/2014/main" id="{CD9D9EEC-750B-48C8-BF32-A03E3425304A}"/>
+              </a:ext>
+            </a:extLst>
+          </p:cNvPr>
+          <p:cNvSpPr txBox="1"/>
+          <p:nvPr/>
+        </p:nvSpPr>
+        <p:spPr>
+          <a:xfrm>
+            <a:off x="11921511" y="1348788"/>
+            <a:ext cx="2007585" cy="307777"/>
+          </a:xfrm>
+          <a:prstGeom prst="rect">
+            <a:avLst/>
+          </a:prstGeom>
+          <a:noFill/>
+        </p:spPr>
+        <p:txBody>
+          <a:bodyPr wrap="square" rtlCol="0">
+            <a:spAutoFit/>
+          </a:bodyPr>
+          <a:lstStyle/>
+          <a:p>
+            <a:r>
+              <a:rPr lang="en-US" sz="1400" dirty="0"/>
+              <a:t>Classifier fine tunning</a:t>
+            </a:r>
+          </a:p>
+        </p:txBody>
+      </p:sp>
+      <p:cxnSp>
+        <p:nvCxnSpPr>
+          <p:cNvPr id="82" name="Straight Arrow Connector 81">
+            <a:extLst>
+              <a:ext uri="{FF2B5EF4-FFF2-40B4-BE49-F238E27FC236}">
+                <a16:creationId xmlns:a16="http://schemas.microsoft.com/office/drawing/2014/main" id="{9FF170D1-9E09-43F6-B712-051C16D9A8C6}"/>
+              </a:ext>
+            </a:extLst>
+          </p:cNvPr>
+          <p:cNvCxnSpPr>
+            <a:cxnSpLocks/>
+          </p:cNvCxnSpPr>
+          <p:nvPr/>
+        </p:nvCxnSpPr>
+        <p:spPr>
+          <a:xfrm>
+            <a:off x="12837593" y="2983616"/>
+            <a:ext cx="1" cy="585496"/>
+          </a:xfrm>
+          <a:prstGeom prst="straightConnector1">
+            <a:avLst/>
+          </a:prstGeom>
+          <a:ln>
+            <a:solidFill>
+              <a:schemeClr val="tx1"/>
+            </a:solidFill>
+            <a:tailEnd type="triangle"/>
+          </a:ln>
         </p:spPr>
         <p:style>
           <a:lnRef idx="1">
@@ -3625,29 +4611,486 @@
       </p:cxnSp>
       <p:pic>
         <p:nvPicPr>
-          <p:cNvPr id="3" name="图片 2"/>
+          <p:cNvPr id="87" name="Picture 86" descr="Shape&#10;&#10;Description automatically generated with low confidence">
+            <a:extLst>
+              <a:ext uri="{FF2B5EF4-FFF2-40B4-BE49-F238E27FC236}">
+                <a16:creationId xmlns:a16="http://schemas.microsoft.com/office/drawing/2014/main" id="{0632A5AF-0D92-49E4-A2BA-FC8EF8EAAC86}"/>
+              </a:ext>
+            </a:extLst>
+          </p:cNvPr>
           <p:cNvPicPr>
             <a:picLocks noChangeAspect="1"/>
           </p:cNvPicPr>
           <p:nvPr/>
         </p:nvPicPr>
         <p:blipFill>
-          <a:blip r:embed="rId2"/>
+          <a:blip r:embed="rId7" cstate="print">
+            <a:extLst>
+              <a:ext uri="{28A0092B-C50C-407E-A947-70E740481C1C}">
+                <a14:useLocalDpi xmlns:a14="http://schemas.microsoft.com/office/drawing/2010/main" val="0"/>
+              </a:ext>
+            </a:extLst>
+          </a:blip>
           <a:stretch>
             <a:fillRect/>
           </a:stretch>
         </p:blipFill>
         <p:spPr>
           <a:xfrm>
-            <a:off x="5661660" y="3740150"/>
-            <a:ext cx="1021715" cy="606425"/>
+            <a:off x="12889952" y="3147390"/>
+            <a:ext cx="139968" cy="227801"/>
           </a:xfrm>
           <a:prstGeom prst="rect">
             <a:avLst/>
           </a:prstGeom>
         </p:spPr>
       </p:pic>
+      <p:cxnSp>
+        <p:nvCxnSpPr>
+          <p:cNvPr id="88" name="Straight Arrow Connector 87">
+            <a:extLst>
+              <a:ext uri="{FF2B5EF4-FFF2-40B4-BE49-F238E27FC236}">
+                <a16:creationId xmlns:a16="http://schemas.microsoft.com/office/drawing/2014/main" id="{50863899-6017-48E3-8F4D-AF1D24B510FB}"/>
+              </a:ext>
+            </a:extLst>
+          </p:cNvPr>
+          <p:cNvCxnSpPr>
+            <a:cxnSpLocks/>
+          </p:cNvCxnSpPr>
+          <p:nvPr/>
+        </p:nvCxnSpPr>
+        <p:spPr>
+          <a:xfrm>
+            <a:off x="14432263" y="3214837"/>
+            <a:ext cx="1020937" cy="10928"/>
+          </a:xfrm>
+          <a:prstGeom prst="straightConnector1">
+            <a:avLst/>
+          </a:prstGeom>
+          <a:ln>
+            <a:solidFill>
+              <a:schemeClr val="tx1"/>
+            </a:solidFill>
+            <a:tailEnd type="triangle"/>
+          </a:ln>
+        </p:spPr>
+        <p:style>
+          <a:lnRef idx="1">
+            <a:schemeClr val="accent1"/>
+          </a:lnRef>
+          <a:fillRef idx="0">
+            <a:schemeClr val="accent1"/>
+          </a:fillRef>
+          <a:effectRef idx="0">
+            <a:schemeClr val="accent1"/>
+          </a:effectRef>
+          <a:fontRef idx="minor">
+            <a:schemeClr val="tx1"/>
+          </a:fontRef>
+        </p:style>
+      </p:cxnSp>
+      <p:sp>
+        <p:nvSpPr>
+          <p:cNvPr id="92" name="TextBox 91">
+            <a:extLst>
+              <a:ext uri="{FF2B5EF4-FFF2-40B4-BE49-F238E27FC236}">
+                <a16:creationId xmlns:a16="http://schemas.microsoft.com/office/drawing/2014/main" id="{A7CD69F7-E0EC-410B-960E-E1614560985F}"/>
+              </a:ext>
+            </a:extLst>
+          </p:cNvPr>
+          <p:cNvSpPr txBox="1"/>
+          <p:nvPr/>
+        </p:nvSpPr>
+        <p:spPr>
+          <a:xfrm>
+            <a:off x="14413545" y="2760331"/>
+            <a:ext cx="1264190" cy="430887"/>
+          </a:xfrm>
+          <a:prstGeom prst="rect">
+            <a:avLst/>
+          </a:prstGeom>
+          <a:noFill/>
+        </p:spPr>
+        <p:txBody>
+          <a:bodyPr wrap="square" rtlCol="0">
+            <a:spAutoFit/>
+          </a:bodyPr>
+          <a:lstStyle/>
+          <a:p>
+            <a:r>
+              <a:rPr lang="en-US" altLang="zh-CN" sz="1100" dirty="0"/>
+              <a:t>Unseen task</a:t>
+            </a:r>
+          </a:p>
+          <a:p>
+            <a:r>
+              <a:rPr lang="en-US" altLang="zh-CN" sz="1100" dirty="0"/>
+              <a:t>(testing samples)</a:t>
+            </a:r>
+          </a:p>
+        </p:txBody>
+      </p:sp>
+      <p:sp>
+        <p:nvSpPr>
+          <p:cNvPr id="95" name="Rectangle 94">
+            <a:extLst>
+              <a:ext uri="{FF2B5EF4-FFF2-40B4-BE49-F238E27FC236}">
+                <a16:creationId xmlns:a16="http://schemas.microsoft.com/office/drawing/2014/main" id="{D50B4751-BC4B-4644-A793-C979838BB00F}"/>
+              </a:ext>
+            </a:extLst>
+          </p:cNvPr>
+          <p:cNvSpPr/>
+          <p:nvPr/>
+        </p:nvSpPr>
+        <p:spPr>
+          <a:xfrm>
+            <a:off x="15707018" y="1925014"/>
+            <a:ext cx="730156" cy="3288195"/>
+          </a:xfrm>
+          <a:prstGeom prst="rect">
+            <a:avLst/>
+          </a:prstGeom>
+          <a:solidFill>
+            <a:schemeClr val="accent3">
+              <a:lumMod val="60000"/>
+              <a:lumOff val="40000"/>
+            </a:schemeClr>
+          </a:solidFill>
+          <a:ln>
+            <a:solidFill>
+              <a:schemeClr val="accent4">
+                <a:lumMod val="60000"/>
+                <a:lumOff val="40000"/>
+              </a:schemeClr>
+            </a:solidFill>
+          </a:ln>
+        </p:spPr>
+        <p:style>
+          <a:lnRef idx="2">
+            <a:schemeClr val="accent1">
+              <a:shade val="50000"/>
+            </a:schemeClr>
+          </a:lnRef>
+          <a:fillRef idx="1">
+            <a:schemeClr val="accent1"/>
+          </a:fillRef>
+          <a:effectRef idx="0">
+            <a:schemeClr val="accent1"/>
+          </a:effectRef>
+          <a:fontRef idx="minor">
+            <a:schemeClr val="lt1"/>
+          </a:fontRef>
+        </p:style>
+        <p:txBody>
+          <a:bodyPr rtlCol="0" anchor="ctr"/>
+          <a:lstStyle/>
+          <a:p>
+            <a:pPr algn="ctr"/>
+            <a:endParaRPr lang="en-US"/>
+          </a:p>
+        </p:txBody>
+      </p:sp>
+      <p:sp>
+        <p:nvSpPr>
+          <p:cNvPr id="96" name="TextBox 95">
+            <a:extLst>
+              <a:ext uri="{FF2B5EF4-FFF2-40B4-BE49-F238E27FC236}">
+                <a16:creationId xmlns:a16="http://schemas.microsoft.com/office/drawing/2014/main" id="{5603B94D-65AC-4EF0-A15A-6E5BA4B765B0}"/>
+              </a:ext>
+            </a:extLst>
+          </p:cNvPr>
+          <p:cNvSpPr txBox="1"/>
+          <p:nvPr/>
+        </p:nvSpPr>
+        <p:spPr>
+          <a:xfrm>
+            <a:off x="15391937" y="1348788"/>
+            <a:ext cx="1440133" cy="307777"/>
+          </a:xfrm>
+          <a:prstGeom prst="rect">
+            <a:avLst/>
+          </a:prstGeom>
+          <a:noFill/>
+        </p:spPr>
+        <p:txBody>
+          <a:bodyPr wrap="square" rtlCol="0">
+            <a:spAutoFit/>
+          </a:bodyPr>
+          <a:lstStyle/>
+          <a:p>
+            <a:r>
+              <a:rPr lang="en-US" sz="1400" dirty="0"/>
+              <a:t>Final evaluation</a:t>
+            </a:r>
+          </a:p>
+        </p:txBody>
+      </p:sp>
+      <p:sp>
+        <p:nvSpPr>
+          <p:cNvPr id="97" name="Oval 96">
+            <a:extLst>
+              <a:ext uri="{FF2B5EF4-FFF2-40B4-BE49-F238E27FC236}">
+                <a16:creationId xmlns:a16="http://schemas.microsoft.com/office/drawing/2014/main" id="{D49038EA-7F5C-4D8D-BC5A-7F91C94B88B2}"/>
+              </a:ext>
+            </a:extLst>
+          </p:cNvPr>
+          <p:cNvSpPr/>
+          <p:nvPr/>
+        </p:nvSpPr>
+        <p:spPr>
+          <a:xfrm>
+            <a:off x="15848258" y="2117451"/>
+            <a:ext cx="447675" cy="454299"/>
+          </a:xfrm>
+          <a:prstGeom prst="ellipse">
+            <a:avLst/>
+          </a:prstGeom>
+          <a:solidFill>
+            <a:schemeClr val="accent5">
+              <a:lumMod val="60000"/>
+              <a:lumOff val="40000"/>
+            </a:schemeClr>
+          </a:solidFill>
+        </p:spPr>
+        <p:style>
+          <a:lnRef idx="2">
+            <a:schemeClr val="accent1">
+              <a:shade val="50000"/>
+            </a:schemeClr>
+          </a:lnRef>
+          <a:fillRef idx="1">
+            <a:schemeClr val="accent1"/>
+          </a:fillRef>
+          <a:effectRef idx="0">
+            <a:schemeClr val="accent1"/>
+          </a:effectRef>
+          <a:fontRef idx="minor">
+            <a:schemeClr val="lt1"/>
+          </a:fontRef>
+        </p:style>
+        <p:txBody>
+          <a:bodyPr rtlCol="0" anchor="ctr"/>
+          <a:lstStyle/>
+          <a:p>
+            <a:pPr algn="ctr"/>
+            <a:endParaRPr lang="en-US"/>
+          </a:p>
+        </p:txBody>
+      </p:sp>
+      <p:sp>
+        <p:nvSpPr>
+          <p:cNvPr id="98" name="Oval 97">
+            <a:extLst>
+              <a:ext uri="{FF2B5EF4-FFF2-40B4-BE49-F238E27FC236}">
+                <a16:creationId xmlns:a16="http://schemas.microsoft.com/office/drawing/2014/main" id="{3F7398B0-A10A-4E98-B60A-9D7357E7166C}"/>
+              </a:ext>
+            </a:extLst>
+          </p:cNvPr>
+          <p:cNvSpPr/>
+          <p:nvPr/>
+        </p:nvSpPr>
+        <p:spPr>
+          <a:xfrm>
+            <a:off x="15848257" y="2717625"/>
+            <a:ext cx="447675" cy="454299"/>
+          </a:xfrm>
+          <a:prstGeom prst="ellipse">
+            <a:avLst/>
+          </a:prstGeom>
+          <a:solidFill>
+            <a:schemeClr val="accent5">
+              <a:lumMod val="60000"/>
+              <a:lumOff val="40000"/>
+            </a:schemeClr>
+          </a:solidFill>
+        </p:spPr>
+        <p:style>
+          <a:lnRef idx="2">
+            <a:schemeClr val="accent1">
+              <a:shade val="50000"/>
+            </a:schemeClr>
+          </a:lnRef>
+          <a:fillRef idx="1">
+            <a:schemeClr val="accent1"/>
+          </a:fillRef>
+          <a:effectRef idx="0">
+            <a:schemeClr val="accent1"/>
+          </a:effectRef>
+          <a:fontRef idx="minor">
+            <a:schemeClr val="lt1"/>
+          </a:fontRef>
+        </p:style>
+        <p:txBody>
+          <a:bodyPr rtlCol="0" anchor="ctr"/>
+          <a:lstStyle/>
+          <a:p>
+            <a:pPr algn="ctr"/>
+            <a:endParaRPr lang="en-US"/>
+          </a:p>
+        </p:txBody>
+      </p:sp>
+      <p:sp>
+        <p:nvSpPr>
+          <p:cNvPr id="99" name="Oval 98">
+            <a:extLst>
+              <a:ext uri="{FF2B5EF4-FFF2-40B4-BE49-F238E27FC236}">
+                <a16:creationId xmlns:a16="http://schemas.microsoft.com/office/drawing/2014/main" id="{D4EBDBFF-8F04-4472-AB76-87A3A0E1CE9D}"/>
+              </a:ext>
+            </a:extLst>
+          </p:cNvPr>
+          <p:cNvSpPr/>
+          <p:nvPr/>
+        </p:nvSpPr>
+        <p:spPr>
+          <a:xfrm>
+            <a:off x="15848256" y="3921731"/>
+            <a:ext cx="447675" cy="454299"/>
+          </a:xfrm>
+          <a:prstGeom prst="ellipse">
+            <a:avLst/>
+          </a:prstGeom>
+          <a:solidFill>
+            <a:schemeClr val="accent5">
+              <a:lumMod val="60000"/>
+              <a:lumOff val="40000"/>
+            </a:schemeClr>
+          </a:solidFill>
+        </p:spPr>
+        <p:style>
+          <a:lnRef idx="2">
+            <a:schemeClr val="accent1">
+              <a:shade val="50000"/>
+            </a:schemeClr>
+          </a:lnRef>
+          <a:fillRef idx="1">
+            <a:schemeClr val="accent1"/>
+          </a:fillRef>
+          <a:effectRef idx="0">
+            <a:schemeClr val="accent1"/>
+          </a:effectRef>
+          <a:fontRef idx="minor">
+            <a:schemeClr val="lt1"/>
+          </a:fontRef>
+        </p:style>
+        <p:txBody>
+          <a:bodyPr rtlCol="0" anchor="ctr"/>
+          <a:lstStyle/>
+          <a:p>
+            <a:pPr algn="ctr"/>
+            <a:endParaRPr lang="en-US"/>
+          </a:p>
+        </p:txBody>
+      </p:sp>
+      <p:sp>
+        <p:nvSpPr>
+          <p:cNvPr id="100" name="Oval 99">
+            <a:extLst>
+              <a:ext uri="{FF2B5EF4-FFF2-40B4-BE49-F238E27FC236}">
+                <a16:creationId xmlns:a16="http://schemas.microsoft.com/office/drawing/2014/main" id="{52861AD2-C9B4-4DD4-A7FB-F7DE24017802}"/>
+              </a:ext>
+            </a:extLst>
+          </p:cNvPr>
+          <p:cNvSpPr/>
+          <p:nvPr/>
+        </p:nvSpPr>
+        <p:spPr>
+          <a:xfrm>
+            <a:off x="15848257" y="3319678"/>
+            <a:ext cx="447675" cy="454299"/>
+          </a:xfrm>
+          <a:prstGeom prst="ellipse">
+            <a:avLst/>
+          </a:prstGeom>
+          <a:solidFill>
+            <a:schemeClr val="accent5">
+              <a:lumMod val="60000"/>
+              <a:lumOff val="40000"/>
+            </a:schemeClr>
+          </a:solidFill>
+        </p:spPr>
+        <p:style>
+          <a:lnRef idx="2">
+            <a:schemeClr val="accent1">
+              <a:shade val="50000"/>
+            </a:schemeClr>
+          </a:lnRef>
+          <a:fillRef idx="1">
+            <a:schemeClr val="accent1"/>
+          </a:fillRef>
+          <a:effectRef idx="0">
+            <a:schemeClr val="accent1"/>
+          </a:effectRef>
+          <a:fontRef idx="minor">
+            <a:schemeClr val="lt1"/>
+          </a:fontRef>
+        </p:style>
+        <p:txBody>
+          <a:bodyPr rtlCol="0" anchor="ctr"/>
+          <a:lstStyle/>
+          <a:p>
+            <a:pPr algn="ctr"/>
+            <a:endParaRPr lang="en-US"/>
+          </a:p>
+        </p:txBody>
+      </p:sp>
+      <p:sp>
+        <p:nvSpPr>
+          <p:cNvPr id="101" name="Oval 100">
+            <a:extLst>
+              <a:ext uri="{FF2B5EF4-FFF2-40B4-BE49-F238E27FC236}">
+                <a16:creationId xmlns:a16="http://schemas.microsoft.com/office/drawing/2014/main" id="{9FB7C422-90B3-43B3-96FC-FE826FEC5CEC}"/>
+              </a:ext>
+            </a:extLst>
+          </p:cNvPr>
+          <p:cNvSpPr/>
+          <p:nvPr/>
+        </p:nvSpPr>
+        <p:spPr>
+          <a:xfrm>
+            <a:off x="15848256" y="4518452"/>
+            <a:ext cx="447675" cy="454299"/>
+          </a:xfrm>
+          <a:prstGeom prst="ellipse">
+            <a:avLst/>
+          </a:prstGeom>
+          <a:solidFill>
+            <a:schemeClr val="accent5">
+              <a:lumMod val="60000"/>
+              <a:lumOff val="40000"/>
+            </a:schemeClr>
+          </a:solidFill>
+        </p:spPr>
+        <p:style>
+          <a:lnRef idx="2">
+            <a:schemeClr val="accent1">
+              <a:shade val="50000"/>
+            </a:schemeClr>
+          </a:lnRef>
+          <a:fillRef idx="1">
+            <a:schemeClr val="accent1"/>
+          </a:fillRef>
+          <a:effectRef idx="0">
+            <a:schemeClr val="accent1"/>
+          </a:effectRef>
+          <a:fontRef idx="minor">
+            <a:schemeClr val="lt1"/>
+          </a:fontRef>
+        </p:style>
+        <p:txBody>
+          <a:bodyPr rtlCol="0" anchor="ctr"/>
+          <a:lstStyle/>
+          <a:p>
+            <a:pPr algn="ctr"/>
+            <a:endParaRPr lang="en-US"/>
+          </a:p>
+        </p:txBody>
+      </p:sp>
     </p:spTree>
+    <p:extLst>
+      <p:ext uri="{BB962C8B-B14F-4D97-AF65-F5344CB8AC3E}">
+        <p14:creationId xmlns:p14="http://schemas.microsoft.com/office/powerpoint/2010/main" val="1337763336"/>
+      </p:ext>
+    </p:extLst>
   </p:cSld>
   <p:clrMapOvr>
     <a:masterClrMapping/>
@@ -3658,7 +5101,7 @@
 <file path=ppt/theme/theme1.xml><?xml version="1.0" encoding="utf-8"?>
 <a:theme xmlns:a="http://schemas.openxmlformats.org/drawingml/2006/main" name="Office Theme">
   <a:themeElements>
-    <a:clrScheme name="Office">
+    <a:clrScheme name="Office Theme">
       <a:dk1>
         <a:sysClr val="windowText" lastClr="000000"/>
       </a:dk1>
@@ -3696,9 +5139,9 @@
         <a:srgbClr val="954F72"/>
       </a:folHlink>
     </a:clrScheme>
-    <a:fontScheme name="Office">
+    <a:fontScheme name="Office Theme">
       <a:majorFont>
-        <a:latin typeface="Calibri Light"/>
+        <a:latin typeface="Calibri Light" panose="020F0302020204030204"/>
         <a:ea typeface=""/>
         <a:cs typeface=""/>
         <a:font script="Jpan" typeface="游ゴシック Light"/>
@@ -3733,7 +5176,7 @@
         <a:font script="Geor" typeface="Sylfaen"/>
       </a:majorFont>
       <a:minorFont>
-        <a:latin typeface="Calibri"/>
+        <a:latin typeface="Calibri" panose="020F0502020204030204"/>
         <a:ea typeface=""/>
         <a:cs typeface=""/>
         <a:font script="Jpan" typeface="游ゴシック"/>
@@ -3768,7 +5211,7 @@
         <a:font script="Geor" typeface="Sylfaen"/>
       </a:minorFont>
     </a:fontScheme>
-    <a:fmtScheme name="Office">
+    <a:fmtScheme name="Office Theme">
       <a:fillStyleLst>
         <a:solidFill>
           <a:schemeClr val="phClr"/>
@@ -3906,6 +5349,8 @@
       </a:bgFillStyleLst>
     </a:fmtScheme>
   </a:themeElements>
+  <a:objectDefaults/>
+  <a:extraClrSchemeLst/>
   <a:extLst>
     <a:ext uri="{05A4C25C-085E-4340-85A3-A5531E510DB2}">
       <thm15:themeFamily xmlns:thm15="http://schemas.microsoft.com/office/thememl/2012/main" name="Office Theme" id="{62F939B6-93AF-4DB8-9C6B-D6C7DFDC589F}" vid="{4A3C46E8-61CC-4603-A589-7422A47A8E4A}"/>

--- a/figures/pipeline.pptx
+++ b/figures/pipeline.pptx
@@ -3642,7 +3642,7 @@
         </p:nvSpPr>
         <p:spPr>
           <a:xfrm>
-            <a:off x="11261009" y="929726"/>
+            <a:off x="9519891" y="854570"/>
             <a:ext cx="6225798" cy="4603997"/>
           </a:xfrm>
           <a:prstGeom prst="roundRect">
@@ -3696,7 +3696,7 @@
         </p:nvSpPr>
         <p:spPr>
           <a:xfrm>
-            <a:off x="11589301" y="1662119"/>
+            <a:off x="9848183" y="1586963"/>
             <a:ext cx="2683005" cy="3636341"/>
           </a:xfrm>
           <a:prstGeom prst="roundRect">
@@ -3707,7 +3707,10 @@
           </a:solidFill>
           <a:ln>
             <a:solidFill>
-              <a:schemeClr val="accent4"/>
+              <a:schemeClr val="accent4">
+                <a:lumMod val="60000"/>
+                <a:lumOff val="40000"/>
+              </a:schemeClr>
             </a:solidFill>
           </a:ln>
         </p:spPr>
@@ -3750,7 +3753,7 @@
         </p:nvSpPr>
         <p:spPr>
           <a:xfrm>
-            <a:off x="6869188" y="1000125"/>
+            <a:off x="5128070" y="924969"/>
             <a:ext cx="2661372" cy="4486275"/>
           </a:xfrm>
           <a:prstGeom prst="roundRect">
@@ -3806,14 +3809,14 @@
         </p:nvSpPr>
         <p:spPr>
           <a:xfrm>
-            <a:off x="7319176" y="1672506"/>
+            <a:off x="5578058" y="1597350"/>
             <a:ext cx="1832240" cy="1528760"/>
           </a:xfrm>
           <a:prstGeom prst="roundRect">
             <a:avLst/>
           </a:prstGeom>
           <a:solidFill>
-            <a:schemeClr val="accent2">
+            <a:schemeClr val="accent6">
               <a:lumMod val="40000"/>
               <a:lumOff val="60000"/>
             </a:schemeClr>
@@ -3858,7 +3861,7 @@
         </p:nvSpPr>
         <p:spPr>
           <a:xfrm>
-            <a:off x="3828819" y="1456081"/>
+            <a:off x="2087701" y="1380925"/>
             <a:ext cx="1543050" cy="338554"/>
           </a:xfrm>
           <a:prstGeom prst="rect">
@@ -3901,7 +3904,7 @@
         </p:blipFill>
         <p:spPr>
           <a:xfrm>
-            <a:off x="4009794" y="1918428"/>
+            <a:off x="2268676" y="1843272"/>
             <a:ext cx="1181100" cy="849745"/>
           </a:xfrm>
           <a:prstGeom prst="rect">
@@ -3931,7 +3934,7 @@
         </p:blipFill>
         <p:spPr>
           <a:xfrm>
-            <a:off x="4009794" y="2916540"/>
+            <a:off x="2268676" y="2841384"/>
             <a:ext cx="1181100" cy="784421"/>
           </a:xfrm>
           <a:prstGeom prst="rect">
@@ -3961,7 +3964,7 @@
         </p:blipFill>
         <p:spPr>
           <a:xfrm>
-            <a:off x="4009794" y="3824753"/>
+            <a:off x="2268676" y="3749597"/>
             <a:ext cx="1181100" cy="784421"/>
           </a:xfrm>
           <a:prstGeom prst="rect">
@@ -3991,7 +3994,7 @@
         </p:blipFill>
         <p:spPr>
           <a:xfrm>
-            <a:off x="7480623" y="2202699"/>
+            <a:off x="5739505" y="2127543"/>
             <a:ext cx="1415728" cy="847902"/>
           </a:xfrm>
           <a:prstGeom prst="rect">
@@ -4016,7 +4019,7 @@
         </p:nvCxnSpPr>
         <p:spPr>
           <a:xfrm>
-            <a:off x="5371870" y="3243262"/>
+            <a:off x="3630752" y="3168106"/>
             <a:ext cx="1497319" cy="0"/>
           </a:xfrm>
           <a:prstGeom prst="straightConnector1">
@@ -4058,7 +4061,7 @@
         </p:nvSpPr>
         <p:spPr>
           <a:xfrm>
-            <a:off x="7394898" y="1202059"/>
+            <a:off x="5653780" y="1126903"/>
             <a:ext cx="1713925" cy="307777"/>
           </a:xfrm>
           <a:prstGeom prst="rect">
@@ -4098,7 +4101,7 @@
         </p:nvCxnSpPr>
         <p:spPr>
           <a:xfrm flipV="1">
-            <a:off x="9530560" y="3231725"/>
+            <a:off x="7789442" y="3156569"/>
             <a:ext cx="1730449" cy="11538"/>
           </a:xfrm>
           <a:prstGeom prst="straightConnector1">
@@ -4140,7 +4143,7 @@
         </p:nvSpPr>
         <p:spPr>
           <a:xfrm>
-            <a:off x="7359440" y="1809674"/>
+            <a:off x="5618322" y="1734518"/>
             <a:ext cx="1749382" cy="307777"/>
           </a:xfrm>
           <a:prstGeom prst="rect">
@@ -4175,7 +4178,7 @@
         </p:nvSpPr>
         <p:spPr>
           <a:xfrm>
-            <a:off x="7231371" y="3793738"/>
+            <a:off x="5490253" y="3718582"/>
             <a:ext cx="2078288" cy="307777"/>
           </a:xfrm>
           <a:prstGeom prst="rect">
@@ -4218,7 +4221,7 @@
         </p:blipFill>
         <p:spPr>
           <a:xfrm>
-            <a:off x="7748583" y="4333492"/>
+            <a:off x="6007465" y="4258336"/>
             <a:ext cx="824435" cy="489332"/>
           </a:xfrm>
           <a:prstGeom prst="rect">
@@ -4240,7 +4243,7 @@
         </p:nvSpPr>
         <p:spPr>
           <a:xfrm>
-            <a:off x="5424023" y="2768173"/>
+            <a:off x="3682905" y="2693017"/>
             <a:ext cx="1264190" cy="430887"/>
           </a:xfrm>
           <a:prstGeom prst="rect">
@@ -4285,14 +4288,14 @@
         </p:nvSpPr>
         <p:spPr>
           <a:xfrm>
-            <a:off x="11862355" y="3569112"/>
+            <a:off x="10121237" y="3493956"/>
             <a:ext cx="1832240" cy="1528760"/>
           </a:xfrm>
           <a:prstGeom prst="roundRect">
             <a:avLst/>
           </a:prstGeom>
           <a:solidFill>
-            <a:schemeClr val="accent2">
+            <a:schemeClr val="accent6">
               <a:lumMod val="40000"/>
               <a:lumOff val="60000"/>
             </a:schemeClr>
@@ -4345,7 +4348,7 @@
         </p:blipFill>
         <p:spPr>
           <a:xfrm>
-            <a:off x="12088338" y="2067229"/>
+            <a:off x="10347220" y="1992073"/>
             <a:ext cx="1415728" cy="847902"/>
           </a:xfrm>
           <a:prstGeom prst="rect">
@@ -4367,7 +4370,7 @@
         </p:nvSpPr>
         <p:spPr>
           <a:xfrm>
-            <a:off x="13694595" y="894282"/>
+            <a:off x="11953477" y="819126"/>
             <a:ext cx="1713925" cy="307777"/>
           </a:xfrm>
           <a:prstGeom prst="rect">
@@ -4403,7 +4406,7 @@
         </p:nvSpPr>
         <p:spPr>
           <a:xfrm>
-            <a:off x="12015261" y="1752415"/>
+            <a:off x="10274143" y="1677259"/>
             <a:ext cx="1749382" cy="307777"/>
           </a:xfrm>
           <a:prstGeom prst="rect">
@@ -4438,7 +4441,7 @@
         </p:nvSpPr>
         <p:spPr>
           <a:xfrm>
-            <a:off x="11850808" y="3832822"/>
+            <a:off x="10109690" y="3757666"/>
             <a:ext cx="2078288" cy="307777"/>
           </a:xfrm>
           <a:prstGeom prst="rect">
@@ -4481,7 +4484,7 @@
         </p:blipFill>
         <p:spPr>
           <a:xfrm>
-            <a:off x="12366257" y="4355534"/>
+            <a:off x="10625139" y="4280378"/>
             <a:ext cx="824435" cy="489332"/>
           </a:xfrm>
           <a:prstGeom prst="rect">
@@ -4503,7 +4506,7 @@
         </p:nvSpPr>
         <p:spPr>
           <a:xfrm>
-            <a:off x="9763689" y="2800838"/>
+            <a:off x="8022571" y="2725682"/>
             <a:ext cx="1264190" cy="430887"/>
           </a:xfrm>
           <a:prstGeom prst="rect">
@@ -4544,7 +4547,7 @@
         </p:nvSpPr>
         <p:spPr>
           <a:xfrm>
-            <a:off x="11921511" y="1348788"/>
+            <a:off x="10180393" y="1273632"/>
             <a:ext cx="2007585" cy="307777"/>
           </a:xfrm>
           <a:prstGeom prst="rect">
@@ -4581,7 +4584,7 @@
         </p:nvCxnSpPr>
         <p:spPr>
           <a:xfrm>
-            <a:off x="12837593" y="2983616"/>
+            <a:off x="11096475" y="2908460"/>
             <a:ext cx="1" cy="585496"/>
           </a:xfrm>
           <a:prstGeom prst="straightConnector1">
@@ -4637,7 +4640,7 @@
         </p:blipFill>
         <p:spPr>
           <a:xfrm>
-            <a:off x="12889952" y="3147390"/>
+            <a:off x="11148834" y="3072234"/>
             <a:ext cx="139968" cy="227801"/>
           </a:xfrm>
           <a:prstGeom prst="rect">
@@ -4661,7 +4664,7 @@
         </p:nvCxnSpPr>
         <p:spPr>
           <a:xfrm>
-            <a:off x="14432263" y="3214837"/>
+            <a:off x="12691145" y="3139681"/>
             <a:ext cx="1020937" cy="10928"/>
           </a:xfrm>
           <a:prstGeom prst="straightConnector1">
@@ -4703,7 +4706,7 @@
         </p:nvSpPr>
         <p:spPr>
           <a:xfrm>
-            <a:off x="14413545" y="2760331"/>
+            <a:off x="12672427" y="2685175"/>
             <a:ext cx="1264190" cy="430887"/>
           </a:xfrm>
           <a:prstGeom prst="rect">
@@ -4744,7 +4747,7 @@
         </p:nvSpPr>
         <p:spPr>
           <a:xfrm>
-            <a:off x="15707018" y="1925014"/>
+            <a:off x="13965900" y="1849858"/>
             <a:ext cx="730156" cy="3288195"/>
           </a:xfrm>
           <a:prstGeom prst="rect">
@@ -4804,7 +4807,7 @@
         </p:nvSpPr>
         <p:spPr>
           <a:xfrm>
-            <a:off x="15391937" y="1348788"/>
+            <a:off x="13650819" y="1273632"/>
             <a:ext cx="1440133" cy="307777"/>
           </a:xfrm>
           <a:prstGeom prst="rect">
@@ -4839,7 +4842,7 @@
         </p:nvSpPr>
         <p:spPr>
           <a:xfrm>
-            <a:off x="15848258" y="2117451"/>
+            <a:off x="14107140" y="2042295"/>
             <a:ext cx="447675" cy="454299"/>
           </a:xfrm>
           <a:prstGeom prst="ellipse">
@@ -4891,7 +4894,7 @@
         </p:nvSpPr>
         <p:spPr>
           <a:xfrm>
-            <a:off x="15848257" y="2717625"/>
+            <a:off x="14107139" y="2642469"/>
             <a:ext cx="447675" cy="454299"/>
           </a:xfrm>
           <a:prstGeom prst="ellipse">
@@ -4943,7 +4946,7 @@
         </p:nvSpPr>
         <p:spPr>
           <a:xfrm>
-            <a:off x="15848256" y="3921731"/>
+            <a:off x="14107138" y="3846575"/>
             <a:ext cx="447675" cy="454299"/>
           </a:xfrm>
           <a:prstGeom prst="ellipse">
@@ -4995,7 +4998,7 @@
         </p:nvSpPr>
         <p:spPr>
           <a:xfrm>
-            <a:off x="15848257" y="3319678"/>
+            <a:off x="14107139" y="3244522"/>
             <a:ext cx="447675" cy="454299"/>
           </a:xfrm>
           <a:prstGeom prst="ellipse">
@@ -5047,7 +5050,7 @@
         </p:nvSpPr>
         <p:spPr>
           <a:xfrm>
-            <a:off x="15848256" y="4518452"/>
+            <a:off x="14107138" y="4443296"/>
             <a:ext cx="447675" cy="454299"/>
           </a:xfrm>
           <a:prstGeom prst="ellipse">

--- a/figures/pipeline.pptx
+++ b/figures/pipeline.pptx
@@ -244,7 +244,7 @@
           <a:p>
             <a:fld id="{A169F0B6-6056-428B-AB91-68CE97708E12}" type="datetimeFigureOut">
               <a:rPr lang="en-US" smtClean="0"/>
-              <a:t>2/24/2022</a:t>
+              <a:t>2/25/2022</a:t>
             </a:fld>
             <a:endParaRPr lang="en-US"/>
           </a:p>
@@ -414,7 +414,7 @@
           <a:p>
             <a:fld id="{A169F0B6-6056-428B-AB91-68CE97708E12}" type="datetimeFigureOut">
               <a:rPr lang="en-US" smtClean="0"/>
-              <a:t>2/24/2022</a:t>
+              <a:t>2/25/2022</a:t>
             </a:fld>
             <a:endParaRPr lang="en-US"/>
           </a:p>
@@ -594,7 +594,7 @@
           <a:p>
             <a:fld id="{A169F0B6-6056-428B-AB91-68CE97708E12}" type="datetimeFigureOut">
               <a:rPr lang="en-US" smtClean="0"/>
-              <a:t>2/24/2022</a:t>
+              <a:t>2/25/2022</a:t>
             </a:fld>
             <a:endParaRPr lang="en-US"/>
           </a:p>
@@ -764,7 +764,7 @@
           <a:p>
             <a:fld id="{A169F0B6-6056-428B-AB91-68CE97708E12}" type="datetimeFigureOut">
               <a:rPr lang="en-US" smtClean="0"/>
-              <a:t>2/24/2022</a:t>
+              <a:t>2/25/2022</a:t>
             </a:fld>
             <a:endParaRPr lang="en-US"/>
           </a:p>
@@ -1010,7 +1010,7 @@
           <a:p>
             <a:fld id="{A169F0B6-6056-428B-AB91-68CE97708E12}" type="datetimeFigureOut">
               <a:rPr lang="en-US" smtClean="0"/>
-              <a:t>2/24/2022</a:t>
+              <a:t>2/25/2022</a:t>
             </a:fld>
             <a:endParaRPr lang="en-US"/>
           </a:p>
@@ -1242,7 +1242,7 @@
           <a:p>
             <a:fld id="{A169F0B6-6056-428B-AB91-68CE97708E12}" type="datetimeFigureOut">
               <a:rPr lang="en-US" smtClean="0"/>
-              <a:t>2/24/2022</a:t>
+              <a:t>2/25/2022</a:t>
             </a:fld>
             <a:endParaRPr lang="en-US"/>
           </a:p>
@@ -1609,7 +1609,7 @@
           <a:p>
             <a:fld id="{A169F0B6-6056-428B-AB91-68CE97708E12}" type="datetimeFigureOut">
               <a:rPr lang="en-US" smtClean="0"/>
-              <a:t>2/24/2022</a:t>
+              <a:t>2/25/2022</a:t>
             </a:fld>
             <a:endParaRPr lang="en-US"/>
           </a:p>
@@ -1727,7 +1727,7 @@
           <a:p>
             <a:fld id="{A169F0B6-6056-428B-AB91-68CE97708E12}" type="datetimeFigureOut">
               <a:rPr lang="en-US" smtClean="0"/>
-              <a:t>2/24/2022</a:t>
+              <a:t>2/25/2022</a:t>
             </a:fld>
             <a:endParaRPr lang="en-US"/>
           </a:p>
@@ -1822,7 +1822,7 @@
           <a:p>
             <a:fld id="{A169F0B6-6056-428B-AB91-68CE97708E12}" type="datetimeFigureOut">
               <a:rPr lang="en-US" smtClean="0"/>
-              <a:t>2/24/2022</a:t>
+              <a:t>2/25/2022</a:t>
             </a:fld>
             <a:endParaRPr lang="en-US"/>
           </a:p>
@@ -2099,7 +2099,7 @@
           <a:p>
             <a:fld id="{A169F0B6-6056-428B-AB91-68CE97708E12}" type="datetimeFigureOut">
               <a:rPr lang="en-US" smtClean="0"/>
-              <a:t>2/24/2022</a:t>
+              <a:t>2/25/2022</a:t>
             </a:fld>
             <a:endParaRPr lang="en-US"/>
           </a:p>
@@ -2356,7 +2356,7 @@
           <a:p>
             <a:fld id="{A169F0B6-6056-428B-AB91-68CE97708E12}" type="datetimeFigureOut">
               <a:rPr lang="en-US" smtClean="0"/>
-              <a:t>2/24/2022</a:t>
+              <a:t>2/25/2022</a:t>
             </a:fld>
             <a:endParaRPr lang="en-US"/>
           </a:p>
@@ -2569,7 +2569,7 @@
           <a:p>
             <a:fld id="{A169F0B6-6056-428B-AB91-68CE97708E12}" type="datetimeFigureOut">
               <a:rPr lang="en-US" smtClean="0"/>
-              <a:t>2/24/2022</a:t>
+              <a:t>2/25/2022</a:t>
             </a:fld>
             <a:endParaRPr lang="en-US"/>
           </a:p>
@@ -3128,7 +3128,7 @@
         </p:nvSpPr>
         <p:spPr>
           <a:xfrm>
-            <a:off x="8723726" y="5117608"/>
+            <a:off x="12007160" y="1601530"/>
             <a:ext cx="1314063" cy="1192851"/>
           </a:xfrm>
           <a:prstGeom prst="rect">
@@ -3295,49 +3295,14 @@
         </p:blipFill>
         <p:spPr>
           <a:xfrm>
-            <a:off x="5724280" y="3628009"/>
-            <a:ext cx="1545639" cy="1534868"/>
+            <a:off x="10727124" y="871686"/>
+            <a:ext cx="896870" cy="890620"/>
           </a:xfrm>
           <a:prstGeom prst="rect">
             <a:avLst/>
           </a:prstGeom>
         </p:spPr>
       </p:pic>
-      <p:sp>
-        <p:nvSpPr>
-          <p:cNvPr id="10" name="TextBox 9">
-            <a:extLst>
-              <a:ext uri="{FF2B5EF4-FFF2-40B4-BE49-F238E27FC236}">
-                <a16:creationId xmlns:a16="http://schemas.microsoft.com/office/drawing/2014/main" id="{3476EE46-B530-40DE-8551-BF02606CB979}"/>
-              </a:ext>
-            </a:extLst>
-          </p:cNvPr>
-          <p:cNvSpPr txBox="1"/>
-          <p:nvPr/>
-        </p:nvSpPr>
-        <p:spPr>
-          <a:xfrm>
-            <a:off x="5935795" y="3216358"/>
-            <a:ext cx="1191152" cy="369332"/>
-          </a:xfrm>
-          <a:prstGeom prst="rect">
-            <a:avLst/>
-          </a:prstGeom>
-          <a:noFill/>
-        </p:spPr>
-        <p:txBody>
-          <a:bodyPr wrap="square" rtlCol="0">
-            <a:spAutoFit/>
-          </a:bodyPr>
-          <a:lstStyle/>
-          <a:p>
-            <a:r>
-              <a:rPr lang="en-US" altLang="zh-CN" dirty="0"/>
-              <a:t>CT data</a:t>
-            </a:r>
-          </a:p>
-        </p:txBody>
-      </p:sp>
       <p:sp>
         <p:nvSpPr>
           <p:cNvPr id="11" name="TextBox 10">
@@ -3352,7 +3317,7 @@
         </p:nvSpPr>
         <p:spPr>
           <a:xfrm>
-            <a:off x="7534352" y="3919287"/>
+            <a:off x="10543464" y="1786388"/>
             <a:ext cx="1264190" cy="430887"/>
           </a:xfrm>
           <a:prstGeom prst="rect">
@@ -3466,7 +3431,7 @@
         </p:blipFill>
         <p:spPr>
           <a:xfrm>
-            <a:off x="9053391" y="5714034"/>
+            <a:off x="12336825" y="2197956"/>
             <a:ext cx="820565" cy="525718"/>
           </a:xfrm>
           <a:prstGeom prst="rect">
@@ -3488,7 +3453,7 @@
         </p:nvSpPr>
         <p:spPr>
           <a:xfrm>
-            <a:off x="8759555" y="4825241"/>
+            <a:off x="12042128" y="1276257"/>
             <a:ext cx="1264190" cy="307777"/>
           </a:xfrm>
           <a:prstGeom prst="rect">
@@ -3511,23 +3476,24 @@
       </p:sp>
       <p:cxnSp>
         <p:nvCxnSpPr>
-          <p:cNvPr id="39" name="Straight Arrow Connector 38">
+          <p:cNvPr id="16" name="Straight Arrow Connector 15">
             <a:extLst>
               <a:ext uri="{FF2B5EF4-FFF2-40B4-BE49-F238E27FC236}">
-                <a16:creationId xmlns:a16="http://schemas.microsoft.com/office/drawing/2014/main" id="{F54AC035-39A3-45F3-A231-9B86C20EBF4D}"/>
+                <a16:creationId xmlns:a16="http://schemas.microsoft.com/office/drawing/2014/main" id="{2EAFB95B-8334-4251-9713-18391AD67CE1}"/>
               </a:ext>
             </a:extLst>
           </p:cNvPr>
           <p:cNvCxnSpPr>
             <a:cxnSpLocks/>
-            <a:stCxn id="4" idx="2"/>
+            <a:stCxn id="4" idx="3"/>
+            <a:endCxn id="6" idx="1"/>
           </p:cNvCxnSpPr>
           <p:nvPr/>
         </p:nvCxnSpPr>
         <p:spPr>
           <a:xfrm>
-            <a:off x="9380758" y="2794382"/>
-            <a:ext cx="0" cy="1985590"/>
+            <a:off x="10112605" y="2197956"/>
+            <a:ext cx="1894555" cy="0"/>
           </a:xfrm>
           <a:prstGeom prst="straightConnector1">
             <a:avLst/>
@@ -3537,50 +3503,6 @@
               <a:schemeClr val="tx1"/>
             </a:solidFill>
             <a:tailEnd type="triangle"/>
-          </a:ln>
-        </p:spPr>
-        <p:style>
-          <a:lnRef idx="1">
-            <a:schemeClr val="accent1"/>
-          </a:lnRef>
-          <a:fillRef idx="0">
-            <a:schemeClr val="accent1"/>
-          </a:fillRef>
-          <a:effectRef idx="0">
-            <a:schemeClr val="accent1"/>
-          </a:effectRef>
-          <a:fontRef idx="minor">
-            <a:schemeClr val="tx1"/>
-          </a:fontRef>
-        </p:style>
-      </p:cxnSp>
-      <p:cxnSp>
-        <p:nvCxnSpPr>
-          <p:cNvPr id="43" name="Straight Connector 42">
-            <a:extLst>
-              <a:ext uri="{FF2B5EF4-FFF2-40B4-BE49-F238E27FC236}">
-                <a16:creationId xmlns:a16="http://schemas.microsoft.com/office/drawing/2014/main" id="{72118FE9-86E9-41B1-87F0-DDBC485648C8}"/>
-              </a:ext>
-            </a:extLst>
-          </p:cNvPr>
-          <p:cNvCxnSpPr>
-            <a:cxnSpLocks/>
-            <a:stCxn id="9" idx="3"/>
-          </p:cNvCxnSpPr>
-          <p:nvPr/>
-        </p:nvCxnSpPr>
-        <p:spPr>
-          <a:xfrm>
-            <a:off x="7269919" y="4395443"/>
-            <a:ext cx="2121731" cy="0"/>
-          </a:xfrm>
-          <a:prstGeom prst="line">
-            <a:avLst/>
-          </a:prstGeom>
-          <a:ln>
-            <a:solidFill>
-              <a:schemeClr val="tx1"/>
-            </a:solidFill>
           </a:ln>
         </p:spPr>
         <p:style>
